--- a/ux/markers.pptx
+++ b/ux/markers.pptx
@@ -4,6 +4,9 @@
   <p:sldMasterIdLst>
     <p:sldMasterId id="2147483648" r:id="rId1"/>
   </p:sldMasterIdLst>
+  <p:notesMasterIdLst>
+    <p:notesMasterId r:id="rId3"/>
+  </p:notesMasterIdLst>
   <p:sldIdLst>
     <p:sldId id="256" r:id="rId2"/>
   </p:sldIdLst>
@@ -107,6 +110,440 @@
 </p:presentation>
 </file>
 
+<file path=ppt/notesMasters/notesMaster1.xml><?xml version="1.0" encoding="utf-8"?>
+<p:notesMaster xmlns:a="http://schemas.openxmlformats.org/drawingml/2006/main" xmlns:r="http://schemas.openxmlformats.org/officeDocument/2006/relationships" xmlns:p="http://schemas.openxmlformats.org/presentationml/2006/main">
+  <p:cSld>
+    <p:bg>
+      <p:bgRef idx="1001">
+        <a:schemeClr val="bg1"/>
+      </p:bgRef>
+    </p:bg>
+    <p:spTree>
+      <p:nvGrpSpPr>
+        <p:cNvPr id="1" name=""/>
+        <p:cNvGrpSpPr/>
+        <p:nvPr/>
+      </p:nvGrpSpPr>
+      <p:grpSpPr>
+        <a:xfrm>
+          <a:off x="0" y="0"/>
+          <a:ext cx="0" cy="0"/>
+          <a:chOff x="0" y="0"/>
+          <a:chExt cx="0" cy="0"/>
+        </a:xfrm>
+      </p:grpSpPr>
+      <p:sp>
+        <p:nvSpPr>
+          <p:cNvPr id="2" name="Header Placeholder 1"/>
+          <p:cNvSpPr>
+            <a:spLocks noGrp="1"/>
+          </p:cNvSpPr>
+          <p:nvPr>
+            <p:ph type="hdr" sz="quarter"/>
+          </p:nvPr>
+        </p:nvSpPr>
+        <p:spPr>
+          <a:xfrm>
+            <a:off x="0" y="0"/>
+            <a:ext cx="2971800" cy="457200"/>
+          </a:xfrm>
+          <a:prstGeom prst="rect">
+            <a:avLst/>
+          </a:prstGeom>
+        </p:spPr>
+        <p:txBody>
+          <a:bodyPr vert="horz" lIns="91440" tIns="45720" rIns="91440" bIns="45720" rtlCol="0"/>
+          <a:lstStyle>
+            <a:lvl1pPr algn="l">
+              <a:defRPr sz="1200"/>
+            </a:lvl1pPr>
+          </a:lstStyle>
+          <a:p>
+            <a:endParaRPr lang="en-US"/>
+          </a:p>
+        </p:txBody>
+      </p:sp>
+      <p:sp>
+        <p:nvSpPr>
+          <p:cNvPr id="3" name="Date Placeholder 2"/>
+          <p:cNvSpPr>
+            <a:spLocks noGrp="1"/>
+          </p:cNvSpPr>
+          <p:nvPr>
+            <p:ph type="dt" idx="1"/>
+          </p:nvPr>
+        </p:nvSpPr>
+        <p:spPr>
+          <a:xfrm>
+            <a:off x="3884613" y="0"/>
+            <a:ext cx="2971800" cy="457200"/>
+          </a:xfrm>
+          <a:prstGeom prst="rect">
+            <a:avLst/>
+          </a:prstGeom>
+        </p:spPr>
+        <p:txBody>
+          <a:bodyPr vert="horz" lIns="91440" tIns="45720" rIns="91440" bIns="45720" rtlCol="0"/>
+          <a:lstStyle>
+            <a:lvl1pPr algn="r">
+              <a:defRPr sz="1200"/>
+            </a:lvl1pPr>
+          </a:lstStyle>
+          <a:p>
+            <a:fld id="{78A2075D-F9ED-4919-91B0-1A46D94E5F9C}" type="datetimeFigureOut">
+              <a:rPr lang="en-US" smtClean="0"/>
+              <a:t>6/17/2011</a:t>
+            </a:fld>
+            <a:endParaRPr lang="en-US"/>
+          </a:p>
+        </p:txBody>
+      </p:sp>
+      <p:sp>
+        <p:nvSpPr>
+          <p:cNvPr id="4" name="Slide Image Placeholder 3"/>
+          <p:cNvSpPr>
+            <a:spLocks noGrp="1" noRot="1" noChangeAspect="1"/>
+          </p:cNvSpPr>
+          <p:nvPr>
+            <p:ph type="sldImg" idx="2"/>
+          </p:nvPr>
+        </p:nvSpPr>
+        <p:spPr>
+          <a:xfrm>
+            <a:off x="1143000" y="685800"/>
+            <a:ext cx="4572000" cy="3429000"/>
+          </a:xfrm>
+          <a:prstGeom prst="rect">
+            <a:avLst/>
+          </a:prstGeom>
+          <a:noFill/>
+          <a:ln w="12700">
+            <a:solidFill>
+              <a:prstClr val="black"/>
+            </a:solidFill>
+          </a:ln>
+        </p:spPr>
+        <p:txBody>
+          <a:bodyPr vert="horz" lIns="91440" tIns="45720" rIns="91440" bIns="45720" rtlCol="0" anchor="ctr"/>
+          <a:lstStyle/>
+          <a:p>
+            <a:endParaRPr lang="en-US"/>
+          </a:p>
+        </p:txBody>
+      </p:sp>
+      <p:sp>
+        <p:nvSpPr>
+          <p:cNvPr id="5" name="Notes Placeholder 4"/>
+          <p:cNvSpPr>
+            <a:spLocks noGrp="1"/>
+          </p:cNvSpPr>
+          <p:nvPr>
+            <p:ph type="body" sz="quarter" idx="3"/>
+          </p:nvPr>
+        </p:nvSpPr>
+        <p:spPr>
+          <a:xfrm>
+            <a:off x="685800" y="4343400"/>
+            <a:ext cx="5486400" cy="4114800"/>
+          </a:xfrm>
+          <a:prstGeom prst="rect">
+            <a:avLst/>
+          </a:prstGeom>
+        </p:spPr>
+        <p:txBody>
+          <a:bodyPr vert="horz" lIns="91440" tIns="45720" rIns="91440" bIns="45720" rtlCol="0"/>
+          <a:lstStyle/>
+          <a:p>
+            <a:pPr lvl="0"/>
+            <a:r>
+              <a:rPr lang="en-US" smtClean="0"/>
+              <a:t>Click to edit Master text styles</a:t>
+            </a:r>
+          </a:p>
+          <a:p>
+            <a:pPr lvl="1"/>
+            <a:r>
+              <a:rPr lang="en-US" smtClean="0"/>
+              <a:t>Second level</a:t>
+            </a:r>
+          </a:p>
+          <a:p>
+            <a:pPr lvl="2"/>
+            <a:r>
+              <a:rPr lang="en-US" smtClean="0"/>
+              <a:t>Third level</a:t>
+            </a:r>
+          </a:p>
+          <a:p>
+            <a:pPr lvl="3"/>
+            <a:r>
+              <a:rPr lang="en-US" smtClean="0"/>
+              <a:t>Fourth level</a:t>
+            </a:r>
+          </a:p>
+          <a:p>
+            <a:pPr lvl="4"/>
+            <a:r>
+              <a:rPr lang="en-US" smtClean="0"/>
+              <a:t>Fifth level</a:t>
+            </a:r>
+            <a:endParaRPr lang="en-US"/>
+          </a:p>
+        </p:txBody>
+      </p:sp>
+      <p:sp>
+        <p:nvSpPr>
+          <p:cNvPr id="6" name="Footer Placeholder 5"/>
+          <p:cNvSpPr>
+            <a:spLocks noGrp="1"/>
+          </p:cNvSpPr>
+          <p:nvPr>
+            <p:ph type="ftr" sz="quarter" idx="4"/>
+          </p:nvPr>
+        </p:nvSpPr>
+        <p:spPr>
+          <a:xfrm>
+            <a:off x="0" y="8685213"/>
+            <a:ext cx="2971800" cy="457200"/>
+          </a:xfrm>
+          <a:prstGeom prst="rect">
+            <a:avLst/>
+          </a:prstGeom>
+        </p:spPr>
+        <p:txBody>
+          <a:bodyPr vert="horz" lIns="91440" tIns="45720" rIns="91440" bIns="45720" rtlCol="0" anchor="b"/>
+          <a:lstStyle>
+            <a:lvl1pPr algn="l">
+              <a:defRPr sz="1200"/>
+            </a:lvl1pPr>
+          </a:lstStyle>
+          <a:p>
+            <a:endParaRPr lang="en-US"/>
+          </a:p>
+        </p:txBody>
+      </p:sp>
+      <p:sp>
+        <p:nvSpPr>
+          <p:cNvPr id="7" name="Slide Number Placeholder 6"/>
+          <p:cNvSpPr>
+            <a:spLocks noGrp="1"/>
+          </p:cNvSpPr>
+          <p:nvPr>
+            <p:ph type="sldNum" sz="quarter" idx="5"/>
+          </p:nvPr>
+        </p:nvSpPr>
+        <p:spPr>
+          <a:xfrm>
+            <a:off x="3884613" y="8685213"/>
+            <a:ext cx="2971800" cy="457200"/>
+          </a:xfrm>
+          <a:prstGeom prst="rect">
+            <a:avLst/>
+          </a:prstGeom>
+        </p:spPr>
+        <p:txBody>
+          <a:bodyPr vert="horz" lIns="91440" tIns="45720" rIns="91440" bIns="45720" rtlCol="0" anchor="b"/>
+          <a:lstStyle>
+            <a:lvl1pPr algn="r">
+              <a:defRPr sz="1200"/>
+            </a:lvl1pPr>
+          </a:lstStyle>
+          <a:p>
+            <a:fld id="{E28444F8-67C7-4378-98E1-622D57462ED6}" type="slidenum">
+              <a:rPr lang="en-US" smtClean="0"/>
+              <a:t>‹#›</a:t>
+            </a:fld>
+            <a:endParaRPr lang="en-US"/>
+          </a:p>
+        </p:txBody>
+      </p:sp>
+    </p:spTree>
+    <p:extLst>
+      <p:ext uri="{BB962C8B-B14F-4D97-AF65-F5344CB8AC3E}">
+        <p14:creationId xmlns:p14="http://schemas.microsoft.com/office/powerpoint/2010/main" val="1633885090"/>
+      </p:ext>
+    </p:extLst>
+  </p:cSld>
+  <p:clrMap bg1="lt1" tx1="dk1" bg2="lt2" tx2="dk2" accent1="accent1" accent2="accent2" accent3="accent3" accent4="accent4" accent5="accent5" accent6="accent6" hlink="hlink" folHlink="folHlink"/>
+  <p:notesStyle>
+    <a:lvl1pPr marL="0" algn="l" defTabSz="914400" rtl="0" eaLnBrk="1" latinLnBrk="0" hangingPunct="1">
+      <a:defRPr sz="1200" kern="1200">
+        <a:solidFill>
+          <a:schemeClr val="tx1"/>
+        </a:solidFill>
+        <a:latin typeface="+mn-lt"/>
+        <a:ea typeface="+mn-ea"/>
+        <a:cs typeface="+mn-cs"/>
+      </a:defRPr>
+    </a:lvl1pPr>
+    <a:lvl2pPr marL="457200" algn="l" defTabSz="914400" rtl="0" eaLnBrk="1" latinLnBrk="0" hangingPunct="1">
+      <a:defRPr sz="1200" kern="1200">
+        <a:solidFill>
+          <a:schemeClr val="tx1"/>
+        </a:solidFill>
+        <a:latin typeface="+mn-lt"/>
+        <a:ea typeface="+mn-ea"/>
+        <a:cs typeface="+mn-cs"/>
+      </a:defRPr>
+    </a:lvl2pPr>
+    <a:lvl3pPr marL="914400" algn="l" defTabSz="914400" rtl="0" eaLnBrk="1" latinLnBrk="0" hangingPunct="1">
+      <a:defRPr sz="1200" kern="1200">
+        <a:solidFill>
+          <a:schemeClr val="tx1"/>
+        </a:solidFill>
+        <a:latin typeface="+mn-lt"/>
+        <a:ea typeface="+mn-ea"/>
+        <a:cs typeface="+mn-cs"/>
+      </a:defRPr>
+    </a:lvl3pPr>
+    <a:lvl4pPr marL="1371600" algn="l" defTabSz="914400" rtl="0" eaLnBrk="1" latinLnBrk="0" hangingPunct="1">
+      <a:defRPr sz="1200" kern="1200">
+        <a:solidFill>
+          <a:schemeClr val="tx1"/>
+        </a:solidFill>
+        <a:latin typeface="+mn-lt"/>
+        <a:ea typeface="+mn-ea"/>
+        <a:cs typeface="+mn-cs"/>
+      </a:defRPr>
+    </a:lvl4pPr>
+    <a:lvl5pPr marL="1828800" algn="l" defTabSz="914400" rtl="0" eaLnBrk="1" latinLnBrk="0" hangingPunct="1">
+      <a:defRPr sz="1200" kern="1200">
+        <a:solidFill>
+          <a:schemeClr val="tx1"/>
+        </a:solidFill>
+        <a:latin typeface="+mn-lt"/>
+        <a:ea typeface="+mn-ea"/>
+        <a:cs typeface="+mn-cs"/>
+      </a:defRPr>
+    </a:lvl5pPr>
+    <a:lvl6pPr marL="2286000" algn="l" defTabSz="914400" rtl="0" eaLnBrk="1" latinLnBrk="0" hangingPunct="1">
+      <a:defRPr sz="1200" kern="1200">
+        <a:solidFill>
+          <a:schemeClr val="tx1"/>
+        </a:solidFill>
+        <a:latin typeface="+mn-lt"/>
+        <a:ea typeface="+mn-ea"/>
+        <a:cs typeface="+mn-cs"/>
+      </a:defRPr>
+    </a:lvl6pPr>
+    <a:lvl7pPr marL="2743200" algn="l" defTabSz="914400" rtl="0" eaLnBrk="1" latinLnBrk="0" hangingPunct="1">
+      <a:defRPr sz="1200" kern="1200">
+        <a:solidFill>
+          <a:schemeClr val="tx1"/>
+        </a:solidFill>
+        <a:latin typeface="+mn-lt"/>
+        <a:ea typeface="+mn-ea"/>
+        <a:cs typeface="+mn-cs"/>
+      </a:defRPr>
+    </a:lvl7pPr>
+    <a:lvl8pPr marL="3200400" algn="l" defTabSz="914400" rtl="0" eaLnBrk="1" latinLnBrk="0" hangingPunct="1">
+      <a:defRPr sz="1200" kern="1200">
+        <a:solidFill>
+          <a:schemeClr val="tx1"/>
+        </a:solidFill>
+        <a:latin typeface="+mn-lt"/>
+        <a:ea typeface="+mn-ea"/>
+        <a:cs typeface="+mn-cs"/>
+      </a:defRPr>
+    </a:lvl8pPr>
+    <a:lvl9pPr marL="3657600" algn="l" defTabSz="914400" rtl="0" eaLnBrk="1" latinLnBrk="0" hangingPunct="1">
+      <a:defRPr sz="1200" kern="1200">
+        <a:solidFill>
+          <a:schemeClr val="tx1"/>
+        </a:solidFill>
+        <a:latin typeface="+mn-lt"/>
+        <a:ea typeface="+mn-ea"/>
+        <a:cs typeface="+mn-cs"/>
+      </a:defRPr>
+    </a:lvl9pPr>
+  </p:notesStyle>
+</p:notesMaster>
+</file>
+
+<file path=ppt/notesSlides/notesSlide1.xml><?xml version="1.0" encoding="utf-8"?>
+<p:notes xmlns:a="http://schemas.openxmlformats.org/drawingml/2006/main" xmlns:r="http://schemas.openxmlformats.org/officeDocument/2006/relationships" xmlns:p="http://schemas.openxmlformats.org/presentationml/2006/main">
+  <p:cSld>
+    <p:spTree>
+      <p:nvGrpSpPr>
+        <p:cNvPr id="1" name=""/>
+        <p:cNvGrpSpPr/>
+        <p:nvPr/>
+      </p:nvGrpSpPr>
+      <p:grpSpPr>
+        <a:xfrm>
+          <a:off x="0" y="0"/>
+          <a:ext cx="0" cy="0"/>
+          <a:chOff x="0" y="0"/>
+          <a:chExt cx="0" cy="0"/>
+        </a:xfrm>
+      </p:grpSpPr>
+      <p:sp>
+        <p:nvSpPr>
+          <p:cNvPr id="2" name="Slide Image Placeholder 1"/>
+          <p:cNvSpPr>
+            <a:spLocks noGrp="1" noRot="1" noChangeAspect="1"/>
+          </p:cNvSpPr>
+          <p:nvPr>
+            <p:ph type="sldImg"/>
+          </p:nvPr>
+        </p:nvSpPr>
+        <p:spPr/>
+      </p:sp>
+      <p:sp>
+        <p:nvSpPr>
+          <p:cNvPr id="3" name="Notes Placeholder 2"/>
+          <p:cNvSpPr>
+            <a:spLocks noGrp="1"/>
+          </p:cNvSpPr>
+          <p:nvPr>
+            <p:ph type="body" idx="1"/>
+          </p:nvPr>
+        </p:nvSpPr>
+        <p:spPr/>
+        <p:txBody>
+          <a:bodyPr/>
+          <a:lstStyle/>
+          <a:p>
+            <a:endParaRPr lang="en-US" dirty="0"/>
+          </a:p>
+        </p:txBody>
+      </p:sp>
+      <p:sp>
+        <p:nvSpPr>
+          <p:cNvPr id="4" name="Slide Number Placeholder 3"/>
+          <p:cNvSpPr>
+            <a:spLocks noGrp="1"/>
+          </p:cNvSpPr>
+          <p:nvPr>
+            <p:ph type="sldNum" sz="quarter" idx="10"/>
+          </p:nvPr>
+        </p:nvSpPr>
+        <p:spPr/>
+        <p:txBody>
+          <a:bodyPr/>
+          <a:lstStyle/>
+          <a:p>
+            <a:fld id="{E28444F8-67C7-4378-98E1-622D57462ED6}" type="slidenum">
+              <a:rPr lang="en-US" smtClean="0"/>
+              <a:t>1</a:t>
+            </a:fld>
+            <a:endParaRPr lang="en-US"/>
+          </a:p>
+        </p:txBody>
+      </p:sp>
+    </p:spTree>
+    <p:extLst>
+      <p:ext uri="{BB962C8B-B14F-4D97-AF65-F5344CB8AC3E}">
+        <p14:creationId xmlns:p14="http://schemas.microsoft.com/office/powerpoint/2010/main" val="1754667628"/>
+      </p:ext>
+    </p:extLst>
+  </p:cSld>
+  <p:clrMapOvr>
+    <a:masterClrMapping/>
+  </p:clrMapOvr>
+</p:notes>
+</file>
+
 <file path=ppt/slideLayouts/slideLayout1.xml><?xml version="1.0" encoding="utf-8"?>
 <p:sldLayout xmlns:a="http://schemas.openxmlformats.org/drawingml/2006/main" xmlns:r="http://schemas.openxmlformats.org/officeDocument/2006/relationships" xmlns:p="http://schemas.openxmlformats.org/presentationml/2006/main" type="title" preserve="1">
   <p:cSld name="Title Slide">
@@ -288,7 +725,7 @@
           <a:p>
             <a:fld id="{851D39A3-490F-415B-BE12-57FBFCD0A6BB}" type="datetimeFigureOut">
               <a:rPr lang="en-US" smtClean="0"/>
-              <a:t>6/11/2011</a:t>
+              <a:t>6/17/2011</a:t>
             </a:fld>
             <a:endParaRPr lang="en-US"/>
           </a:p>
@@ -458,7 +895,7 @@
           <a:p>
             <a:fld id="{851D39A3-490F-415B-BE12-57FBFCD0A6BB}" type="datetimeFigureOut">
               <a:rPr lang="en-US" smtClean="0"/>
-              <a:t>6/11/2011</a:t>
+              <a:t>6/17/2011</a:t>
             </a:fld>
             <a:endParaRPr lang="en-US"/>
           </a:p>
@@ -638,7 +1075,7 @@
           <a:p>
             <a:fld id="{851D39A3-490F-415B-BE12-57FBFCD0A6BB}" type="datetimeFigureOut">
               <a:rPr lang="en-US" smtClean="0"/>
-              <a:t>6/11/2011</a:t>
+              <a:t>6/17/2011</a:t>
             </a:fld>
             <a:endParaRPr lang="en-US"/>
           </a:p>
@@ -808,7 +1245,7 @@
           <a:p>
             <a:fld id="{851D39A3-490F-415B-BE12-57FBFCD0A6BB}" type="datetimeFigureOut">
               <a:rPr lang="en-US" smtClean="0"/>
-              <a:t>6/11/2011</a:t>
+              <a:t>6/17/2011</a:t>
             </a:fld>
             <a:endParaRPr lang="en-US"/>
           </a:p>
@@ -1054,7 +1491,7 @@
           <a:p>
             <a:fld id="{851D39A3-490F-415B-BE12-57FBFCD0A6BB}" type="datetimeFigureOut">
               <a:rPr lang="en-US" smtClean="0"/>
-              <a:t>6/11/2011</a:t>
+              <a:t>6/17/2011</a:t>
             </a:fld>
             <a:endParaRPr lang="en-US"/>
           </a:p>
@@ -1342,7 +1779,7 @@
           <a:p>
             <a:fld id="{851D39A3-490F-415B-BE12-57FBFCD0A6BB}" type="datetimeFigureOut">
               <a:rPr lang="en-US" smtClean="0"/>
-              <a:t>6/11/2011</a:t>
+              <a:t>6/17/2011</a:t>
             </a:fld>
             <a:endParaRPr lang="en-US"/>
           </a:p>
@@ -1764,7 +2201,7 @@
           <a:p>
             <a:fld id="{851D39A3-490F-415B-BE12-57FBFCD0A6BB}" type="datetimeFigureOut">
               <a:rPr lang="en-US" smtClean="0"/>
-              <a:t>6/11/2011</a:t>
+              <a:t>6/17/2011</a:t>
             </a:fld>
             <a:endParaRPr lang="en-US"/>
           </a:p>
@@ -1882,7 +2319,7 @@
           <a:p>
             <a:fld id="{851D39A3-490F-415B-BE12-57FBFCD0A6BB}" type="datetimeFigureOut">
               <a:rPr lang="en-US" smtClean="0"/>
-              <a:t>6/11/2011</a:t>
+              <a:t>6/17/2011</a:t>
             </a:fld>
             <a:endParaRPr lang="en-US"/>
           </a:p>
@@ -1977,7 +2414,7 @@
           <a:p>
             <a:fld id="{851D39A3-490F-415B-BE12-57FBFCD0A6BB}" type="datetimeFigureOut">
               <a:rPr lang="en-US" smtClean="0"/>
-              <a:t>6/11/2011</a:t>
+              <a:t>6/17/2011</a:t>
             </a:fld>
             <a:endParaRPr lang="en-US"/>
           </a:p>
@@ -2254,7 +2691,7 @@
           <a:p>
             <a:fld id="{851D39A3-490F-415B-BE12-57FBFCD0A6BB}" type="datetimeFigureOut">
               <a:rPr lang="en-US" smtClean="0"/>
-              <a:t>6/11/2011</a:t>
+              <a:t>6/17/2011</a:t>
             </a:fld>
             <a:endParaRPr lang="en-US"/>
           </a:p>
@@ -2507,7 +2944,7 @@
           <a:p>
             <a:fld id="{851D39A3-490F-415B-BE12-57FBFCD0A6BB}" type="datetimeFigureOut">
               <a:rPr lang="en-US" smtClean="0"/>
-              <a:t>6/11/2011</a:t>
+              <a:t>6/17/2011</a:t>
             </a:fld>
             <a:endParaRPr lang="en-US"/>
           </a:p>
@@ -2720,7 +3157,7 @@
           <a:p>
             <a:fld id="{851D39A3-490F-415B-BE12-57FBFCD0A6BB}" type="datetimeFigureOut">
               <a:rPr lang="en-US" smtClean="0"/>
-              <a:t>6/11/2011</a:t>
+              <a:t>6/17/2011</a:t>
             </a:fld>
             <a:endParaRPr lang="en-US"/>
           </a:p>
@@ -3103,7 +3540,7 @@
         </p:nvGrpSpPr>
         <p:grpSpPr>
           <a:xfrm>
-            <a:off x="937846" y="863598"/>
+            <a:off x="1974501" y="863598"/>
             <a:ext cx="914400" cy="1193802"/>
             <a:chOff x="937846" y="863598"/>
             <a:chExt cx="914400" cy="1193802"/>
@@ -3239,7 +3676,7 @@
             <p:nvPr/>
           </p:nvPicPr>
           <p:blipFill>
-            <a:blip r:embed="rId2">
+            <a:blip r:embed="rId3">
               <a:extLst>
                 <a:ext uri="{28A0092B-C50C-407E-A947-70E740481C1C}">
                   <a14:useLocalDpi xmlns:a14="http://schemas.microsoft.com/office/drawing/2010/main" val="0"/>
@@ -3273,7 +3710,7 @@
         </p:nvGrpSpPr>
         <p:grpSpPr>
           <a:xfrm>
-            <a:off x="2379980" y="863598"/>
+            <a:off x="3416635" y="863598"/>
             <a:ext cx="914400" cy="1193802"/>
             <a:chOff x="1695092" y="1103354"/>
             <a:chExt cx="914400" cy="1193802"/>
@@ -3393,7 +3830,7 @@
         </p:nvSpPr>
         <p:spPr>
           <a:xfrm>
-            <a:off x="2410125" y="2539998"/>
+            <a:off x="3446780" y="2539998"/>
             <a:ext cx="914400" cy="914400"/>
           </a:xfrm>
           <a:prstGeom prst="roundRect">
@@ -3448,7 +3885,7 @@
         </p:nvGrpSpPr>
         <p:grpSpPr>
           <a:xfrm>
-            <a:off x="962325" y="2546350"/>
+            <a:off x="1998980" y="2546350"/>
             <a:ext cx="914400" cy="914400"/>
             <a:chOff x="962325" y="2546350"/>
             <a:chExt cx="914400" cy="914400"/>
@@ -3518,7 +3955,7 @@
             <p:nvPr/>
           </p:nvPicPr>
           <p:blipFill>
-            <a:blip r:embed="rId2">
+            <a:blip r:embed="rId3">
               <a:extLst>
                 <a:ext uri="{28A0092B-C50C-407E-A947-70E740481C1C}">
                   <a14:useLocalDpi xmlns:a14="http://schemas.microsoft.com/office/drawing/2010/main" val="0"/>
@@ -3552,7 +3989,7 @@
         </p:nvGrpSpPr>
         <p:grpSpPr>
           <a:xfrm>
-            <a:off x="5257800" y="838200"/>
+            <a:off x="6294455" y="838200"/>
             <a:ext cx="914400" cy="1219200"/>
             <a:chOff x="5257800" y="838200"/>
             <a:chExt cx="914400" cy="1219200"/>
@@ -3687,7 +4124,7 @@
             <p:nvPr/>
           </p:nvPicPr>
           <p:blipFill>
-            <a:blip r:embed="rId2">
+            <a:blip r:embed="rId3">
               <a:extLst>
                 <a:ext uri="{28A0092B-C50C-407E-A947-70E740481C1C}">
                   <a14:useLocalDpi xmlns:a14="http://schemas.microsoft.com/office/drawing/2010/main" val="0"/>
@@ -3721,7 +4158,7 @@
         </p:nvGrpSpPr>
         <p:grpSpPr>
           <a:xfrm>
-            <a:off x="6705600" y="838200"/>
+            <a:off x="7742255" y="838200"/>
             <a:ext cx="914400" cy="1219200"/>
             <a:chOff x="6705600" y="838200"/>
             <a:chExt cx="914400" cy="1219200"/>
@@ -3859,7 +4296,7 @@
             <p:nvPr/>
           </p:nvPicPr>
           <p:blipFill>
-            <a:blip r:embed="rId2">
+            <a:blip r:embed="rId3">
               <a:extLst>
                 <a:ext uri="{28A0092B-C50C-407E-A947-70E740481C1C}">
                   <a14:useLocalDpi xmlns:a14="http://schemas.microsoft.com/office/drawing/2010/main" val="0"/>
@@ -3893,7 +4330,7 @@
         </p:nvGrpSpPr>
         <p:grpSpPr>
           <a:xfrm>
-            <a:off x="5305725" y="2514600"/>
+            <a:off x="6342380" y="2514600"/>
             <a:ext cx="914400" cy="914400"/>
             <a:chOff x="5305725" y="2514600"/>
             <a:chExt cx="914400" cy="914400"/>
@@ -3963,7 +4400,7 @@
             <p:nvPr/>
           </p:nvPicPr>
           <p:blipFill>
-            <a:blip r:embed="rId2">
+            <a:blip r:embed="rId3">
               <a:extLst>
                 <a:ext uri="{28A0092B-C50C-407E-A947-70E740481C1C}">
                   <a14:useLocalDpi xmlns:a14="http://schemas.microsoft.com/office/drawing/2010/main" val="0"/>
@@ -3997,7 +4434,7 @@
         </p:nvGrpSpPr>
         <p:grpSpPr>
           <a:xfrm>
-            <a:off x="6735745" y="2514600"/>
+            <a:off x="7772400" y="2514600"/>
             <a:ext cx="914400" cy="914400"/>
             <a:chOff x="6735745" y="2514600"/>
             <a:chExt cx="914400" cy="914400"/>
@@ -4069,7 +4506,7 @@
             <p:nvPr/>
           </p:nvPicPr>
           <p:blipFill>
-            <a:blip r:embed="rId2">
+            <a:blip r:embed="rId3">
               <a:extLst>
                 <a:ext uri="{28A0092B-C50C-407E-A947-70E740481C1C}">
                   <a14:useLocalDpi xmlns:a14="http://schemas.microsoft.com/office/drawing/2010/main" val="0"/>
@@ -4103,7 +4540,7 @@
         </p:nvGrpSpPr>
         <p:grpSpPr>
           <a:xfrm>
-            <a:off x="3857925" y="2539998"/>
+            <a:off x="4894580" y="2539998"/>
             <a:ext cx="914401" cy="921016"/>
             <a:chOff x="3857925" y="2539998"/>
             <a:chExt cx="914401" cy="921016"/>
@@ -4173,7 +4610,7 @@
             <p:nvPr/>
           </p:nvPicPr>
           <p:blipFill rotWithShape="1">
-            <a:blip r:embed="rId2">
+            <a:blip r:embed="rId3">
               <a:extLst>
                 <a:ext uri="{28A0092B-C50C-407E-A947-70E740481C1C}">
                   <a14:useLocalDpi xmlns:a14="http://schemas.microsoft.com/office/drawing/2010/main" val="0"/>
@@ -4206,7 +4643,7 @@
             <p:nvPr/>
           </p:nvPicPr>
           <p:blipFill rotWithShape="1">
-            <a:blip r:embed="rId2">
+            <a:blip r:embed="rId3">
               <a:extLst>
                 <a:ext uri="{28A0092B-C50C-407E-A947-70E740481C1C}">
                   <a14:useLocalDpi xmlns:a14="http://schemas.microsoft.com/office/drawing/2010/main" val="0"/>
@@ -4239,7 +4676,7 @@
             <p:nvPr/>
           </p:nvPicPr>
           <p:blipFill rotWithShape="1">
-            <a:blip r:embed="rId2">
+            <a:blip r:embed="rId3">
               <a:extLst>
                 <a:ext uri="{28A0092B-C50C-407E-A947-70E740481C1C}">
                   <a14:useLocalDpi xmlns:a14="http://schemas.microsoft.com/office/drawing/2010/main" val="0"/>
@@ -4272,7 +4709,7 @@
         </p:nvGrpSpPr>
         <p:grpSpPr>
           <a:xfrm>
-            <a:off x="3827780" y="863334"/>
+            <a:off x="4864435" y="863334"/>
             <a:ext cx="914401" cy="1194066"/>
             <a:chOff x="3827780" y="863334"/>
             <a:chExt cx="914401" cy="1194066"/>
@@ -4407,7 +4844,7 @@
             <p:nvPr/>
           </p:nvPicPr>
           <p:blipFill rotWithShape="1">
-            <a:blip r:embed="rId2">
+            <a:blip r:embed="rId3">
               <a:extLst>
                 <a:ext uri="{28A0092B-C50C-407E-A947-70E740481C1C}">
                   <a14:useLocalDpi xmlns:a14="http://schemas.microsoft.com/office/drawing/2010/main" val="0"/>
@@ -4440,7 +4877,7 @@
             <p:nvPr/>
           </p:nvPicPr>
           <p:blipFill rotWithShape="1">
-            <a:blip r:embed="rId2">
+            <a:blip r:embed="rId3">
               <a:extLst>
                 <a:ext uri="{28A0092B-C50C-407E-A947-70E740481C1C}">
                   <a14:useLocalDpi xmlns:a14="http://schemas.microsoft.com/office/drawing/2010/main" val="0"/>
@@ -4473,7 +4910,7 @@
             <p:nvPr/>
           </p:nvPicPr>
           <p:blipFill rotWithShape="1">
-            <a:blip r:embed="rId2">
+            <a:blip r:embed="rId3">
               <a:extLst>
                 <a:ext uri="{28A0092B-C50C-407E-A947-70E740481C1C}">
                   <a14:useLocalDpi xmlns:a14="http://schemas.microsoft.com/office/drawing/2010/main" val="0"/>
@@ -4541,7 +4978,7 @@
               </a:avLst>
             </a:prstGeom>
             <a:solidFill>
-              <a:srgbClr val="008000"/>
+              <a:schemeClr val="bg1"/>
             </a:solidFill>
             <a:ln>
               <a:noFill/>
@@ -4587,7 +5024,7 @@
               <a:avLst/>
             </a:prstGeom>
             <a:solidFill>
-              <a:srgbClr val="008000"/>
+              <a:schemeClr val="bg1"/>
             </a:solidFill>
             <a:ln>
               <a:noFill/>
@@ -4619,40 +5056,6 @@
           </p:txBody>
         </p:sp>
       </p:grpSp>
-      <p:pic>
-        <p:nvPicPr>
-          <p:cNvPr id="111" name="Picture 110"/>
-          <p:cNvPicPr>
-            <a:picLocks noChangeAspect="1"/>
-          </p:cNvPicPr>
-          <p:nvPr/>
-        </p:nvPicPr>
-        <p:blipFill>
-          <a:blip r:embed="rId2">
-            <a:extLst>
-              <a:ext uri="{28A0092B-C50C-407E-A947-70E740481C1C}">
-                <a14:useLocalDpi xmlns:a14="http://schemas.microsoft.com/office/drawing/2010/main" val="0"/>
-              </a:ext>
-            </a:extLst>
-          </a:blip>
-          <a:stretch>
-            <a:fillRect/>
-          </a:stretch>
-        </p:blipFill>
-        <p:spPr>
-          <a:xfrm>
-            <a:off x="2090063" y="4680217"/>
-            <a:ext cx="816010" cy="546099"/>
-          </a:xfrm>
-          <a:prstGeom prst="rect">
-            <a:avLst/>
-          </a:prstGeom>
-          <a:noFill/>
-          <a:ln>
-            <a:noFill/>
-          </a:ln>
-        </p:spPr>
-      </p:pic>
       <p:sp>
         <p:nvSpPr>
           <p:cNvPr id="126" name="Oval 125"/>
@@ -4661,7 +5064,7 @@
         </p:nvSpPr>
         <p:spPr>
           <a:xfrm>
-            <a:off x="6108717" y="4088485"/>
+            <a:off x="6116154" y="4699859"/>
             <a:ext cx="668386" cy="662230"/>
           </a:xfrm>
           <a:prstGeom prst="ellipse">
@@ -4714,7 +5117,7 @@
           <p:nvPr/>
         </p:nvPicPr>
         <p:blipFill>
-          <a:blip r:embed="rId3">
+          <a:blip r:embed="rId4">
             <a:extLst>
               <a:ext uri="{28A0092B-C50C-407E-A947-70E740481C1C}">
                 <a14:useLocalDpi xmlns:a14="http://schemas.microsoft.com/office/drawing/2010/main" val="0"/>
@@ -4727,7 +5130,7 @@
         </p:blipFill>
         <p:spPr>
           <a:xfrm>
-            <a:off x="6207989" y="4198265"/>
+            <a:off x="6215426" y="4809639"/>
             <a:ext cx="469841" cy="444444"/>
           </a:xfrm>
           <a:prstGeom prst="rect">
@@ -4743,6 +5146,283 @@
           </a:effectLst>
         </p:spPr>
       </p:pic>
+      <p:grpSp>
+        <p:nvGrpSpPr>
+          <p:cNvPr id="2" name="Group 1"/>
+          <p:cNvGrpSpPr/>
+          <p:nvPr/>
+        </p:nvGrpSpPr>
+        <p:grpSpPr>
+          <a:xfrm>
+            <a:off x="503255" y="863598"/>
+            <a:ext cx="914400" cy="1193802"/>
+            <a:chOff x="-533400" y="863598"/>
+            <a:chExt cx="914400" cy="1193802"/>
+          </a:xfrm>
+        </p:grpSpPr>
+        <p:grpSp>
+          <p:nvGrpSpPr>
+            <p:cNvPr id="49" name="Group 48"/>
+            <p:cNvGrpSpPr/>
+            <p:nvPr/>
+          </p:nvGrpSpPr>
+          <p:grpSpPr>
+            <a:xfrm>
+              <a:off x="-533400" y="863598"/>
+              <a:ext cx="914400" cy="1193802"/>
+              <a:chOff x="1695092" y="1103354"/>
+              <a:chExt cx="914400" cy="1193802"/>
+            </a:xfrm>
+            <a:solidFill>
+              <a:srgbClr val="FFC000"/>
+            </a:solidFill>
+            <a:effectLst>
+              <a:glow rad="139700">
+                <a:schemeClr val="accent3">
+                  <a:satMod val="175000"/>
+                  <a:alpha val="40000"/>
+                </a:schemeClr>
+              </a:glow>
+              <a:outerShdw blurRad="76200" dir="18900000" sy="23000" kx="-1200000" algn="bl" rotWithShape="0">
+                <a:prstClr val="black">
+                  <a:alpha val="35000"/>
+                </a:prstClr>
+              </a:outerShdw>
+            </a:effectLst>
+          </p:grpSpPr>
+          <p:sp>
+            <p:nvSpPr>
+              <p:cNvPr id="51" name="Rounded Rectangle 50"/>
+              <p:cNvSpPr/>
+              <p:nvPr/>
+            </p:nvSpPr>
+            <p:spPr>
+              <a:xfrm>
+                <a:off x="1695092" y="1103354"/>
+                <a:ext cx="914400" cy="914400"/>
+              </a:xfrm>
+              <a:prstGeom prst="roundRect">
+                <a:avLst>
+                  <a:gd name="adj" fmla="val 3212"/>
+                </a:avLst>
+              </a:prstGeom>
+              <a:grpFill/>
+              <a:ln>
+                <a:noFill/>
+              </a:ln>
+            </p:spPr>
+            <p:style>
+              <a:lnRef idx="2">
+                <a:schemeClr val="accent1">
+                  <a:shade val="50000"/>
+                </a:schemeClr>
+              </a:lnRef>
+              <a:fillRef idx="1">
+                <a:schemeClr val="accent1"/>
+              </a:fillRef>
+              <a:effectRef idx="0">
+                <a:schemeClr val="accent1"/>
+              </a:effectRef>
+              <a:fontRef idx="minor">
+                <a:schemeClr val="lt1"/>
+              </a:fontRef>
+            </p:style>
+            <p:txBody>
+              <a:bodyPr rtlCol="0" anchor="ctr"/>
+              <a:lstStyle/>
+              <a:p>
+                <a:pPr algn="ctr"/>
+                <a:endParaRPr lang="en-US" u="sng"/>
+              </a:p>
+            </p:txBody>
+          </p:sp>
+          <p:sp>
+            <p:nvSpPr>
+              <p:cNvPr id="52" name="Isosceles Triangle 51"/>
+              <p:cNvSpPr/>
+              <p:nvPr/>
+            </p:nvSpPr>
+            <p:spPr>
+              <a:xfrm flipV="1">
+                <a:off x="1999892" y="2017754"/>
+                <a:ext cx="304800" cy="279402"/>
+              </a:xfrm>
+              <a:prstGeom prst="triangle">
+                <a:avLst/>
+              </a:prstGeom>
+              <a:grpFill/>
+              <a:ln>
+                <a:noFill/>
+              </a:ln>
+            </p:spPr>
+            <p:style>
+              <a:lnRef idx="2">
+                <a:schemeClr val="accent1">
+                  <a:shade val="50000"/>
+                </a:schemeClr>
+              </a:lnRef>
+              <a:fillRef idx="1">
+                <a:schemeClr val="accent1"/>
+              </a:fillRef>
+              <a:effectRef idx="0">
+                <a:schemeClr val="accent1"/>
+              </a:effectRef>
+              <a:fontRef idx="minor">
+                <a:schemeClr val="lt1"/>
+              </a:fontRef>
+            </p:style>
+            <p:txBody>
+              <a:bodyPr rtlCol="0" anchor="ctr"/>
+              <a:lstStyle/>
+              <a:p>
+                <a:pPr algn="ctr"/>
+                <a:endParaRPr lang="en-US" u="sng"/>
+              </a:p>
+            </p:txBody>
+          </p:sp>
+        </p:grpSp>
+        <p:pic>
+          <p:nvPicPr>
+            <p:cNvPr id="50" name="Picture 49"/>
+            <p:cNvPicPr>
+              <a:picLocks noChangeAspect="1"/>
+            </p:cNvPicPr>
+            <p:nvPr/>
+          </p:nvPicPr>
+          <p:blipFill rotWithShape="1">
+            <a:blip r:embed="rId3">
+              <a:extLst>
+                <a:ext uri="{28A0092B-C50C-407E-A947-70E740481C1C}">
+                  <a14:useLocalDpi xmlns:a14="http://schemas.microsoft.com/office/drawing/2010/main" val="0"/>
+                </a:ext>
+              </a:extLst>
+            </a:blip>
+            <a:srcRect l="46691"/>
+            <a:stretch/>
+          </p:blipFill>
+          <p:spPr>
+            <a:xfrm>
+              <a:off x="-533400" y="1035316"/>
+              <a:ext cx="435010" cy="546099"/>
+            </a:xfrm>
+            <a:prstGeom prst="rect">
+              <a:avLst/>
+            </a:prstGeom>
+            <a:solidFill>
+              <a:srgbClr val="FFC000"/>
+            </a:solidFill>
+            <a:ln>
+              <a:noFill/>
+            </a:ln>
+          </p:spPr>
+        </p:pic>
+      </p:grpSp>
+      <p:grpSp>
+        <p:nvGrpSpPr>
+          <p:cNvPr id="3" name="Group 2"/>
+          <p:cNvGrpSpPr/>
+          <p:nvPr/>
+        </p:nvGrpSpPr>
+        <p:grpSpPr>
+          <a:xfrm>
+            <a:off x="503255" y="2568310"/>
+            <a:ext cx="914400" cy="914400"/>
+            <a:chOff x="-533400" y="2568310"/>
+            <a:chExt cx="914400" cy="914400"/>
+          </a:xfrm>
+        </p:grpSpPr>
+        <p:sp>
+          <p:nvSpPr>
+            <p:cNvPr id="61" name="Rounded Rectangle 60"/>
+            <p:cNvSpPr/>
+            <p:nvPr/>
+          </p:nvSpPr>
+          <p:spPr>
+            <a:xfrm>
+              <a:off x="-533400" y="2568310"/>
+              <a:ext cx="914400" cy="914400"/>
+            </a:xfrm>
+            <a:prstGeom prst="roundRect">
+              <a:avLst>
+                <a:gd name="adj" fmla="val 3212"/>
+              </a:avLst>
+            </a:prstGeom>
+            <a:solidFill>
+              <a:srgbClr val="FFC000"/>
+            </a:solidFill>
+            <a:ln>
+              <a:noFill/>
+            </a:ln>
+            <a:effectLst>
+              <a:glow rad="139700">
+                <a:schemeClr val="accent3">
+                  <a:satMod val="175000"/>
+                  <a:alpha val="40000"/>
+                </a:schemeClr>
+              </a:glow>
+            </a:effectLst>
+          </p:spPr>
+          <p:style>
+            <a:lnRef idx="2">
+              <a:schemeClr val="accent1">
+                <a:shade val="50000"/>
+              </a:schemeClr>
+            </a:lnRef>
+            <a:fillRef idx="1">
+              <a:schemeClr val="accent1"/>
+            </a:fillRef>
+            <a:effectRef idx="0">
+              <a:schemeClr val="accent1"/>
+            </a:effectRef>
+            <a:fontRef idx="minor">
+              <a:schemeClr val="lt1"/>
+            </a:fontRef>
+          </p:style>
+          <p:txBody>
+            <a:bodyPr rtlCol="0" anchor="ctr"/>
+            <a:lstStyle/>
+            <a:p>
+              <a:pPr algn="ctr"/>
+              <a:endParaRPr lang="en-US" u="sng"/>
+            </a:p>
+          </p:txBody>
+        </p:sp>
+        <p:pic>
+          <p:nvPicPr>
+            <p:cNvPr id="64" name="Picture 63"/>
+            <p:cNvPicPr>
+              <a:picLocks noChangeAspect="1"/>
+            </p:cNvPicPr>
+            <p:nvPr/>
+          </p:nvPicPr>
+          <p:blipFill rotWithShape="1">
+            <a:blip r:embed="rId3">
+              <a:extLst>
+                <a:ext uri="{28A0092B-C50C-407E-A947-70E740481C1C}">
+                  <a14:useLocalDpi xmlns:a14="http://schemas.microsoft.com/office/drawing/2010/main" val="0"/>
+                </a:ext>
+              </a:extLst>
+            </a:blip>
+            <a:srcRect l="46691"/>
+            <a:stretch/>
+          </p:blipFill>
+          <p:spPr>
+            <a:xfrm>
+              <a:off x="-533400" y="2740028"/>
+              <a:ext cx="435010" cy="546099"/>
+            </a:xfrm>
+            <a:prstGeom prst="rect">
+              <a:avLst/>
+            </a:prstGeom>
+            <a:solidFill>
+              <a:srgbClr val="FFC000"/>
+            </a:solidFill>
+            <a:ln>
+              <a:noFill/>
+            </a:ln>
+          </p:spPr>
+        </p:pic>
+      </p:grpSp>
     </p:spTree>
     <p:extLst>
       <p:ext uri="{BB962C8B-B14F-4D97-AF65-F5344CB8AC3E}">
@@ -5039,4 +5719,289 @@
   <a:objectDefaults/>
   <a:extraClrSchemeLst/>
 </a:theme>
+</file>
+
+<file path=ppt/theme/theme2.xml><?xml version="1.0" encoding="utf-8"?>
+<a:theme xmlns:a="http://schemas.openxmlformats.org/drawingml/2006/main" name="Office Theme">
+  <a:themeElements>
+    <a:clrScheme name="Office">
+      <a:dk1>
+        <a:sysClr val="windowText" lastClr="000000"/>
+      </a:dk1>
+      <a:lt1>
+        <a:sysClr val="window" lastClr="FFFFFF"/>
+      </a:lt1>
+      <a:dk2>
+        <a:srgbClr val="1F497D"/>
+      </a:dk2>
+      <a:lt2>
+        <a:srgbClr val="EEECE1"/>
+      </a:lt2>
+      <a:accent1>
+        <a:srgbClr val="4F81BD"/>
+      </a:accent1>
+      <a:accent2>
+        <a:srgbClr val="C0504D"/>
+      </a:accent2>
+      <a:accent3>
+        <a:srgbClr val="9BBB59"/>
+      </a:accent3>
+      <a:accent4>
+        <a:srgbClr val="8064A2"/>
+      </a:accent4>
+      <a:accent5>
+        <a:srgbClr val="4BACC6"/>
+      </a:accent5>
+      <a:accent6>
+        <a:srgbClr val="F79646"/>
+      </a:accent6>
+      <a:hlink>
+        <a:srgbClr val="0000FF"/>
+      </a:hlink>
+      <a:folHlink>
+        <a:srgbClr val="800080"/>
+      </a:folHlink>
+    </a:clrScheme>
+    <a:fontScheme name="Office">
+      <a:majorFont>
+        <a:latin typeface="Calibri"/>
+        <a:ea typeface=""/>
+        <a:cs typeface=""/>
+        <a:font script="Jpan" typeface="ＭＳ Ｐゴシック"/>
+        <a:font script="Hang" typeface="맑은 고딕"/>
+        <a:font script="Hans" typeface="宋体"/>
+        <a:font script="Hant" typeface="新細明體"/>
+        <a:font script="Arab" typeface="Times New Roman"/>
+        <a:font script="Hebr" typeface="Times New Roman"/>
+        <a:font script="Thai" typeface="Angsana New"/>
+        <a:font script="Ethi" typeface="Nyala"/>
+        <a:font script="Beng" typeface="Vrinda"/>
+        <a:font script="Gujr" typeface="Shruti"/>
+        <a:font script="Khmr" typeface="MoolBoran"/>
+        <a:font script="Knda" typeface="Tunga"/>
+        <a:font script="Guru" typeface="Raavi"/>
+        <a:font script="Cans" typeface="Euphemia"/>
+        <a:font script="Cher" typeface="Plantagenet Cherokee"/>
+        <a:font script="Yiii" typeface="Microsoft Yi Baiti"/>
+        <a:font script="Tibt" typeface="Microsoft Himalaya"/>
+        <a:font script="Thaa" typeface="MV Boli"/>
+        <a:font script="Deva" typeface="Mangal"/>
+        <a:font script="Telu" typeface="Gautami"/>
+        <a:font script="Taml" typeface="Latha"/>
+        <a:font script="Syrc" typeface="Estrangelo Edessa"/>
+        <a:font script="Orya" typeface="Kalinga"/>
+        <a:font script="Mlym" typeface="Kartika"/>
+        <a:font script="Laoo" typeface="DokChampa"/>
+        <a:font script="Sinh" typeface="Iskoola Pota"/>
+        <a:font script="Mong" typeface="Mongolian Baiti"/>
+        <a:font script="Viet" typeface="Times New Roman"/>
+        <a:font script="Uigh" typeface="Microsoft Uighur"/>
+        <a:font script="Geor" typeface="Sylfaen"/>
+      </a:majorFont>
+      <a:minorFont>
+        <a:latin typeface="Calibri"/>
+        <a:ea typeface=""/>
+        <a:cs typeface=""/>
+        <a:font script="Jpan" typeface="ＭＳ Ｐゴシック"/>
+        <a:font script="Hang" typeface="맑은 고딕"/>
+        <a:font script="Hans" typeface="宋体"/>
+        <a:font script="Hant" typeface="新細明體"/>
+        <a:font script="Arab" typeface="Arial"/>
+        <a:font script="Hebr" typeface="Arial"/>
+        <a:font script="Thai" typeface="Cordia New"/>
+        <a:font script="Ethi" typeface="Nyala"/>
+        <a:font script="Beng" typeface="Vrinda"/>
+        <a:font script="Gujr" typeface="Shruti"/>
+        <a:font script="Khmr" typeface="DaunPenh"/>
+        <a:font script="Knda" typeface="Tunga"/>
+        <a:font script="Guru" typeface="Raavi"/>
+        <a:font script="Cans" typeface="Euphemia"/>
+        <a:font script="Cher" typeface="Plantagenet Cherokee"/>
+        <a:font script="Yiii" typeface="Microsoft Yi Baiti"/>
+        <a:font script="Tibt" typeface="Microsoft Himalaya"/>
+        <a:font script="Thaa" typeface="MV Boli"/>
+        <a:font script="Deva" typeface="Mangal"/>
+        <a:font script="Telu" typeface="Gautami"/>
+        <a:font script="Taml" typeface="Latha"/>
+        <a:font script="Syrc" typeface="Estrangelo Edessa"/>
+        <a:font script="Orya" typeface="Kalinga"/>
+        <a:font script="Mlym" typeface="Kartika"/>
+        <a:font script="Laoo" typeface="DokChampa"/>
+        <a:font script="Sinh" typeface="Iskoola Pota"/>
+        <a:font script="Mong" typeface="Mongolian Baiti"/>
+        <a:font script="Viet" typeface="Arial"/>
+        <a:font script="Uigh" typeface="Microsoft Uighur"/>
+        <a:font script="Geor" typeface="Sylfaen"/>
+      </a:minorFont>
+    </a:fontScheme>
+    <a:fmtScheme name="Office">
+      <a:fillStyleLst>
+        <a:solidFill>
+          <a:schemeClr val="phClr"/>
+        </a:solidFill>
+        <a:gradFill rotWithShape="1">
+          <a:gsLst>
+            <a:gs pos="0">
+              <a:schemeClr val="phClr">
+                <a:tint val="50000"/>
+                <a:satMod val="300000"/>
+              </a:schemeClr>
+            </a:gs>
+            <a:gs pos="35000">
+              <a:schemeClr val="phClr">
+                <a:tint val="37000"/>
+                <a:satMod val="300000"/>
+              </a:schemeClr>
+            </a:gs>
+            <a:gs pos="100000">
+              <a:schemeClr val="phClr">
+                <a:tint val="15000"/>
+                <a:satMod val="350000"/>
+              </a:schemeClr>
+            </a:gs>
+          </a:gsLst>
+          <a:lin ang="16200000" scaled="1"/>
+        </a:gradFill>
+        <a:gradFill rotWithShape="1">
+          <a:gsLst>
+            <a:gs pos="0">
+              <a:schemeClr val="phClr">
+                <a:shade val="51000"/>
+                <a:satMod val="130000"/>
+              </a:schemeClr>
+            </a:gs>
+            <a:gs pos="80000">
+              <a:schemeClr val="phClr">
+                <a:shade val="93000"/>
+                <a:satMod val="130000"/>
+              </a:schemeClr>
+            </a:gs>
+            <a:gs pos="100000">
+              <a:schemeClr val="phClr">
+                <a:shade val="94000"/>
+                <a:satMod val="135000"/>
+              </a:schemeClr>
+            </a:gs>
+          </a:gsLst>
+          <a:lin ang="16200000" scaled="0"/>
+        </a:gradFill>
+      </a:fillStyleLst>
+      <a:lnStyleLst>
+        <a:ln w="9525" cap="flat" cmpd="sng" algn="ctr">
+          <a:solidFill>
+            <a:schemeClr val="phClr">
+              <a:shade val="95000"/>
+              <a:satMod val="105000"/>
+            </a:schemeClr>
+          </a:solidFill>
+          <a:prstDash val="solid"/>
+        </a:ln>
+        <a:ln w="25400" cap="flat" cmpd="sng" algn="ctr">
+          <a:solidFill>
+            <a:schemeClr val="phClr"/>
+          </a:solidFill>
+          <a:prstDash val="solid"/>
+        </a:ln>
+        <a:ln w="38100" cap="flat" cmpd="sng" algn="ctr">
+          <a:solidFill>
+            <a:schemeClr val="phClr"/>
+          </a:solidFill>
+          <a:prstDash val="solid"/>
+        </a:ln>
+      </a:lnStyleLst>
+      <a:effectStyleLst>
+        <a:effectStyle>
+          <a:effectLst>
+            <a:outerShdw blurRad="40000" dist="20000" dir="5400000" rotWithShape="0">
+              <a:srgbClr val="000000">
+                <a:alpha val="38000"/>
+              </a:srgbClr>
+            </a:outerShdw>
+          </a:effectLst>
+        </a:effectStyle>
+        <a:effectStyle>
+          <a:effectLst>
+            <a:outerShdw blurRad="40000" dist="23000" dir="5400000" rotWithShape="0">
+              <a:srgbClr val="000000">
+                <a:alpha val="35000"/>
+              </a:srgbClr>
+            </a:outerShdw>
+          </a:effectLst>
+        </a:effectStyle>
+        <a:effectStyle>
+          <a:effectLst>
+            <a:outerShdw blurRad="40000" dist="23000" dir="5400000" rotWithShape="0">
+              <a:srgbClr val="000000">
+                <a:alpha val="35000"/>
+              </a:srgbClr>
+            </a:outerShdw>
+          </a:effectLst>
+          <a:scene3d>
+            <a:camera prst="orthographicFront">
+              <a:rot lat="0" lon="0" rev="0"/>
+            </a:camera>
+            <a:lightRig rig="threePt" dir="t">
+              <a:rot lat="0" lon="0" rev="1200000"/>
+            </a:lightRig>
+          </a:scene3d>
+          <a:sp3d>
+            <a:bevelT w="63500" h="25400"/>
+          </a:sp3d>
+        </a:effectStyle>
+      </a:effectStyleLst>
+      <a:bgFillStyleLst>
+        <a:solidFill>
+          <a:schemeClr val="phClr"/>
+        </a:solidFill>
+        <a:gradFill rotWithShape="1">
+          <a:gsLst>
+            <a:gs pos="0">
+              <a:schemeClr val="phClr">
+                <a:tint val="40000"/>
+                <a:satMod val="350000"/>
+              </a:schemeClr>
+            </a:gs>
+            <a:gs pos="40000">
+              <a:schemeClr val="phClr">
+                <a:tint val="45000"/>
+                <a:shade val="99000"/>
+                <a:satMod val="350000"/>
+              </a:schemeClr>
+            </a:gs>
+            <a:gs pos="100000">
+              <a:schemeClr val="phClr">
+                <a:shade val="20000"/>
+                <a:satMod val="255000"/>
+              </a:schemeClr>
+            </a:gs>
+          </a:gsLst>
+          <a:path path="circle">
+            <a:fillToRect l="50000" t="-80000" r="50000" b="180000"/>
+          </a:path>
+        </a:gradFill>
+        <a:gradFill rotWithShape="1">
+          <a:gsLst>
+            <a:gs pos="0">
+              <a:schemeClr val="phClr">
+                <a:tint val="80000"/>
+                <a:satMod val="300000"/>
+              </a:schemeClr>
+            </a:gs>
+            <a:gs pos="100000">
+              <a:schemeClr val="phClr">
+                <a:shade val="30000"/>
+                <a:satMod val="200000"/>
+              </a:schemeClr>
+            </a:gs>
+          </a:gsLst>
+          <a:path path="circle">
+            <a:fillToRect l="50000" t="50000" r="50000" b="50000"/>
+          </a:path>
+        </a:gradFill>
+      </a:bgFillStyleLst>
+    </a:fmtScheme>
+  </a:themeElements>
+  <a:objectDefaults/>
+  <a:extraClrSchemeLst/>
+</a:theme>
 </file>
--- a/ux/markers.pptx
+++ b/ux/markers.pptx
@@ -194,7 +194,7 @@
           <a:p>
             <a:fld id="{78A2075D-F9ED-4919-91B0-1A46D94E5F9C}" type="datetimeFigureOut">
               <a:rPr lang="en-US" smtClean="0"/>
-              <a:t>11/18/2011</a:t>
+              <a:t>11/23/11</a:t>
             </a:fld>
             <a:endParaRPr lang="en-US"/>
           </a:p>
@@ -910,7 +910,7 @@
           <a:p>
             <a:fld id="{851D39A3-490F-415B-BE12-57FBFCD0A6BB}" type="datetimeFigureOut">
               <a:rPr lang="en-US" smtClean="0"/>
-              <a:t>11/18/2011</a:t>
+              <a:t>11/23/11</a:t>
             </a:fld>
             <a:endParaRPr lang="en-US"/>
           </a:p>
@@ -1080,7 +1080,7 @@
           <a:p>
             <a:fld id="{851D39A3-490F-415B-BE12-57FBFCD0A6BB}" type="datetimeFigureOut">
               <a:rPr lang="en-US" smtClean="0"/>
-              <a:t>11/18/2011</a:t>
+              <a:t>11/23/11</a:t>
             </a:fld>
             <a:endParaRPr lang="en-US"/>
           </a:p>
@@ -1260,7 +1260,7 @@
           <a:p>
             <a:fld id="{851D39A3-490F-415B-BE12-57FBFCD0A6BB}" type="datetimeFigureOut">
               <a:rPr lang="en-US" smtClean="0"/>
-              <a:t>11/18/2011</a:t>
+              <a:t>11/23/11</a:t>
             </a:fld>
             <a:endParaRPr lang="en-US"/>
           </a:p>
@@ -1430,7 +1430,7 @@
           <a:p>
             <a:fld id="{851D39A3-490F-415B-BE12-57FBFCD0A6BB}" type="datetimeFigureOut">
               <a:rPr lang="en-US" smtClean="0"/>
-              <a:t>11/18/2011</a:t>
+              <a:t>11/23/11</a:t>
             </a:fld>
             <a:endParaRPr lang="en-US"/>
           </a:p>
@@ -1676,7 +1676,7 @@
           <a:p>
             <a:fld id="{851D39A3-490F-415B-BE12-57FBFCD0A6BB}" type="datetimeFigureOut">
               <a:rPr lang="en-US" smtClean="0"/>
-              <a:t>11/18/2011</a:t>
+              <a:t>11/23/11</a:t>
             </a:fld>
             <a:endParaRPr lang="en-US"/>
           </a:p>
@@ -1964,7 +1964,7 @@
           <a:p>
             <a:fld id="{851D39A3-490F-415B-BE12-57FBFCD0A6BB}" type="datetimeFigureOut">
               <a:rPr lang="en-US" smtClean="0"/>
-              <a:t>11/18/2011</a:t>
+              <a:t>11/23/11</a:t>
             </a:fld>
             <a:endParaRPr lang="en-US"/>
           </a:p>
@@ -2386,7 +2386,7 @@
           <a:p>
             <a:fld id="{851D39A3-490F-415B-BE12-57FBFCD0A6BB}" type="datetimeFigureOut">
               <a:rPr lang="en-US" smtClean="0"/>
-              <a:t>11/18/2011</a:t>
+              <a:t>11/23/11</a:t>
             </a:fld>
             <a:endParaRPr lang="en-US"/>
           </a:p>
@@ -2504,7 +2504,7 @@
           <a:p>
             <a:fld id="{851D39A3-490F-415B-BE12-57FBFCD0A6BB}" type="datetimeFigureOut">
               <a:rPr lang="en-US" smtClean="0"/>
-              <a:t>11/18/2011</a:t>
+              <a:t>11/23/11</a:t>
             </a:fld>
             <a:endParaRPr lang="en-US"/>
           </a:p>
@@ -2599,7 +2599,7 @@
           <a:p>
             <a:fld id="{851D39A3-490F-415B-BE12-57FBFCD0A6BB}" type="datetimeFigureOut">
               <a:rPr lang="en-US" smtClean="0"/>
-              <a:t>11/18/2011</a:t>
+              <a:t>11/23/11</a:t>
             </a:fld>
             <a:endParaRPr lang="en-US"/>
           </a:p>
@@ -2876,7 +2876,7 @@
           <a:p>
             <a:fld id="{851D39A3-490F-415B-BE12-57FBFCD0A6BB}" type="datetimeFigureOut">
               <a:rPr lang="en-US" smtClean="0"/>
-              <a:t>11/18/2011</a:t>
+              <a:t>11/23/11</a:t>
             </a:fld>
             <a:endParaRPr lang="en-US"/>
           </a:p>
@@ -3129,7 +3129,7 @@
           <a:p>
             <a:fld id="{851D39A3-490F-415B-BE12-57FBFCD0A6BB}" type="datetimeFigureOut">
               <a:rPr lang="en-US" smtClean="0"/>
-              <a:t>11/18/2011</a:t>
+              <a:t>11/23/11</a:t>
             </a:fld>
             <a:endParaRPr lang="en-US"/>
           </a:p>
@@ -3342,7 +3342,7 @@
           <a:p>
             <a:fld id="{851D39A3-490F-415B-BE12-57FBFCD0A6BB}" type="datetimeFigureOut">
               <a:rPr lang="en-US" smtClean="0"/>
-              <a:t>11/18/2011</a:t>
+              <a:t>11/23/11</a:t>
             </a:fld>
             <a:endParaRPr lang="en-US"/>
           </a:p>
@@ -9317,7 +9317,7 @@
       </p:grpSp>
       <p:grpSp>
         <p:nvGrpSpPr>
-          <p:cNvPr id="19" name="Group 18"/>
+          <p:cNvPr id="49" name="Group 48"/>
           <p:cNvGrpSpPr/>
           <p:nvPr/>
         </p:nvGrpSpPr>
@@ -9325,166 +9325,151 @@
           <a:xfrm>
             <a:off x="503255" y="863598"/>
             <a:ext cx="914400" cy="1193802"/>
-            <a:chOff x="503255" y="863598"/>
+            <a:chOff x="1695092" y="1103354"/>
             <a:chExt cx="914400" cy="1193802"/>
           </a:xfrm>
+          <a:solidFill>
+            <a:srgbClr val="FFC000"/>
+          </a:solidFill>
+          <a:effectLst>
+            <a:glow rad="139700">
+              <a:srgbClr val="FFFF00">
+                <a:alpha val="40000"/>
+              </a:srgbClr>
+            </a:glow>
+            <a:outerShdw blurRad="76200" dir="18900000" sy="23000" kx="-1200000" algn="bl" rotWithShape="0">
+              <a:prstClr val="black">
+                <a:alpha val="35000"/>
+              </a:prstClr>
+            </a:outerShdw>
+          </a:effectLst>
         </p:grpSpPr>
-        <p:grpSp>
-          <p:nvGrpSpPr>
-            <p:cNvPr id="49" name="Group 48"/>
-            <p:cNvGrpSpPr/>
+        <p:sp>
+          <p:nvSpPr>
+            <p:cNvPr id="51" name="Rounded Rectangle 50"/>
+            <p:cNvSpPr/>
             <p:nvPr/>
-          </p:nvGrpSpPr>
-          <p:grpSpPr>
-            <a:xfrm>
-              <a:off x="503255" y="863598"/>
-              <a:ext cx="914400" cy="1193802"/>
-              <a:chOff x="1695092" y="1103354"/>
-              <a:chExt cx="914400" cy="1193802"/>
-            </a:xfrm>
-            <a:solidFill>
-              <a:srgbClr val="FFC000"/>
-            </a:solidFill>
-            <a:effectLst>
-              <a:glow rad="139700">
-                <a:srgbClr val="FFFF00">
-                  <a:alpha val="40000"/>
-                </a:srgbClr>
-              </a:glow>
-              <a:outerShdw blurRad="76200" dir="18900000" sy="23000" kx="-1200000" algn="bl" rotWithShape="0">
-                <a:prstClr val="black">
-                  <a:alpha val="35000"/>
-                </a:prstClr>
-              </a:outerShdw>
-            </a:effectLst>
-          </p:grpSpPr>
-          <p:sp>
-            <p:nvSpPr>
-              <p:cNvPr id="51" name="Rounded Rectangle 50"/>
-              <p:cNvSpPr/>
-              <p:nvPr/>
-            </p:nvSpPr>
-            <p:spPr>
-              <a:xfrm>
-                <a:off x="1695092" y="1103354"/>
-                <a:ext cx="914400" cy="914400"/>
-              </a:xfrm>
-              <a:prstGeom prst="roundRect">
-                <a:avLst>
-                  <a:gd name="adj" fmla="val 3212"/>
-                </a:avLst>
-              </a:prstGeom>
-              <a:grpFill/>
-              <a:ln>
-                <a:noFill/>
-              </a:ln>
-            </p:spPr>
-            <p:style>
-              <a:lnRef idx="2">
-                <a:schemeClr val="accent1">
-                  <a:shade val="50000"/>
-                </a:schemeClr>
-              </a:lnRef>
-              <a:fillRef idx="1">
-                <a:schemeClr val="accent1"/>
-              </a:fillRef>
-              <a:effectRef idx="0">
-                <a:schemeClr val="accent1"/>
-              </a:effectRef>
-              <a:fontRef idx="minor">
-                <a:schemeClr val="lt1"/>
-              </a:fontRef>
-            </p:style>
-            <p:txBody>
-              <a:bodyPr rtlCol="0" anchor="ctr"/>
-              <a:lstStyle/>
-              <a:p>
-                <a:pPr algn="ctr"/>
-                <a:endParaRPr lang="en-US"/>
-              </a:p>
-            </p:txBody>
-          </p:sp>
-          <p:sp>
-            <p:nvSpPr>
-              <p:cNvPr id="52" name="Isosceles Triangle 51"/>
-              <p:cNvSpPr/>
-              <p:nvPr/>
-            </p:nvSpPr>
-            <p:spPr>
-              <a:xfrm flipV="1">
-                <a:off x="1999892" y="2017754"/>
-                <a:ext cx="304800" cy="279402"/>
-              </a:xfrm>
-              <a:prstGeom prst="triangle">
-                <a:avLst/>
-              </a:prstGeom>
-              <a:grpFill/>
-              <a:ln>
-                <a:noFill/>
-              </a:ln>
-            </p:spPr>
-            <p:style>
-              <a:lnRef idx="2">
-                <a:schemeClr val="accent1">
-                  <a:shade val="50000"/>
-                </a:schemeClr>
-              </a:lnRef>
-              <a:fillRef idx="1">
-                <a:schemeClr val="accent1"/>
-              </a:fillRef>
-              <a:effectRef idx="0">
-                <a:schemeClr val="accent1"/>
-              </a:effectRef>
-              <a:fontRef idx="minor">
-                <a:schemeClr val="lt1"/>
-              </a:fontRef>
-            </p:style>
-            <p:txBody>
-              <a:bodyPr rtlCol="0" anchor="ctr"/>
-              <a:lstStyle/>
-              <a:p>
-                <a:pPr algn="ctr"/>
-                <a:endParaRPr lang="en-US"/>
-              </a:p>
-            </p:txBody>
-          </p:sp>
-        </p:grpSp>
-        <p:pic>
-          <p:nvPicPr>
-            <p:cNvPr id="50" name="Picture 49"/>
-            <p:cNvPicPr>
-              <a:picLocks noChangeAspect="1"/>
-            </p:cNvPicPr>
-            <p:nvPr/>
-          </p:nvPicPr>
-          <p:blipFill rotWithShape="1">
-            <a:blip r:embed="rId3">
-              <a:extLst>
-                <a:ext uri="{28A0092B-C50C-407E-A947-70E740481C1C}">
-                  <a14:useLocalDpi xmlns:a14="http://schemas.microsoft.com/office/drawing/2010/main" val="0"/>
-                </a:ext>
-              </a:extLst>
-            </a:blip>
-            <a:srcRect l="46691"/>
-            <a:stretch/>
-          </p:blipFill>
+          </p:nvSpPr>
           <p:spPr>
             <a:xfrm>
-              <a:off x="503255" y="1035316"/>
-              <a:ext cx="435010" cy="546099"/>
+              <a:off x="1695092" y="1103354"/>
+              <a:ext cx="914400" cy="914400"/>
             </a:xfrm>
-            <a:prstGeom prst="rect">
-              <a:avLst/>
+            <a:prstGeom prst="roundRect">
+              <a:avLst>
+                <a:gd name="adj" fmla="val 3212"/>
+              </a:avLst>
             </a:prstGeom>
-            <a:solidFill>
-              <a:srgbClr val="FFC000"/>
-            </a:solidFill>
+            <a:grpFill/>
             <a:ln>
               <a:noFill/>
             </a:ln>
           </p:spPr>
-        </p:pic>
+          <p:style>
+            <a:lnRef idx="2">
+              <a:schemeClr val="accent1">
+                <a:shade val="50000"/>
+              </a:schemeClr>
+            </a:lnRef>
+            <a:fillRef idx="1">
+              <a:schemeClr val="accent1"/>
+            </a:fillRef>
+            <a:effectRef idx="0">
+              <a:schemeClr val="accent1"/>
+            </a:effectRef>
+            <a:fontRef idx="minor">
+              <a:schemeClr val="lt1"/>
+            </a:fontRef>
+          </p:style>
+          <p:txBody>
+            <a:bodyPr rtlCol="0" anchor="ctr"/>
+            <a:lstStyle/>
+            <a:p>
+              <a:pPr algn="ctr"/>
+              <a:endParaRPr lang="en-US"/>
+            </a:p>
+          </p:txBody>
+        </p:sp>
+        <p:sp>
+          <p:nvSpPr>
+            <p:cNvPr id="52" name="Isosceles Triangle 51"/>
+            <p:cNvSpPr/>
+            <p:nvPr/>
+          </p:nvSpPr>
+          <p:spPr>
+            <a:xfrm flipV="1">
+              <a:off x="1999892" y="2017754"/>
+              <a:ext cx="304800" cy="279402"/>
+            </a:xfrm>
+            <a:prstGeom prst="triangle">
+              <a:avLst/>
+            </a:prstGeom>
+            <a:grpFill/>
+            <a:ln>
+              <a:noFill/>
+            </a:ln>
+          </p:spPr>
+          <p:style>
+            <a:lnRef idx="2">
+              <a:schemeClr val="accent1">
+                <a:shade val="50000"/>
+              </a:schemeClr>
+            </a:lnRef>
+            <a:fillRef idx="1">
+              <a:schemeClr val="accent1"/>
+            </a:fillRef>
+            <a:effectRef idx="0">
+              <a:schemeClr val="accent1"/>
+            </a:effectRef>
+            <a:fontRef idx="minor">
+              <a:schemeClr val="lt1"/>
+            </a:fontRef>
+          </p:style>
+          <p:txBody>
+            <a:bodyPr rtlCol="0" anchor="ctr"/>
+            <a:lstStyle/>
+            <a:p>
+              <a:pPr algn="ctr"/>
+              <a:endParaRPr lang="en-US"/>
+            </a:p>
+          </p:txBody>
+        </p:sp>
       </p:grpSp>
+      <p:pic>
+        <p:nvPicPr>
+          <p:cNvPr id="50" name="Picture 49"/>
+          <p:cNvPicPr>
+            <a:picLocks noChangeAspect="1"/>
+          </p:cNvPicPr>
+          <p:nvPr/>
+        </p:nvPicPr>
+        <p:blipFill rotWithShape="1">
+          <a:blip r:embed="rId3">
+            <a:extLst>
+              <a:ext uri="{28A0092B-C50C-407E-A947-70E740481C1C}">
+                <a14:useLocalDpi xmlns:a14="http://schemas.microsoft.com/office/drawing/2010/main" val="0"/>
+              </a:ext>
+            </a:extLst>
+          </a:blip>
+          <a:srcRect l="46691"/>
+          <a:stretch/>
+        </p:blipFill>
+        <p:spPr>
+          <a:xfrm>
+            <a:off x="503255" y="1035316"/>
+            <a:ext cx="435010" cy="546099"/>
+          </a:xfrm>
+          <a:prstGeom prst="rect">
+            <a:avLst/>
+          </a:prstGeom>
+          <a:solidFill>
+            <a:srgbClr val="FFC000"/>
+          </a:solidFill>
+          <a:ln>
+            <a:noFill/>
+          </a:ln>
+        </p:spPr>
+      </p:pic>
       <p:grpSp>
         <p:nvGrpSpPr>
           <p:cNvPr id="13" name="Group 12"/>
@@ -9598,7 +9583,7 @@
         </p:nvGrpSpPr>
         <p:grpSpPr>
           <a:xfrm>
-            <a:off x="-762000" y="888086"/>
+            <a:off x="-1752600" y="2590800"/>
             <a:ext cx="668386" cy="662230"/>
             <a:chOff x="265416" y="4633697"/>
             <a:chExt cx="668386" cy="662230"/>
@@ -9730,14 +9715,14 @@
           </a:ln>
           <a:effectLst/>
           <a:extLst>
-            <a:ext uri="{909E8E84-426E-40DD-AFC4-6F175D3DCCD1}">
+            <a:ext uri="{909E8E84-426E-40dd-AFC4-6F175D3DCCD1}">
               <a14:hiddenFill xmlns:a14="http://schemas.microsoft.com/office/drawing/2010/main">
                 <a:solidFill>
                   <a:schemeClr val="accent1"/>
                 </a:solidFill>
               </a14:hiddenFill>
             </a:ext>
-            <a:ext uri="{91240B29-F687-4F45-9708-019B960494DF}">
+            <a:ext uri="{91240B29-F687-4f45-9708-019B960494DF}">
               <a14:hiddenLine xmlns:a14="http://schemas.microsoft.com/office/drawing/2010/main" w="9525">
                 <a:solidFill>
                   <a:schemeClr val="tx1"/>
@@ -9747,7 +9732,7 @@
                 <a:tailEnd/>
               </a14:hiddenLine>
             </a:ext>
-            <a:ext uri="{AF507438-7753-43E0-B8FC-AC1667EBCBE1}">
+            <a:ext uri="{AF507438-7753-43e0-B8FC-AC1667EBCBE1}">
               <a14:hiddenEffects xmlns:a14="http://schemas.microsoft.com/office/drawing/2010/main">
                 <a:effectLst>
                   <a:outerShdw dist="35921" dir="2700000" algn="ctr" rotWithShape="0">
@@ -9794,14 +9779,14 @@
           </a:ln>
           <a:effectLst/>
           <a:extLst>
-            <a:ext uri="{909E8E84-426E-40DD-AFC4-6F175D3DCCD1}">
+            <a:ext uri="{909E8E84-426E-40dd-AFC4-6F175D3DCCD1}">
               <a14:hiddenFill xmlns:a14="http://schemas.microsoft.com/office/drawing/2010/main">
                 <a:solidFill>
                   <a:schemeClr val="accent1"/>
                 </a:solidFill>
               </a14:hiddenFill>
             </a:ext>
-            <a:ext uri="{91240B29-F687-4F45-9708-019B960494DF}">
+            <a:ext uri="{91240B29-F687-4f45-9708-019B960494DF}">
               <a14:hiddenLine xmlns:a14="http://schemas.microsoft.com/office/drawing/2010/main" w="9525">
                 <a:solidFill>
                   <a:schemeClr val="tx1"/>
@@ -9811,7 +9796,7 @@
                 <a:tailEnd/>
               </a14:hiddenLine>
             </a:ext>
-            <a:ext uri="{AF507438-7753-43E0-B8FC-AC1667EBCBE1}">
+            <a:ext uri="{AF507438-7753-43e0-B8FC-AC1667EBCBE1}">
               <a14:hiddenEffects xmlns:a14="http://schemas.microsoft.com/office/drawing/2010/main">
                 <a:effectLst>
                   <a:outerShdw dist="35921" dir="2700000" algn="ctr" rotWithShape="0">
@@ -9858,14 +9843,14 @@
           </a:ln>
           <a:effectLst/>
           <a:extLst>
-            <a:ext uri="{909E8E84-426E-40DD-AFC4-6F175D3DCCD1}">
+            <a:ext uri="{909E8E84-426E-40dd-AFC4-6F175D3DCCD1}">
               <a14:hiddenFill xmlns:a14="http://schemas.microsoft.com/office/drawing/2010/main">
                 <a:solidFill>
                   <a:schemeClr val="accent1"/>
                 </a:solidFill>
               </a14:hiddenFill>
             </a:ext>
-            <a:ext uri="{91240B29-F687-4F45-9708-019B960494DF}">
+            <a:ext uri="{91240B29-F687-4f45-9708-019B960494DF}">
               <a14:hiddenLine xmlns:a14="http://schemas.microsoft.com/office/drawing/2010/main" w="9525">
                 <a:solidFill>
                   <a:schemeClr val="tx1"/>
@@ -9875,7 +9860,7 @@
                 <a:tailEnd/>
               </a14:hiddenLine>
             </a:ext>
-            <a:ext uri="{AF507438-7753-43E0-B8FC-AC1667EBCBE1}">
+            <a:ext uri="{AF507438-7753-43e0-B8FC-AC1667EBCBE1}">
               <a14:hiddenEffects xmlns:a14="http://schemas.microsoft.com/office/drawing/2010/main">
                 <a:effectLst>
                   <a:outerShdw dist="35921" dir="2700000" algn="ctr" rotWithShape="0">
@@ -9922,14 +9907,14 @@
           </a:ln>
           <a:effectLst/>
           <a:extLst>
-            <a:ext uri="{909E8E84-426E-40DD-AFC4-6F175D3DCCD1}">
+            <a:ext uri="{909E8E84-426E-40dd-AFC4-6F175D3DCCD1}">
               <a14:hiddenFill xmlns:a14="http://schemas.microsoft.com/office/drawing/2010/main">
                 <a:solidFill>
                   <a:schemeClr val="accent1"/>
                 </a:solidFill>
               </a14:hiddenFill>
             </a:ext>
-            <a:ext uri="{91240B29-F687-4F45-9708-019B960494DF}">
+            <a:ext uri="{91240B29-F687-4f45-9708-019B960494DF}">
               <a14:hiddenLine xmlns:a14="http://schemas.microsoft.com/office/drawing/2010/main" w="9525">
                 <a:solidFill>
                   <a:schemeClr val="tx1"/>
@@ -9939,7 +9924,7 @@
                 <a:tailEnd/>
               </a14:hiddenLine>
             </a:ext>
-            <a:ext uri="{AF507438-7753-43E0-B8FC-AC1667EBCBE1}">
+            <a:ext uri="{AF507438-7753-43e0-B8FC-AC1667EBCBE1}">
               <a14:hiddenEffects xmlns:a14="http://schemas.microsoft.com/office/drawing/2010/main">
                 <a:effectLst>
                   <a:outerShdw dist="35921" dir="2700000" algn="ctr" rotWithShape="0">
@@ -9986,14 +9971,14 @@
           </a:ln>
           <a:effectLst/>
           <a:extLst>
-            <a:ext uri="{909E8E84-426E-40DD-AFC4-6F175D3DCCD1}">
+            <a:ext uri="{909E8E84-426E-40dd-AFC4-6F175D3DCCD1}">
               <a14:hiddenFill xmlns:a14="http://schemas.microsoft.com/office/drawing/2010/main">
                 <a:solidFill>
                   <a:schemeClr val="accent1"/>
                 </a:solidFill>
               </a14:hiddenFill>
             </a:ext>
-            <a:ext uri="{91240B29-F687-4F45-9708-019B960494DF}">
+            <a:ext uri="{91240B29-F687-4f45-9708-019B960494DF}">
               <a14:hiddenLine xmlns:a14="http://schemas.microsoft.com/office/drawing/2010/main" w="9525">
                 <a:solidFill>
                   <a:schemeClr val="tx1"/>
@@ -10003,7 +9988,7 @@
                 <a:tailEnd/>
               </a14:hiddenLine>
             </a:ext>
-            <a:ext uri="{AF507438-7753-43E0-B8FC-AC1667EBCBE1}">
+            <a:ext uri="{AF507438-7753-43e0-B8FC-AC1667EBCBE1}">
               <a14:hiddenEffects xmlns:a14="http://schemas.microsoft.com/office/drawing/2010/main">
                 <a:effectLst>
                   <a:outerShdw dist="35921" dir="2700000" algn="ctr" rotWithShape="0">
@@ -10050,14 +10035,14 @@
           </a:ln>
           <a:effectLst/>
           <a:extLst>
-            <a:ext uri="{909E8E84-426E-40DD-AFC4-6F175D3DCCD1}">
+            <a:ext uri="{909E8E84-426E-40dd-AFC4-6F175D3DCCD1}">
               <a14:hiddenFill xmlns:a14="http://schemas.microsoft.com/office/drawing/2010/main">
                 <a:solidFill>
                   <a:schemeClr val="accent1"/>
                 </a:solidFill>
               </a14:hiddenFill>
             </a:ext>
-            <a:ext uri="{91240B29-F687-4F45-9708-019B960494DF}">
+            <a:ext uri="{91240B29-F687-4f45-9708-019B960494DF}">
               <a14:hiddenLine xmlns:a14="http://schemas.microsoft.com/office/drawing/2010/main" w="9525">
                 <a:solidFill>
                   <a:schemeClr val="tx1"/>
@@ -10067,7 +10052,7 @@
                 <a:tailEnd/>
               </a14:hiddenLine>
             </a:ext>
-            <a:ext uri="{AF507438-7753-43E0-B8FC-AC1667EBCBE1}">
+            <a:ext uri="{AF507438-7753-43e0-B8FC-AC1667EBCBE1}">
               <a14:hiddenEffects xmlns:a14="http://schemas.microsoft.com/office/drawing/2010/main">
                 <a:effectLst>
                   <a:outerShdw dist="35921" dir="2700000" algn="ctr" rotWithShape="0">
@@ -10114,14 +10099,14 @@
           </a:ln>
           <a:effectLst/>
           <a:extLst>
-            <a:ext uri="{909E8E84-426E-40DD-AFC4-6F175D3DCCD1}">
+            <a:ext uri="{909E8E84-426E-40dd-AFC4-6F175D3DCCD1}">
               <a14:hiddenFill xmlns:a14="http://schemas.microsoft.com/office/drawing/2010/main">
                 <a:solidFill>
                   <a:schemeClr val="accent1"/>
                 </a:solidFill>
               </a14:hiddenFill>
             </a:ext>
-            <a:ext uri="{91240B29-F687-4F45-9708-019B960494DF}">
+            <a:ext uri="{91240B29-F687-4f45-9708-019B960494DF}">
               <a14:hiddenLine xmlns:a14="http://schemas.microsoft.com/office/drawing/2010/main" w="9525">
                 <a:solidFill>
                   <a:schemeClr val="tx1"/>
@@ -10131,7 +10116,7 @@
                 <a:tailEnd/>
               </a14:hiddenLine>
             </a:ext>
-            <a:ext uri="{AF507438-7753-43E0-B8FC-AC1667EBCBE1}">
+            <a:ext uri="{AF507438-7753-43e0-B8FC-AC1667EBCBE1}">
               <a14:hiddenEffects xmlns:a14="http://schemas.microsoft.com/office/drawing/2010/main">
                 <a:effectLst>
                   <a:outerShdw dist="35921" dir="2700000" algn="ctr" rotWithShape="0">
@@ -10178,14 +10163,14 @@
           </a:ln>
           <a:effectLst/>
           <a:extLst>
-            <a:ext uri="{909E8E84-426E-40DD-AFC4-6F175D3DCCD1}">
+            <a:ext uri="{909E8E84-426E-40dd-AFC4-6F175D3DCCD1}">
               <a14:hiddenFill xmlns:a14="http://schemas.microsoft.com/office/drawing/2010/main">
                 <a:solidFill>
                   <a:schemeClr val="accent1"/>
                 </a:solidFill>
               </a14:hiddenFill>
             </a:ext>
-            <a:ext uri="{91240B29-F687-4F45-9708-019B960494DF}">
+            <a:ext uri="{91240B29-F687-4f45-9708-019B960494DF}">
               <a14:hiddenLine xmlns:a14="http://schemas.microsoft.com/office/drawing/2010/main" w="9525">
                 <a:solidFill>
                   <a:schemeClr val="tx1"/>
@@ -10195,7 +10180,7 @@
                 <a:tailEnd/>
               </a14:hiddenLine>
             </a:ext>
-            <a:ext uri="{AF507438-7753-43E0-B8FC-AC1667EBCBE1}">
+            <a:ext uri="{AF507438-7753-43e0-B8FC-AC1667EBCBE1}">
               <a14:hiddenEffects xmlns:a14="http://schemas.microsoft.com/office/drawing/2010/main">
                 <a:effectLst>
                   <a:outerShdw dist="35921" dir="2700000" algn="ctr" rotWithShape="0">
@@ -10242,14 +10227,14 @@
           </a:ln>
           <a:effectLst/>
           <a:extLst>
-            <a:ext uri="{909E8E84-426E-40DD-AFC4-6F175D3DCCD1}">
+            <a:ext uri="{909E8E84-426E-40dd-AFC4-6F175D3DCCD1}">
               <a14:hiddenFill xmlns:a14="http://schemas.microsoft.com/office/drawing/2010/main">
                 <a:solidFill>
                   <a:schemeClr val="accent1"/>
                 </a:solidFill>
               </a14:hiddenFill>
             </a:ext>
-            <a:ext uri="{91240B29-F687-4F45-9708-019B960494DF}">
+            <a:ext uri="{91240B29-F687-4f45-9708-019B960494DF}">
               <a14:hiddenLine xmlns:a14="http://schemas.microsoft.com/office/drawing/2010/main" w="9525">
                 <a:solidFill>
                   <a:schemeClr val="tx1"/>
@@ -10259,7 +10244,7 @@
                 <a:tailEnd/>
               </a14:hiddenLine>
             </a:ext>
-            <a:ext uri="{AF507438-7753-43E0-B8FC-AC1667EBCBE1}">
+            <a:ext uri="{AF507438-7753-43e0-B8FC-AC1667EBCBE1}">
               <a14:hiddenEffects xmlns:a14="http://schemas.microsoft.com/office/drawing/2010/main">
                 <a:effectLst>
                   <a:outerShdw dist="35921" dir="2700000" algn="ctr" rotWithShape="0">
@@ -10306,14 +10291,14 @@
           </a:ln>
           <a:effectLst/>
           <a:extLst>
-            <a:ext uri="{909E8E84-426E-40DD-AFC4-6F175D3DCCD1}">
+            <a:ext uri="{909E8E84-426E-40dd-AFC4-6F175D3DCCD1}">
               <a14:hiddenFill xmlns:a14="http://schemas.microsoft.com/office/drawing/2010/main">
                 <a:solidFill>
                   <a:schemeClr val="accent1"/>
                 </a:solidFill>
               </a14:hiddenFill>
             </a:ext>
-            <a:ext uri="{91240B29-F687-4F45-9708-019B960494DF}">
+            <a:ext uri="{91240B29-F687-4f45-9708-019B960494DF}">
               <a14:hiddenLine xmlns:a14="http://schemas.microsoft.com/office/drawing/2010/main" w="9525">
                 <a:solidFill>
                   <a:schemeClr val="tx1"/>
@@ -10323,7 +10308,7 @@
                 <a:tailEnd/>
               </a14:hiddenLine>
             </a:ext>
-            <a:ext uri="{AF507438-7753-43E0-B8FC-AC1667EBCBE1}">
+            <a:ext uri="{AF507438-7753-43e0-B8FC-AC1667EBCBE1}">
               <a14:hiddenEffects xmlns:a14="http://schemas.microsoft.com/office/drawing/2010/main">
                 <a:effectLst>
                   <a:outerShdw dist="35921" dir="2700000" algn="ctr" rotWithShape="0">
@@ -10370,14 +10355,14 @@
           </a:ln>
           <a:effectLst/>
           <a:extLst>
-            <a:ext uri="{909E8E84-426E-40DD-AFC4-6F175D3DCCD1}">
+            <a:ext uri="{909E8E84-426E-40dd-AFC4-6F175D3DCCD1}">
               <a14:hiddenFill xmlns:a14="http://schemas.microsoft.com/office/drawing/2010/main">
                 <a:solidFill>
                   <a:schemeClr val="accent1"/>
                 </a:solidFill>
               </a14:hiddenFill>
             </a:ext>
-            <a:ext uri="{91240B29-F687-4F45-9708-019B960494DF}">
+            <a:ext uri="{91240B29-F687-4f45-9708-019B960494DF}">
               <a14:hiddenLine xmlns:a14="http://schemas.microsoft.com/office/drawing/2010/main" w="9525">
                 <a:solidFill>
                   <a:schemeClr val="tx1"/>
@@ -10387,7 +10372,7 @@
                 <a:tailEnd/>
               </a14:hiddenLine>
             </a:ext>
-            <a:ext uri="{AF507438-7753-43E0-B8FC-AC1667EBCBE1}">
+            <a:ext uri="{AF507438-7753-43e0-B8FC-AC1667EBCBE1}">
               <a14:hiddenEffects xmlns:a14="http://schemas.microsoft.com/office/drawing/2010/main">
                 <a:effectLst>
                   <a:outerShdw dist="35921" dir="2700000" algn="ctr" rotWithShape="0">
@@ -10434,14 +10419,14 @@
           </a:ln>
           <a:effectLst/>
           <a:extLst>
-            <a:ext uri="{909E8E84-426E-40DD-AFC4-6F175D3DCCD1}">
+            <a:ext uri="{909E8E84-426E-40dd-AFC4-6F175D3DCCD1}">
               <a14:hiddenFill xmlns:a14="http://schemas.microsoft.com/office/drawing/2010/main">
                 <a:solidFill>
                   <a:schemeClr val="accent1"/>
                 </a:solidFill>
               </a14:hiddenFill>
             </a:ext>
-            <a:ext uri="{91240B29-F687-4F45-9708-019B960494DF}">
+            <a:ext uri="{91240B29-F687-4f45-9708-019B960494DF}">
               <a14:hiddenLine xmlns:a14="http://schemas.microsoft.com/office/drawing/2010/main" w="9525">
                 <a:solidFill>
                   <a:schemeClr val="tx1"/>
@@ -10451,7 +10436,7 @@
                 <a:tailEnd/>
               </a14:hiddenLine>
             </a:ext>
-            <a:ext uri="{AF507438-7753-43E0-B8FC-AC1667EBCBE1}">
+            <a:ext uri="{AF507438-7753-43e0-B8FC-AC1667EBCBE1}">
               <a14:hiddenEffects xmlns:a14="http://schemas.microsoft.com/office/drawing/2010/main">
                 <a:effectLst>
                   <a:outerShdw dist="35921" dir="2700000" algn="ctr" rotWithShape="0">
@@ -10498,14 +10483,14 @@
           </a:ln>
           <a:effectLst/>
           <a:extLst>
-            <a:ext uri="{909E8E84-426E-40DD-AFC4-6F175D3DCCD1}">
+            <a:ext uri="{909E8E84-426E-40dd-AFC4-6F175D3DCCD1}">
               <a14:hiddenFill xmlns:a14="http://schemas.microsoft.com/office/drawing/2010/main">
                 <a:solidFill>
                   <a:schemeClr val="accent1"/>
                 </a:solidFill>
               </a14:hiddenFill>
             </a:ext>
-            <a:ext uri="{91240B29-F687-4F45-9708-019B960494DF}">
+            <a:ext uri="{91240B29-F687-4f45-9708-019B960494DF}">
               <a14:hiddenLine xmlns:a14="http://schemas.microsoft.com/office/drawing/2010/main" w="9525">
                 <a:solidFill>
                   <a:schemeClr val="tx1"/>
@@ -10515,7 +10500,7 @@
                 <a:tailEnd/>
               </a14:hiddenLine>
             </a:ext>
-            <a:ext uri="{AF507438-7753-43E0-B8FC-AC1667EBCBE1}">
+            <a:ext uri="{AF507438-7753-43e0-B8FC-AC1667EBCBE1}">
               <a14:hiddenEffects xmlns:a14="http://schemas.microsoft.com/office/drawing/2010/main">
                 <a:effectLst>
                   <a:outerShdw dist="35921" dir="2700000" algn="ctr" rotWithShape="0">
@@ -10562,14 +10547,14 @@
           </a:ln>
           <a:effectLst/>
           <a:extLst>
-            <a:ext uri="{909E8E84-426E-40DD-AFC4-6F175D3DCCD1}">
+            <a:ext uri="{909E8E84-426E-40dd-AFC4-6F175D3DCCD1}">
               <a14:hiddenFill xmlns:a14="http://schemas.microsoft.com/office/drawing/2010/main">
                 <a:solidFill>
                   <a:schemeClr val="accent1"/>
                 </a:solidFill>
               </a14:hiddenFill>
             </a:ext>
-            <a:ext uri="{91240B29-F687-4F45-9708-019B960494DF}">
+            <a:ext uri="{91240B29-F687-4f45-9708-019B960494DF}">
               <a14:hiddenLine xmlns:a14="http://schemas.microsoft.com/office/drawing/2010/main" w="9525">
                 <a:solidFill>
                   <a:schemeClr val="tx1"/>
@@ -10579,7 +10564,7 @@
                 <a:tailEnd/>
               </a14:hiddenLine>
             </a:ext>
-            <a:ext uri="{AF507438-7753-43E0-B8FC-AC1667EBCBE1}">
+            <a:ext uri="{AF507438-7753-43e0-B8FC-AC1667EBCBE1}">
               <a14:hiddenEffects xmlns:a14="http://schemas.microsoft.com/office/drawing/2010/main">
                 <a:effectLst>
                   <a:outerShdw dist="35921" dir="2700000" algn="ctr" rotWithShape="0">
@@ -10626,14 +10611,14 @@
           </a:ln>
           <a:effectLst/>
           <a:extLst>
-            <a:ext uri="{909E8E84-426E-40DD-AFC4-6F175D3DCCD1}">
+            <a:ext uri="{909E8E84-426E-40dd-AFC4-6F175D3DCCD1}">
               <a14:hiddenFill xmlns:a14="http://schemas.microsoft.com/office/drawing/2010/main">
                 <a:solidFill>
                   <a:schemeClr val="accent1"/>
                 </a:solidFill>
               </a14:hiddenFill>
             </a:ext>
-            <a:ext uri="{91240B29-F687-4F45-9708-019B960494DF}">
+            <a:ext uri="{91240B29-F687-4f45-9708-019B960494DF}">
               <a14:hiddenLine xmlns:a14="http://schemas.microsoft.com/office/drawing/2010/main" w="9525">
                 <a:solidFill>
                   <a:schemeClr val="tx1"/>
@@ -10643,7 +10628,7 @@
                 <a:tailEnd/>
               </a14:hiddenLine>
             </a:ext>
-            <a:ext uri="{AF507438-7753-43E0-B8FC-AC1667EBCBE1}">
+            <a:ext uri="{AF507438-7753-43e0-B8FC-AC1667EBCBE1}">
               <a14:hiddenEffects xmlns:a14="http://schemas.microsoft.com/office/drawing/2010/main">
                 <a:effectLst>
                   <a:outerShdw dist="35921" dir="2700000" algn="ctr" rotWithShape="0">
@@ -10690,14 +10675,14 @@
           </a:ln>
           <a:effectLst/>
           <a:extLst>
-            <a:ext uri="{909E8E84-426E-40DD-AFC4-6F175D3DCCD1}">
+            <a:ext uri="{909E8E84-426E-40dd-AFC4-6F175D3DCCD1}">
               <a14:hiddenFill xmlns:a14="http://schemas.microsoft.com/office/drawing/2010/main">
                 <a:solidFill>
                   <a:schemeClr val="accent1"/>
                 </a:solidFill>
               </a14:hiddenFill>
             </a:ext>
-            <a:ext uri="{91240B29-F687-4F45-9708-019B960494DF}">
+            <a:ext uri="{91240B29-F687-4f45-9708-019B960494DF}">
               <a14:hiddenLine xmlns:a14="http://schemas.microsoft.com/office/drawing/2010/main" w="9525">
                 <a:solidFill>
                   <a:schemeClr val="tx1"/>
@@ -10707,7 +10692,7 @@
                 <a:tailEnd/>
               </a14:hiddenLine>
             </a:ext>
-            <a:ext uri="{AF507438-7753-43E0-B8FC-AC1667EBCBE1}">
+            <a:ext uri="{AF507438-7753-43e0-B8FC-AC1667EBCBE1}">
               <a14:hiddenEffects xmlns:a14="http://schemas.microsoft.com/office/drawing/2010/main">
                 <a:effectLst>
                   <a:outerShdw dist="35921" dir="2700000" algn="ctr" rotWithShape="0">
@@ -10719,6 +10704,362 @@
           </a:extLst>
         </p:spPr>
       </p:pic>
+      <p:grpSp>
+        <p:nvGrpSpPr>
+          <p:cNvPr id="6" name="Group 5"/>
+          <p:cNvGrpSpPr/>
+          <p:nvPr/>
+        </p:nvGrpSpPr>
+        <p:grpSpPr>
+          <a:xfrm>
+            <a:off x="-939800" y="838200"/>
+            <a:ext cx="914400" cy="1193802"/>
+            <a:chOff x="-939800" y="838200"/>
+            <a:chExt cx="914400" cy="1193802"/>
+          </a:xfrm>
+        </p:grpSpPr>
+        <p:grpSp>
+          <p:nvGrpSpPr>
+            <p:cNvPr id="77" name="Group 76"/>
+            <p:cNvGrpSpPr/>
+            <p:nvPr/>
+          </p:nvGrpSpPr>
+          <p:grpSpPr>
+            <a:xfrm>
+              <a:off x="-939800" y="838200"/>
+              <a:ext cx="914400" cy="1193802"/>
+              <a:chOff x="1695092" y="1103354"/>
+              <a:chExt cx="914400" cy="1193802"/>
+            </a:xfrm>
+            <a:solidFill>
+              <a:srgbClr val="FFC000"/>
+            </a:solidFill>
+            <a:effectLst>
+              <a:glow rad="139700">
+                <a:srgbClr val="FFFF00">
+                  <a:alpha val="40000"/>
+                </a:srgbClr>
+              </a:glow>
+              <a:outerShdw blurRad="76200" dir="18900000" sy="23000" kx="-1200000" algn="bl" rotWithShape="0">
+                <a:prstClr val="black">
+                  <a:alpha val="35000"/>
+                </a:prstClr>
+              </a:outerShdw>
+            </a:effectLst>
+          </p:grpSpPr>
+          <p:sp>
+            <p:nvSpPr>
+              <p:cNvPr id="79" name="Rounded Rectangle 78"/>
+              <p:cNvSpPr/>
+              <p:nvPr/>
+            </p:nvSpPr>
+            <p:spPr>
+              <a:xfrm>
+                <a:off x="1695092" y="1103354"/>
+                <a:ext cx="914400" cy="914400"/>
+              </a:xfrm>
+              <a:prstGeom prst="roundRect">
+                <a:avLst>
+                  <a:gd name="adj" fmla="val 3212"/>
+                </a:avLst>
+              </a:prstGeom>
+              <a:grpFill/>
+              <a:ln>
+                <a:noFill/>
+              </a:ln>
+            </p:spPr>
+            <p:style>
+              <a:lnRef idx="2">
+                <a:schemeClr val="accent1">
+                  <a:shade val="50000"/>
+                </a:schemeClr>
+              </a:lnRef>
+              <a:fillRef idx="1">
+                <a:schemeClr val="accent1"/>
+              </a:fillRef>
+              <a:effectRef idx="0">
+                <a:schemeClr val="accent1"/>
+              </a:effectRef>
+              <a:fontRef idx="minor">
+                <a:schemeClr val="lt1"/>
+              </a:fontRef>
+            </p:style>
+            <p:txBody>
+              <a:bodyPr rtlCol="0" anchor="ctr"/>
+              <a:lstStyle/>
+              <a:p>
+                <a:pPr algn="ctr"/>
+                <a:endParaRPr lang="en-US"/>
+              </a:p>
+            </p:txBody>
+          </p:sp>
+          <p:sp>
+            <p:nvSpPr>
+              <p:cNvPr id="97" name="Isosceles Triangle 96"/>
+              <p:cNvSpPr/>
+              <p:nvPr/>
+            </p:nvSpPr>
+            <p:spPr>
+              <a:xfrm flipV="1">
+                <a:off x="1999892" y="2017754"/>
+                <a:ext cx="304800" cy="279402"/>
+              </a:xfrm>
+              <a:prstGeom prst="triangle">
+                <a:avLst/>
+              </a:prstGeom>
+              <a:grpFill/>
+              <a:ln>
+                <a:noFill/>
+              </a:ln>
+            </p:spPr>
+            <p:style>
+              <a:lnRef idx="2">
+                <a:schemeClr val="accent1">
+                  <a:shade val="50000"/>
+                </a:schemeClr>
+              </a:lnRef>
+              <a:fillRef idx="1">
+                <a:schemeClr val="accent1"/>
+              </a:fillRef>
+              <a:effectRef idx="0">
+                <a:schemeClr val="accent1"/>
+              </a:effectRef>
+              <a:fontRef idx="minor">
+                <a:schemeClr val="lt1"/>
+              </a:fontRef>
+            </p:style>
+            <p:txBody>
+              <a:bodyPr rtlCol="0" anchor="ctr"/>
+              <a:lstStyle/>
+              <a:p>
+                <a:pPr algn="ctr"/>
+                <a:endParaRPr lang="en-US"/>
+              </a:p>
+            </p:txBody>
+          </p:sp>
+        </p:grpSp>
+        <p:pic>
+          <p:nvPicPr>
+            <p:cNvPr id="99" name="Picture 98"/>
+            <p:cNvPicPr>
+              <a:picLocks noChangeAspect="1"/>
+            </p:cNvPicPr>
+            <p:nvPr/>
+          </p:nvPicPr>
+          <p:blipFill rotWithShape="1">
+            <a:blip r:embed="rId3">
+              <a:extLst>
+                <a:ext uri="{28A0092B-C50C-407E-A947-70E740481C1C}">
+                  <a14:useLocalDpi xmlns:a14="http://schemas.microsoft.com/office/drawing/2010/main" val="0"/>
+                </a:ext>
+              </a:extLst>
+            </a:blip>
+            <a:srcRect l="46691"/>
+            <a:stretch/>
+          </p:blipFill>
+          <p:spPr>
+            <a:xfrm>
+              <a:off x="-939800" y="1009918"/>
+              <a:ext cx="435010" cy="546099"/>
+            </a:xfrm>
+            <a:prstGeom prst="rect">
+              <a:avLst/>
+            </a:prstGeom>
+            <a:solidFill>
+              <a:srgbClr val="FFC000"/>
+            </a:solidFill>
+            <a:ln>
+              <a:noFill/>
+            </a:ln>
+          </p:spPr>
+        </p:pic>
+        <p:pic>
+          <p:nvPicPr>
+            <p:cNvPr id="101" name="Picture 100"/>
+            <p:cNvPicPr>
+              <a:picLocks noChangeAspect="1"/>
+            </p:cNvPicPr>
+            <p:nvPr/>
+          </p:nvPicPr>
+          <p:blipFill rotWithShape="1">
+            <a:blip r:embed="rId3">
+              <a:extLst>
+                <a:ext uri="{28A0092B-C50C-407E-A947-70E740481C1C}">
+                  <a14:useLocalDpi xmlns:a14="http://schemas.microsoft.com/office/drawing/2010/main" val="0"/>
+                </a:ext>
+              </a:extLst>
+            </a:blip>
+            <a:srcRect r="51234"/>
+            <a:stretch/>
+          </p:blipFill>
+          <p:spPr>
+            <a:xfrm>
+              <a:off x="-424989" y="1016001"/>
+              <a:ext cx="397933" cy="546099"/>
+            </a:xfrm>
+            <a:prstGeom prst="rect">
+              <a:avLst/>
+            </a:prstGeom>
+            <a:noFill/>
+            <a:ln>
+              <a:noFill/>
+            </a:ln>
+          </p:spPr>
+        </p:pic>
+      </p:grpSp>
+      <p:grpSp>
+        <p:nvGrpSpPr>
+          <p:cNvPr id="3" name="Group 2"/>
+          <p:cNvGrpSpPr/>
+          <p:nvPr/>
+        </p:nvGrpSpPr>
+        <p:grpSpPr>
+          <a:xfrm>
+            <a:off x="-685800" y="2667000"/>
+            <a:ext cx="411480" cy="411480"/>
+            <a:chOff x="-685800" y="2667000"/>
+            <a:chExt cx="411480" cy="411480"/>
+          </a:xfrm>
+        </p:grpSpPr>
+        <p:grpSp>
+          <p:nvGrpSpPr>
+            <p:cNvPr id="102" name="Group 101"/>
+            <p:cNvGrpSpPr/>
+            <p:nvPr/>
+          </p:nvGrpSpPr>
+          <p:grpSpPr>
+            <a:xfrm>
+              <a:off x="-685800" y="2667000"/>
+              <a:ext cx="411480" cy="411480"/>
+              <a:chOff x="3934230" y="4568283"/>
+              <a:chExt cx="411480" cy="411480"/>
+            </a:xfrm>
+          </p:grpSpPr>
+          <p:sp>
+            <p:nvSpPr>
+              <p:cNvPr id="103" name="Rounded Rectangle 102"/>
+              <p:cNvSpPr/>
+              <p:nvPr/>
+            </p:nvSpPr>
+            <p:spPr>
+              <a:xfrm>
+                <a:off x="3934230" y="4568283"/>
+                <a:ext cx="411480" cy="411480"/>
+              </a:xfrm>
+              <a:prstGeom prst="roundRect">
+                <a:avLst>
+                  <a:gd name="adj" fmla="val 3212"/>
+                </a:avLst>
+              </a:prstGeom>
+              <a:solidFill>
+                <a:srgbClr val="FFC000"/>
+              </a:solidFill>
+              <a:ln>
+                <a:noFill/>
+              </a:ln>
+              <a:effectLst>
+                <a:glow rad="76200">
+                  <a:srgbClr val="FFFF00">
+                    <a:alpha val="40000"/>
+                  </a:srgbClr>
+                </a:glow>
+              </a:effectLst>
+            </p:spPr>
+            <p:style>
+              <a:lnRef idx="2">
+                <a:schemeClr val="accent1">
+                  <a:shade val="50000"/>
+                </a:schemeClr>
+              </a:lnRef>
+              <a:fillRef idx="1">
+                <a:schemeClr val="accent1"/>
+              </a:fillRef>
+              <a:effectRef idx="0">
+                <a:schemeClr val="accent1"/>
+              </a:effectRef>
+              <a:fontRef idx="minor">
+                <a:schemeClr val="lt1"/>
+              </a:fontRef>
+            </p:style>
+            <p:txBody>
+              <a:bodyPr rtlCol="0" anchor="ctr"/>
+              <a:lstStyle/>
+              <a:p>
+                <a:pPr algn="ctr"/>
+                <a:endParaRPr lang="en-US" u="sng"/>
+              </a:p>
+            </p:txBody>
+          </p:sp>
+          <p:pic>
+            <p:nvPicPr>
+              <p:cNvPr id="104" name="Picture 103"/>
+              <p:cNvPicPr>
+                <a:picLocks noChangeAspect="1"/>
+              </p:cNvPicPr>
+              <p:nvPr/>
+            </p:nvPicPr>
+            <p:blipFill rotWithShape="1">
+              <a:blip r:embed="rId6" cstate="print">
+                <a:extLst>
+                  <a:ext uri="{28A0092B-C50C-407E-A947-70E740481C1C}">
+                    <a14:useLocalDpi xmlns:a14="http://schemas.microsoft.com/office/drawing/2010/main" val="0"/>
+                  </a:ext>
+                </a:extLst>
+              </a:blip>
+              <a:srcRect l="46691"/>
+              <a:stretch/>
+            </p:blipFill>
+            <p:spPr>
+              <a:xfrm>
+                <a:off x="3934230" y="4645556"/>
+                <a:ext cx="195755" cy="245745"/>
+              </a:xfrm>
+              <a:prstGeom prst="rect">
+                <a:avLst/>
+              </a:prstGeom>
+              <a:solidFill>
+                <a:srgbClr val="FFC000"/>
+              </a:solidFill>
+              <a:ln>
+                <a:noFill/>
+              </a:ln>
+            </p:spPr>
+          </p:pic>
+        </p:grpSp>
+        <p:pic>
+          <p:nvPicPr>
+            <p:cNvPr id="105" name="Picture 104"/>
+            <p:cNvPicPr>
+              <a:picLocks noChangeAspect="1"/>
+            </p:cNvPicPr>
+            <p:nvPr/>
+          </p:nvPicPr>
+          <p:blipFill rotWithShape="1">
+            <a:blip r:embed="rId4" cstate="print">
+              <a:extLst>
+                <a:ext uri="{28A0092B-C50C-407E-A947-70E740481C1C}">
+                  <a14:useLocalDpi xmlns:a14="http://schemas.microsoft.com/office/drawing/2010/main" val="0"/>
+                </a:ext>
+              </a:extLst>
+            </a:blip>
+            <a:srcRect r="48420"/>
+            <a:stretch/>
+          </p:blipFill>
+          <p:spPr>
+            <a:xfrm>
+              <a:off x="-465630" y="2746375"/>
+              <a:ext cx="189405" cy="245745"/>
+            </a:xfrm>
+            <a:prstGeom prst="rect">
+              <a:avLst/>
+            </a:prstGeom>
+            <a:noFill/>
+            <a:ln>
+              <a:noFill/>
+            </a:ln>
+          </p:spPr>
+        </p:pic>
+      </p:grpSp>
     </p:spTree>
     <p:extLst>
       <p:ext uri="{BB962C8B-B14F-4D97-AF65-F5344CB8AC3E}">
@@ -10729,6 +11070,13 @@
   <p:clrMapOvr>
     <a:masterClrMapping/>
   </p:clrMapOvr>
+  <p:timing>
+    <p:tnLst>
+      <p:par>
+        <p:cTn xmlns:p14="http://schemas.microsoft.com/office/powerpoint/2010/main" id="1" dur="indefinite" restart="never" nodeType="tmRoot"/>
+      </p:par>
+    </p:tnLst>
+  </p:timing>
 </p:sld>
 </file>
 

--- a/ux/markers.pptx
+++ b/ux/markers.pptx
@@ -5,12 +5,13 @@
     <p:sldMasterId id="2147483648" r:id="rId1"/>
   </p:sldMasterIdLst>
   <p:notesMasterIdLst>
-    <p:notesMasterId r:id="rId5"/>
+    <p:notesMasterId r:id="rId6"/>
   </p:notesMasterIdLst>
   <p:sldIdLst>
     <p:sldId id="256" r:id="rId2"/>
     <p:sldId id="257" r:id="rId3"/>
     <p:sldId id="258" r:id="rId4"/>
+    <p:sldId id="259" r:id="rId5"/>
   </p:sldIdLst>
   <p:sldSz cx="9144000" cy="6858000" type="screen4x3"/>
   <p:notesSz cx="6858000" cy="9144000"/>
@@ -194,7 +195,7 @@
           <a:p>
             <a:fld id="{78A2075D-F9ED-4919-91B0-1A46D94E5F9C}" type="datetimeFigureOut">
               <a:rPr lang="en-US" smtClean="0"/>
-              <a:t>11/23/11</a:t>
+              <a:t>11/30/11</a:t>
             </a:fld>
             <a:endParaRPr lang="en-US"/>
           </a:p>
@@ -729,6 +730,95 @@
 </p:notes>
 </file>
 
+<file path=ppt/notesSlides/notesSlide4.xml><?xml version="1.0" encoding="utf-8"?>
+<p:notes xmlns:a="http://schemas.openxmlformats.org/drawingml/2006/main" xmlns:r="http://schemas.openxmlformats.org/officeDocument/2006/relationships" xmlns:p="http://schemas.openxmlformats.org/presentationml/2006/main">
+  <p:cSld>
+    <p:spTree>
+      <p:nvGrpSpPr>
+        <p:cNvPr id="1" name=""/>
+        <p:cNvGrpSpPr/>
+        <p:nvPr/>
+      </p:nvGrpSpPr>
+      <p:grpSpPr>
+        <a:xfrm>
+          <a:off x="0" y="0"/>
+          <a:ext cx="0" cy="0"/>
+          <a:chOff x="0" y="0"/>
+          <a:chExt cx="0" cy="0"/>
+        </a:xfrm>
+      </p:grpSpPr>
+      <p:sp>
+        <p:nvSpPr>
+          <p:cNvPr id="2" name="Slide Image Placeholder 1"/>
+          <p:cNvSpPr>
+            <a:spLocks noGrp="1" noRot="1" noChangeAspect="1"/>
+          </p:cNvSpPr>
+          <p:nvPr>
+            <p:ph type="sldImg"/>
+          </p:nvPr>
+        </p:nvSpPr>
+        <p:spPr>
+          <a:xfrm>
+            <a:off x="1143000" y="685800"/>
+            <a:ext cx="4572000" cy="3429000"/>
+          </a:xfrm>
+        </p:spPr>
+      </p:sp>
+      <p:sp>
+        <p:nvSpPr>
+          <p:cNvPr id="3" name="Notes Placeholder 2"/>
+          <p:cNvSpPr>
+            <a:spLocks noGrp="1"/>
+          </p:cNvSpPr>
+          <p:nvPr>
+            <p:ph type="body" idx="1"/>
+          </p:nvPr>
+        </p:nvSpPr>
+        <p:spPr/>
+        <p:txBody>
+          <a:bodyPr/>
+          <a:lstStyle/>
+          <a:p>
+            <a:endParaRPr lang="en-US" dirty="0"/>
+          </a:p>
+        </p:txBody>
+      </p:sp>
+      <p:sp>
+        <p:nvSpPr>
+          <p:cNvPr id="4" name="Slide Number Placeholder 3"/>
+          <p:cNvSpPr>
+            <a:spLocks noGrp="1"/>
+          </p:cNvSpPr>
+          <p:nvPr>
+            <p:ph type="sldNum" sz="quarter" idx="10"/>
+          </p:nvPr>
+        </p:nvSpPr>
+        <p:spPr/>
+        <p:txBody>
+          <a:bodyPr/>
+          <a:lstStyle/>
+          <a:p>
+            <a:fld id="{E28444F8-67C7-4378-98E1-622D57462ED6}" type="slidenum">
+              <a:rPr lang="en-US" smtClean="0"/>
+              <a:t>4</a:t>
+            </a:fld>
+            <a:endParaRPr lang="en-US"/>
+          </a:p>
+        </p:txBody>
+      </p:sp>
+    </p:spTree>
+    <p:extLst>
+      <p:ext uri="{BB962C8B-B14F-4D97-AF65-F5344CB8AC3E}">
+        <p14:creationId xmlns:p14="http://schemas.microsoft.com/office/powerpoint/2010/main" val="1754667628"/>
+      </p:ext>
+    </p:extLst>
+  </p:cSld>
+  <p:clrMapOvr>
+    <a:masterClrMapping/>
+  </p:clrMapOvr>
+</p:notes>
+</file>
+
 <file path=ppt/slideLayouts/slideLayout1.xml><?xml version="1.0" encoding="utf-8"?>
 <p:sldLayout xmlns:a="http://schemas.openxmlformats.org/drawingml/2006/main" xmlns:r="http://schemas.openxmlformats.org/officeDocument/2006/relationships" xmlns:p="http://schemas.openxmlformats.org/presentationml/2006/main" type="title" preserve="1">
   <p:cSld name="Title Slide">
@@ -910,7 +1000,7 @@
           <a:p>
             <a:fld id="{851D39A3-490F-415B-BE12-57FBFCD0A6BB}" type="datetimeFigureOut">
               <a:rPr lang="en-US" smtClean="0"/>
-              <a:t>11/23/11</a:t>
+              <a:t>11/30/11</a:t>
             </a:fld>
             <a:endParaRPr lang="en-US"/>
           </a:p>
@@ -1080,7 +1170,7 @@
           <a:p>
             <a:fld id="{851D39A3-490F-415B-BE12-57FBFCD0A6BB}" type="datetimeFigureOut">
               <a:rPr lang="en-US" smtClean="0"/>
-              <a:t>11/23/11</a:t>
+              <a:t>11/30/11</a:t>
             </a:fld>
             <a:endParaRPr lang="en-US"/>
           </a:p>
@@ -1260,7 +1350,7 @@
           <a:p>
             <a:fld id="{851D39A3-490F-415B-BE12-57FBFCD0A6BB}" type="datetimeFigureOut">
               <a:rPr lang="en-US" smtClean="0"/>
-              <a:t>11/23/11</a:t>
+              <a:t>11/30/11</a:t>
             </a:fld>
             <a:endParaRPr lang="en-US"/>
           </a:p>
@@ -1430,7 +1520,7 @@
           <a:p>
             <a:fld id="{851D39A3-490F-415B-BE12-57FBFCD0A6BB}" type="datetimeFigureOut">
               <a:rPr lang="en-US" smtClean="0"/>
-              <a:t>11/23/11</a:t>
+              <a:t>11/30/11</a:t>
             </a:fld>
             <a:endParaRPr lang="en-US"/>
           </a:p>
@@ -1676,7 +1766,7 @@
           <a:p>
             <a:fld id="{851D39A3-490F-415B-BE12-57FBFCD0A6BB}" type="datetimeFigureOut">
               <a:rPr lang="en-US" smtClean="0"/>
-              <a:t>11/23/11</a:t>
+              <a:t>11/30/11</a:t>
             </a:fld>
             <a:endParaRPr lang="en-US"/>
           </a:p>
@@ -1964,7 +2054,7 @@
           <a:p>
             <a:fld id="{851D39A3-490F-415B-BE12-57FBFCD0A6BB}" type="datetimeFigureOut">
               <a:rPr lang="en-US" smtClean="0"/>
-              <a:t>11/23/11</a:t>
+              <a:t>11/30/11</a:t>
             </a:fld>
             <a:endParaRPr lang="en-US"/>
           </a:p>
@@ -2386,7 +2476,7 @@
           <a:p>
             <a:fld id="{851D39A3-490F-415B-BE12-57FBFCD0A6BB}" type="datetimeFigureOut">
               <a:rPr lang="en-US" smtClean="0"/>
-              <a:t>11/23/11</a:t>
+              <a:t>11/30/11</a:t>
             </a:fld>
             <a:endParaRPr lang="en-US"/>
           </a:p>
@@ -2504,7 +2594,7 @@
           <a:p>
             <a:fld id="{851D39A3-490F-415B-BE12-57FBFCD0A6BB}" type="datetimeFigureOut">
               <a:rPr lang="en-US" smtClean="0"/>
-              <a:t>11/23/11</a:t>
+              <a:t>11/30/11</a:t>
             </a:fld>
             <a:endParaRPr lang="en-US"/>
           </a:p>
@@ -2599,7 +2689,7 @@
           <a:p>
             <a:fld id="{851D39A3-490F-415B-BE12-57FBFCD0A6BB}" type="datetimeFigureOut">
               <a:rPr lang="en-US" smtClean="0"/>
-              <a:t>11/23/11</a:t>
+              <a:t>11/30/11</a:t>
             </a:fld>
             <a:endParaRPr lang="en-US"/>
           </a:p>
@@ -2876,7 +2966,7 @@
           <a:p>
             <a:fld id="{851D39A3-490F-415B-BE12-57FBFCD0A6BB}" type="datetimeFigureOut">
               <a:rPr lang="en-US" smtClean="0"/>
-              <a:t>11/23/11</a:t>
+              <a:t>11/30/11</a:t>
             </a:fld>
             <a:endParaRPr lang="en-US"/>
           </a:p>
@@ -3129,7 +3219,7 @@
           <a:p>
             <a:fld id="{851D39A3-490F-415B-BE12-57FBFCD0A6BB}" type="datetimeFigureOut">
               <a:rPr lang="en-US" smtClean="0"/>
-              <a:t>11/23/11</a:t>
+              <a:t>11/30/11</a:t>
             </a:fld>
             <a:endParaRPr lang="en-US"/>
           </a:p>
@@ -3342,7 +3432,7 @@
           <a:p>
             <a:fld id="{851D39A3-490F-415B-BE12-57FBFCD0A6BB}" type="datetimeFigureOut">
               <a:rPr lang="en-US" smtClean="0"/>
-              <a:t>11/23/11</a:t>
+              <a:t>11/30/11</a:t>
             </a:fld>
             <a:endParaRPr lang="en-US"/>
           </a:p>
@@ -11080,6 +11170,3798 @@
 </p:sld>
 </file>
 
+<file path=ppt/slides/slide4.xml><?xml version="1.0" encoding="utf-8"?>
+<p:sld xmlns:a="http://schemas.openxmlformats.org/drawingml/2006/main" xmlns:r="http://schemas.openxmlformats.org/officeDocument/2006/relationships" xmlns:p="http://schemas.openxmlformats.org/presentationml/2006/main">
+  <p:cSld>
+    <p:spTree>
+      <p:nvGrpSpPr>
+        <p:cNvPr id="1" name=""/>
+        <p:cNvGrpSpPr/>
+        <p:nvPr/>
+      </p:nvGrpSpPr>
+      <p:grpSpPr>
+        <a:xfrm>
+          <a:off x="0" y="0"/>
+          <a:ext cx="0" cy="0"/>
+          <a:chOff x="0" y="0"/>
+          <a:chExt cx="0" cy="0"/>
+        </a:xfrm>
+      </p:grpSpPr>
+      <p:grpSp>
+        <p:nvGrpSpPr>
+          <p:cNvPr id="106" name="Group 105"/>
+          <p:cNvGrpSpPr/>
+          <p:nvPr/>
+        </p:nvGrpSpPr>
+        <p:grpSpPr>
+          <a:xfrm>
+            <a:off x="1974501" y="863598"/>
+            <a:ext cx="914400" cy="1193802"/>
+            <a:chOff x="937846" y="863598"/>
+            <a:chExt cx="914400" cy="1193802"/>
+          </a:xfrm>
+        </p:grpSpPr>
+        <p:grpSp>
+          <p:nvGrpSpPr>
+            <p:cNvPr id="9" name="Group 8"/>
+            <p:cNvGrpSpPr/>
+            <p:nvPr/>
+          </p:nvGrpSpPr>
+          <p:grpSpPr>
+            <a:xfrm>
+              <a:off x="937846" y="863598"/>
+              <a:ext cx="914400" cy="1193802"/>
+              <a:chOff x="1695092" y="1103354"/>
+              <a:chExt cx="914400" cy="1193802"/>
+            </a:xfrm>
+            <a:effectLst>
+              <a:glow rad="139700">
+                <a:srgbClr val="66FF66">
+                  <a:alpha val="60000"/>
+                </a:srgbClr>
+              </a:glow>
+              <a:outerShdw blurRad="76200" dir="18900000" sy="23000" kx="-1200000" algn="bl" rotWithShape="0">
+                <a:prstClr val="black">
+                  <a:alpha val="35000"/>
+                </a:prstClr>
+              </a:outerShdw>
+            </a:effectLst>
+          </p:grpSpPr>
+          <p:sp>
+            <p:nvSpPr>
+              <p:cNvPr id="4" name="Rounded Rectangle 3"/>
+              <p:cNvSpPr/>
+              <p:nvPr/>
+            </p:nvSpPr>
+            <p:spPr>
+              <a:xfrm>
+                <a:off x="1695092" y="1103354"/>
+                <a:ext cx="914400" cy="914400"/>
+              </a:xfrm>
+              <a:prstGeom prst="roundRect">
+                <a:avLst>
+                  <a:gd name="adj" fmla="val 3212"/>
+                </a:avLst>
+              </a:prstGeom>
+              <a:solidFill>
+                <a:srgbClr val="008000"/>
+              </a:solidFill>
+              <a:ln>
+                <a:noFill/>
+              </a:ln>
+            </p:spPr>
+            <p:style>
+              <a:lnRef idx="2">
+                <a:schemeClr val="accent1">
+                  <a:shade val="50000"/>
+                </a:schemeClr>
+              </a:lnRef>
+              <a:fillRef idx="1">
+                <a:schemeClr val="accent1"/>
+              </a:fillRef>
+              <a:effectRef idx="0">
+                <a:schemeClr val="accent1"/>
+              </a:effectRef>
+              <a:fontRef idx="minor">
+                <a:schemeClr val="lt1"/>
+              </a:fontRef>
+            </p:style>
+            <p:txBody>
+              <a:bodyPr rtlCol="0" anchor="ctr"/>
+              <a:lstStyle/>
+              <a:p>
+                <a:pPr algn="ctr"/>
+                <a:endParaRPr lang="en-US"/>
+              </a:p>
+            </p:txBody>
+          </p:sp>
+          <p:sp>
+            <p:nvSpPr>
+              <p:cNvPr id="5" name="Isosceles Triangle 4"/>
+              <p:cNvSpPr/>
+              <p:nvPr/>
+            </p:nvSpPr>
+            <p:spPr>
+              <a:xfrm flipV="1">
+                <a:off x="1999892" y="2017754"/>
+                <a:ext cx="304800" cy="279402"/>
+              </a:xfrm>
+              <a:prstGeom prst="triangle">
+                <a:avLst/>
+              </a:prstGeom>
+              <a:solidFill>
+                <a:srgbClr val="008000"/>
+              </a:solidFill>
+              <a:ln>
+                <a:noFill/>
+              </a:ln>
+            </p:spPr>
+            <p:style>
+              <a:lnRef idx="2">
+                <a:schemeClr val="accent1">
+                  <a:shade val="50000"/>
+                </a:schemeClr>
+              </a:lnRef>
+              <a:fillRef idx="1">
+                <a:schemeClr val="accent1"/>
+              </a:fillRef>
+              <a:effectRef idx="0">
+                <a:schemeClr val="accent1"/>
+              </a:effectRef>
+              <a:fontRef idx="minor">
+                <a:schemeClr val="lt1"/>
+              </a:fontRef>
+            </p:style>
+            <p:txBody>
+              <a:bodyPr rtlCol="0" anchor="ctr"/>
+              <a:lstStyle/>
+              <a:p>
+                <a:pPr algn="ctr"/>
+                <a:endParaRPr lang="en-US"/>
+              </a:p>
+            </p:txBody>
+          </p:sp>
+        </p:grpSp>
+        <p:pic>
+          <p:nvPicPr>
+            <p:cNvPr id="8" name="Picture 7"/>
+            <p:cNvPicPr>
+              <a:picLocks noChangeAspect="1"/>
+            </p:cNvPicPr>
+            <p:nvPr/>
+          </p:nvPicPr>
+          <p:blipFill>
+            <a:blip r:embed="rId3">
+              <a:extLst>
+                <a:ext uri="{28A0092B-C50C-407E-A947-70E740481C1C}">
+                  <a14:useLocalDpi xmlns:a14="http://schemas.microsoft.com/office/drawing/2010/main" val="0"/>
+                </a:ext>
+              </a:extLst>
+            </a:blip>
+            <a:stretch>
+              <a:fillRect/>
+            </a:stretch>
+          </p:blipFill>
+          <p:spPr>
+            <a:xfrm>
+              <a:off x="990829" y="1035316"/>
+              <a:ext cx="816010" cy="546099"/>
+            </a:xfrm>
+            <a:prstGeom prst="rect">
+              <a:avLst/>
+            </a:prstGeom>
+            <a:noFill/>
+            <a:ln>
+              <a:noFill/>
+            </a:ln>
+          </p:spPr>
+        </p:pic>
+      </p:grpSp>
+      <p:grpSp>
+        <p:nvGrpSpPr>
+          <p:cNvPr id="16" name="Group 15"/>
+          <p:cNvGrpSpPr/>
+          <p:nvPr/>
+        </p:nvGrpSpPr>
+        <p:grpSpPr>
+          <a:xfrm>
+            <a:off x="3416635" y="863598"/>
+            <a:ext cx="914400" cy="1193802"/>
+            <a:chOff x="1695092" y="1103354"/>
+            <a:chExt cx="914400" cy="1193802"/>
+          </a:xfrm>
+          <a:solidFill>
+            <a:srgbClr val="C00000"/>
+          </a:solidFill>
+          <a:effectLst>
+            <a:glow rad="139700">
+              <a:srgbClr val="FF3300">
+                <a:alpha val="40000"/>
+              </a:srgbClr>
+            </a:glow>
+            <a:outerShdw blurRad="76200" dir="18900000" sy="23000" kx="-1200000" algn="bl" rotWithShape="0">
+              <a:prstClr val="black">
+                <a:alpha val="35000"/>
+              </a:prstClr>
+            </a:outerShdw>
+          </a:effectLst>
+        </p:grpSpPr>
+        <p:sp>
+          <p:nvSpPr>
+            <p:cNvPr id="17" name="Rounded Rectangle 16"/>
+            <p:cNvSpPr/>
+            <p:nvPr/>
+          </p:nvSpPr>
+          <p:spPr>
+            <a:xfrm>
+              <a:off x="1695092" y="1103354"/>
+              <a:ext cx="914400" cy="914400"/>
+            </a:xfrm>
+            <a:prstGeom prst="roundRect">
+              <a:avLst>
+                <a:gd name="adj" fmla="val 3212"/>
+              </a:avLst>
+            </a:prstGeom>
+            <a:grpFill/>
+            <a:ln>
+              <a:noFill/>
+            </a:ln>
+          </p:spPr>
+          <p:style>
+            <a:lnRef idx="2">
+              <a:schemeClr val="accent1">
+                <a:shade val="50000"/>
+              </a:schemeClr>
+            </a:lnRef>
+            <a:fillRef idx="1">
+              <a:schemeClr val="accent1"/>
+            </a:fillRef>
+            <a:effectRef idx="0">
+              <a:schemeClr val="accent1"/>
+            </a:effectRef>
+            <a:fontRef idx="minor">
+              <a:schemeClr val="lt1"/>
+            </a:fontRef>
+          </p:style>
+          <p:txBody>
+            <a:bodyPr rtlCol="0" anchor="ctr"/>
+            <a:lstStyle/>
+            <a:p>
+              <a:pPr algn="ctr"/>
+              <a:endParaRPr lang="en-US"/>
+            </a:p>
+          </p:txBody>
+        </p:sp>
+        <p:sp>
+          <p:nvSpPr>
+            <p:cNvPr id="18" name="Isosceles Triangle 17"/>
+            <p:cNvSpPr/>
+            <p:nvPr/>
+          </p:nvSpPr>
+          <p:spPr>
+            <a:xfrm flipV="1">
+              <a:off x="1999892" y="2017754"/>
+              <a:ext cx="304800" cy="279402"/>
+            </a:xfrm>
+            <a:prstGeom prst="triangle">
+              <a:avLst/>
+            </a:prstGeom>
+            <a:grpFill/>
+            <a:ln>
+              <a:noFill/>
+            </a:ln>
+          </p:spPr>
+          <p:style>
+            <a:lnRef idx="2">
+              <a:schemeClr val="accent1">
+                <a:shade val="50000"/>
+              </a:schemeClr>
+            </a:lnRef>
+            <a:fillRef idx="1">
+              <a:schemeClr val="accent1"/>
+            </a:fillRef>
+            <a:effectRef idx="0">
+              <a:schemeClr val="accent1"/>
+            </a:effectRef>
+            <a:fontRef idx="minor">
+              <a:schemeClr val="lt1"/>
+            </a:fontRef>
+          </p:style>
+          <p:txBody>
+            <a:bodyPr rtlCol="0" anchor="ctr"/>
+            <a:lstStyle/>
+            <a:p>
+              <a:pPr algn="ctr"/>
+              <a:endParaRPr lang="en-US"/>
+            </a:p>
+          </p:txBody>
+        </p:sp>
+      </p:grpSp>
+      <p:sp>
+        <p:nvSpPr>
+          <p:cNvPr id="60" name="Rounded Rectangle 59"/>
+          <p:cNvSpPr>
+            <a:spLocks noChangeAspect="1"/>
+          </p:cNvSpPr>
+          <p:nvPr/>
+        </p:nvSpPr>
+        <p:spPr>
+          <a:xfrm>
+            <a:off x="3622375" y="2587348"/>
+            <a:ext cx="411480" cy="411480"/>
+          </a:xfrm>
+          <a:prstGeom prst="roundRect">
+            <a:avLst>
+              <a:gd name="adj" fmla="val 3212"/>
+            </a:avLst>
+          </a:prstGeom>
+          <a:solidFill>
+            <a:srgbClr val="C00000"/>
+          </a:solidFill>
+          <a:ln>
+            <a:noFill/>
+          </a:ln>
+          <a:effectLst>
+            <a:glow rad="76200">
+              <a:srgbClr val="FF3300">
+                <a:alpha val="40000"/>
+              </a:srgbClr>
+            </a:glow>
+          </a:effectLst>
+        </p:spPr>
+        <p:style>
+          <a:lnRef idx="2">
+            <a:schemeClr val="accent1">
+              <a:shade val="50000"/>
+            </a:schemeClr>
+          </a:lnRef>
+          <a:fillRef idx="1">
+            <a:schemeClr val="accent1"/>
+          </a:fillRef>
+          <a:effectRef idx="0">
+            <a:schemeClr val="accent1"/>
+          </a:effectRef>
+          <a:fontRef idx="minor">
+            <a:schemeClr val="lt1"/>
+          </a:fontRef>
+        </p:style>
+        <p:txBody>
+          <a:bodyPr rtlCol="0" anchor="ctr"/>
+          <a:lstStyle/>
+          <a:p>
+            <a:pPr algn="ctr"/>
+            <a:endParaRPr lang="en-US"/>
+          </a:p>
+        </p:txBody>
+      </p:sp>
+      <p:grpSp>
+        <p:nvGrpSpPr>
+          <p:cNvPr id="12" name="Group 11"/>
+          <p:cNvGrpSpPr/>
+          <p:nvPr/>
+        </p:nvGrpSpPr>
+        <p:grpSpPr>
+          <a:xfrm>
+            <a:off x="2225961" y="2657276"/>
+            <a:ext cx="411480" cy="411480"/>
+            <a:chOff x="1808480" y="2539998"/>
+            <a:chExt cx="411480" cy="411480"/>
+          </a:xfrm>
+        </p:grpSpPr>
+        <p:sp>
+          <p:nvSpPr>
+            <p:cNvPr id="78" name="Rounded Rectangle 77"/>
+            <p:cNvSpPr/>
+            <p:nvPr/>
+          </p:nvSpPr>
+          <p:spPr>
+            <a:xfrm>
+              <a:off x="1808480" y="2539998"/>
+              <a:ext cx="411480" cy="411480"/>
+            </a:xfrm>
+            <a:prstGeom prst="roundRect">
+              <a:avLst>
+                <a:gd name="adj" fmla="val 3212"/>
+              </a:avLst>
+            </a:prstGeom>
+            <a:solidFill>
+              <a:srgbClr val="008000"/>
+            </a:solidFill>
+            <a:ln>
+              <a:noFill/>
+            </a:ln>
+            <a:effectLst>
+              <a:glow rad="76200">
+                <a:srgbClr val="66FF66">
+                  <a:alpha val="60000"/>
+                </a:srgbClr>
+              </a:glow>
+            </a:effectLst>
+          </p:spPr>
+          <p:style>
+            <a:lnRef idx="2">
+              <a:schemeClr val="accent1">
+                <a:shade val="50000"/>
+              </a:schemeClr>
+            </a:lnRef>
+            <a:fillRef idx="1">
+              <a:schemeClr val="accent1"/>
+            </a:fillRef>
+            <a:effectRef idx="0">
+              <a:schemeClr val="accent1"/>
+            </a:effectRef>
+            <a:fontRef idx="minor">
+              <a:schemeClr val="lt1"/>
+            </a:fontRef>
+          </p:style>
+          <p:txBody>
+            <a:bodyPr rtlCol="0" anchor="ctr"/>
+            <a:lstStyle/>
+            <a:p>
+              <a:pPr algn="ctr"/>
+              <a:endParaRPr lang="en-US"/>
+            </a:p>
+          </p:txBody>
+        </p:sp>
+        <p:pic>
+          <p:nvPicPr>
+            <p:cNvPr id="80" name="Picture 79"/>
+            <p:cNvPicPr>
+              <a:picLocks noChangeAspect="1"/>
+            </p:cNvPicPr>
+            <p:nvPr/>
+          </p:nvPicPr>
+          <p:blipFill>
+            <a:blip r:embed="rId4" cstate="print">
+              <a:extLst>
+                <a:ext uri="{28A0092B-C50C-407E-A947-70E740481C1C}">
+                  <a14:useLocalDpi xmlns:a14="http://schemas.microsoft.com/office/drawing/2010/main" val="0"/>
+                </a:ext>
+              </a:extLst>
+            </a:blip>
+            <a:stretch>
+              <a:fillRect/>
+            </a:stretch>
+          </p:blipFill>
+          <p:spPr>
+            <a:xfrm>
+              <a:off x="1832322" y="2617271"/>
+              <a:ext cx="367205" cy="245745"/>
+            </a:xfrm>
+            <a:prstGeom prst="rect">
+              <a:avLst/>
+            </a:prstGeom>
+            <a:noFill/>
+            <a:ln>
+              <a:noFill/>
+            </a:ln>
+          </p:spPr>
+        </p:pic>
+      </p:grpSp>
+      <p:grpSp>
+        <p:nvGrpSpPr>
+          <p:cNvPr id="112" name="Group 111"/>
+          <p:cNvGrpSpPr/>
+          <p:nvPr/>
+        </p:nvGrpSpPr>
+        <p:grpSpPr>
+          <a:xfrm>
+            <a:off x="6294455" y="838200"/>
+            <a:ext cx="914400" cy="1219200"/>
+            <a:chOff x="5257800" y="838200"/>
+            <a:chExt cx="914400" cy="1219200"/>
+          </a:xfrm>
+        </p:grpSpPr>
+        <p:grpSp>
+          <p:nvGrpSpPr>
+            <p:cNvPr id="26" name="Group 25"/>
+            <p:cNvGrpSpPr/>
+            <p:nvPr/>
+          </p:nvGrpSpPr>
+          <p:grpSpPr>
+            <a:xfrm>
+              <a:off x="5257800" y="838200"/>
+              <a:ext cx="914400" cy="1219200"/>
+              <a:chOff x="1695092" y="1103354"/>
+              <a:chExt cx="914400" cy="1219200"/>
+            </a:xfrm>
+            <a:solidFill>
+              <a:schemeClr val="tx1"/>
+            </a:solidFill>
+            <a:effectLst>
+              <a:glow rad="139700">
+                <a:schemeClr val="tx1">
+                  <a:alpha val="60000"/>
+                </a:schemeClr>
+              </a:glow>
+              <a:outerShdw blurRad="76200" dir="18900000" sy="23000" kx="-1200000" algn="bl" rotWithShape="0">
+                <a:prstClr val="black">
+                  <a:alpha val="35000"/>
+                </a:prstClr>
+              </a:outerShdw>
+            </a:effectLst>
+          </p:grpSpPr>
+          <p:sp>
+            <p:nvSpPr>
+              <p:cNvPr id="27" name="Rounded Rectangle 26"/>
+              <p:cNvSpPr/>
+              <p:nvPr/>
+            </p:nvSpPr>
+            <p:spPr>
+              <a:xfrm>
+                <a:off x="1695092" y="1103354"/>
+                <a:ext cx="914400" cy="914400"/>
+              </a:xfrm>
+              <a:prstGeom prst="roundRect">
+                <a:avLst>
+                  <a:gd name="adj" fmla="val 3212"/>
+                </a:avLst>
+              </a:prstGeom>
+              <a:grpFill/>
+              <a:ln>
+                <a:noFill/>
+              </a:ln>
+            </p:spPr>
+            <p:style>
+              <a:lnRef idx="2">
+                <a:schemeClr val="accent1">
+                  <a:shade val="50000"/>
+                </a:schemeClr>
+              </a:lnRef>
+              <a:fillRef idx="1">
+                <a:schemeClr val="accent1"/>
+              </a:fillRef>
+              <a:effectRef idx="0">
+                <a:schemeClr val="accent1"/>
+              </a:effectRef>
+              <a:fontRef idx="minor">
+                <a:schemeClr val="lt1"/>
+              </a:fontRef>
+            </p:style>
+            <p:txBody>
+              <a:bodyPr rtlCol="0" anchor="ctr"/>
+              <a:lstStyle/>
+              <a:p>
+                <a:pPr algn="ctr"/>
+                <a:endParaRPr lang="en-US"/>
+              </a:p>
+            </p:txBody>
+          </p:sp>
+          <p:sp>
+            <p:nvSpPr>
+              <p:cNvPr id="28" name="Isosceles Triangle 27"/>
+              <p:cNvSpPr/>
+              <p:nvPr/>
+            </p:nvSpPr>
+            <p:spPr>
+              <a:xfrm flipV="1">
+                <a:off x="1999892" y="2017754"/>
+                <a:ext cx="304800" cy="304800"/>
+              </a:xfrm>
+              <a:prstGeom prst="triangle">
+                <a:avLst/>
+              </a:prstGeom>
+              <a:grpFill/>
+              <a:ln>
+                <a:noFill/>
+              </a:ln>
+            </p:spPr>
+            <p:style>
+              <a:lnRef idx="2">
+                <a:schemeClr val="accent1">
+                  <a:shade val="50000"/>
+                </a:schemeClr>
+              </a:lnRef>
+              <a:fillRef idx="1">
+                <a:schemeClr val="accent1"/>
+              </a:fillRef>
+              <a:effectRef idx="0">
+                <a:schemeClr val="accent1"/>
+              </a:effectRef>
+              <a:fontRef idx="minor">
+                <a:schemeClr val="lt1"/>
+              </a:fontRef>
+            </p:style>
+            <p:txBody>
+              <a:bodyPr rtlCol="0" anchor="ctr"/>
+              <a:lstStyle/>
+              <a:p>
+                <a:pPr algn="ctr"/>
+                <a:endParaRPr lang="en-US"/>
+              </a:p>
+            </p:txBody>
+          </p:sp>
+        </p:grpSp>
+        <p:pic>
+          <p:nvPicPr>
+            <p:cNvPr id="81" name="Picture 80"/>
+            <p:cNvPicPr>
+              <a:picLocks noChangeAspect="1"/>
+            </p:cNvPicPr>
+            <p:nvPr/>
+          </p:nvPicPr>
+          <p:blipFill>
+            <a:blip r:embed="rId3">
+              <a:extLst>
+                <a:ext uri="{28A0092B-C50C-407E-A947-70E740481C1C}">
+                  <a14:useLocalDpi xmlns:a14="http://schemas.microsoft.com/office/drawing/2010/main" val="0"/>
+                </a:ext>
+              </a:extLst>
+            </a:blip>
+            <a:stretch>
+              <a:fillRect/>
+            </a:stretch>
+          </p:blipFill>
+          <p:spPr>
+            <a:xfrm>
+              <a:off x="5306995" y="1016804"/>
+              <a:ext cx="816010" cy="546099"/>
+            </a:xfrm>
+            <a:prstGeom prst="rect">
+              <a:avLst/>
+            </a:prstGeom>
+            <a:noFill/>
+            <a:ln>
+              <a:noFill/>
+            </a:ln>
+          </p:spPr>
+        </p:pic>
+      </p:grpSp>
+      <p:grpSp>
+        <p:nvGrpSpPr>
+          <p:cNvPr id="113" name="Group 112"/>
+          <p:cNvGrpSpPr>
+            <a:grpSpLocks noChangeAspect="1"/>
+          </p:cNvGrpSpPr>
+          <p:nvPr/>
+        </p:nvGrpSpPr>
+        <p:grpSpPr>
+          <a:xfrm>
+            <a:off x="7742255" y="838200"/>
+            <a:ext cx="914400" cy="1219200"/>
+            <a:chOff x="6705600" y="838200"/>
+            <a:chExt cx="914400" cy="1219200"/>
+          </a:xfrm>
+        </p:grpSpPr>
+        <p:grpSp>
+          <p:nvGrpSpPr>
+            <p:cNvPr id="30" name="Group 29"/>
+            <p:cNvGrpSpPr/>
+            <p:nvPr/>
+          </p:nvGrpSpPr>
+          <p:grpSpPr>
+            <a:xfrm>
+              <a:off x="6705600" y="838200"/>
+              <a:ext cx="914400" cy="1219200"/>
+              <a:chOff x="1695092" y="1103354"/>
+              <a:chExt cx="914400" cy="1219200"/>
+            </a:xfrm>
+            <a:solidFill>
+              <a:srgbClr val="A9A9A9">
+                <a:alpha val="60000"/>
+              </a:srgbClr>
+            </a:solidFill>
+            <a:effectLst>
+              <a:glow rad="139700">
+                <a:schemeClr val="bg1">
+                  <a:lumMod val="50000"/>
+                  <a:alpha val="60000"/>
+                </a:schemeClr>
+              </a:glow>
+              <a:outerShdw blurRad="76200" dir="18900000" sy="23000" kx="-1200000" algn="bl" rotWithShape="0">
+                <a:prstClr val="black">
+                  <a:alpha val="25000"/>
+                </a:prstClr>
+              </a:outerShdw>
+            </a:effectLst>
+          </p:grpSpPr>
+          <p:sp>
+            <p:nvSpPr>
+              <p:cNvPr id="31" name="Rounded Rectangle 30"/>
+              <p:cNvSpPr/>
+              <p:nvPr/>
+            </p:nvSpPr>
+            <p:spPr>
+              <a:xfrm>
+                <a:off x="1695092" y="1103354"/>
+                <a:ext cx="914400" cy="914400"/>
+              </a:xfrm>
+              <a:prstGeom prst="roundRect">
+                <a:avLst>
+                  <a:gd name="adj" fmla="val 3212"/>
+                </a:avLst>
+              </a:prstGeom>
+              <a:grpFill/>
+              <a:ln>
+                <a:noFill/>
+              </a:ln>
+            </p:spPr>
+            <p:style>
+              <a:lnRef idx="2">
+                <a:schemeClr val="accent1">
+                  <a:shade val="50000"/>
+                </a:schemeClr>
+              </a:lnRef>
+              <a:fillRef idx="1">
+                <a:schemeClr val="accent1"/>
+              </a:fillRef>
+              <a:effectRef idx="0">
+                <a:schemeClr val="accent1"/>
+              </a:effectRef>
+              <a:fontRef idx="minor">
+                <a:schemeClr val="lt1"/>
+              </a:fontRef>
+            </p:style>
+            <p:txBody>
+              <a:bodyPr rtlCol="0" anchor="ctr"/>
+              <a:lstStyle/>
+              <a:p>
+                <a:pPr algn="ctr"/>
+                <a:endParaRPr lang="en-US"/>
+              </a:p>
+            </p:txBody>
+          </p:sp>
+          <p:sp>
+            <p:nvSpPr>
+              <p:cNvPr id="32" name="Isosceles Triangle 31"/>
+              <p:cNvSpPr/>
+              <p:nvPr/>
+            </p:nvSpPr>
+            <p:spPr>
+              <a:xfrm flipV="1">
+                <a:off x="1999892" y="2017754"/>
+                <a:ext cx="304800" cy="304800"/>
+              </a:xfrm>
+              <a:prstGeom prst="triangle">
+                <a:avLst/>
+              </a:prstGeom>
+              <a:grpFill/>
+              <a:ln>
+                <a:noFill/>
+              </a:ln>
+            </p:spPr>
+            <p:style>
+              <a:lnRef idx="2">
+                <a:schemeClr val="accent1">
+                  <a:shade val="50000"/>
+                </a:schemeClr>
+              </a:lnRef>
+              <a:fillRef idx="1">
+                <a:schemeClr val="accent1"/>
+              </a:fillRef>
+              <a:effectRef idx="0">
+                <a:schemeClr val="accent1"/>
+              </a:effectRef>
+              <a:fontRef idx="minor">
+                <a:schemeClr val="lt1"/>
+              </a:fontRef>
+            </p:style>
+            <p:txBody>
+              <a:bodyPr rtlCol="0" anchor="ctr"/>
+              <a:lstStyle/>
+              <a:p>
+                <a:pPr algn="ctr"/>
+                <a:endParaRPr lang="en-US"/>
+              </a:p>
+            </p:txBody>
+          </p:sp>
+        </p:grpSp>
+        <p:pic>
+          <p:nvPicPr>
+            <p:cNvPr id="82" name="Picture 81"/>
+            <p:cNvPicPr>
+              <a:picLocks noChangeAspect="1"/>
+            </p:cNvPicPr>
+            <p:nvPr/>
+          </p:nvPicPr>
+          <p:blipFill>
+            <a:blip r:embed="rId3">
+              <a:extLst>
+                <a:ext uri="{28A0092B-C50C-407E-A947-70E740481C1C}">
+                  <a14:useLocalDpi xmlns:a14="http://schemas.microsoft.com/office/drawing/2010/main" val="0"/>
+                </a:ext>
+              </a:extLst>
+            </a:blip>
+            <a:stretch>
+              <a:fillRect/>
+            </a:stretch>
+          </p:blipFill>
+          <p:spPr>
+            <a:xfrm>
+              <a:off x="6754795" y="1016804"/>
+              <a:ext cx="816010" cy="546099"/>
+            </a:xfrm>
+            <a:prstGeom prst="rect">
+              <a:avLst/>
+            </a:prstGeom>
+            <a:noFill/>
+            <a:ln>
+              <a:noFill/>
+            </a:ln>
+          </p:spPr>
+        </p:pic>
+      </p:grpSp>
+      <p:grpSp>
+        <p:nvGrpSpPr>
+          <p:cNvPr id="10" name="Group 9"/>
+          <p:cNvGrpSpPr/>
+          <p:nvPr/>
+        </p:nvGrpSpPr>
+        <p:grpSpPr>
+          <a:xfrm>
+            <a:off x="6494180" y="2590325"/>
+            <a:ext cx="411480" cy="411480"/>
+            <a:chOff x="7056455" y="2514600"/>
+            <a:chExt cx="411480" cy="411480"/>
+          </a:xfrm>
+        </p:grpSpPr>
+        <p:sp>
+          <p:nvSpPr>
+            <p:cNvPr id="69" name="Rounded Rectangle 68"/>
+            <p:cNvSpPr/>
+            <p:nvPr/>
+          </p:nvSpPr>
+          <p:spPr>
+            <a:xfrm>
+              <a:off x="7056455" y="2514600"/>
+              <a:ext cx="411480" cy="411480"/>
+            </a:xfrm>
+            <a:prstGeom prst="roundRect">
+              <a:avLst>
+                <a:gd name="adj" fmla="val 3212"/>
+              </a:avLst>
+            </a:prstGeom>
+            <a:solidFill>
+              <a:schemeClr val="tx1"/>
+            </a:solidFill>
+            <a:ln>
+              <a:noFill/>
+            </a:ln>
+            <a:effectLst>
+              <a:glow rad="76200">
+                <a:schemeClr val="tx1">
+                  <a:alpha val="60000"/>
+                </a:schemeClr>
+              </a:glow>
+            </a:effectLst>
+          </p:spPr>
+          <p:style>
+            <a:lnRef idx="2">
+              <a:schemeClr val="accent1">
+                <a:shade val="50000"/>
+              </a:schemeClr>
+            </a:lnRef>
+            <a:fillRef idx="1">
+              <a:schemeClr val="accent1"/>
+            </a:fillRef>
+            <a:effectRef idx="0">
+              <a:schemeClr val="accent1"/>
+            </a:effectRef>
+            <a:fontRef idx="minor">
+              <a:schemeClr val="lt1"/>
+            </a:fontRef>
+          </p:style>
+          <p:txBody>
+            <a:bodyPr rtlCol="0" anchor="ctr"/>
+            <a:lstStyle/>
+            <a:p>
+              <a:pPr algn="ctr"/>
+              <a:endParaRPr lang="en-US"/>
+            </a:p>
+          </p:txBody>
+        </p:sp>
+        <p:pic>
+          <p:nvPicPr>
+            <p:cNvPr id="83" name="Picture 82"/>
+            <p:cNvPicPr>
+              <a:picLocks noChangeAspect="1"/>
+            </p:cNvPicPr>
+            <p:nvPr/>
+          </p:nvPicPr>
+          <p:blipFill>
+            <a:blip r:embed="rId4" cstate="print">
+              <a:extLst>
+                <a:ext uri="{28A0092B-C50C-407E-A947-70E740481C1C}">
+                  <a14:useLocalDpi xmlns:a14="http://schemas.microsoft.com/office/drawing/2010/main" val="0"/>
+                </a:ext>
+              </a:extLst>
+            </a:blip>
+            <a:stretch>
+              <a:fillRect/>
+            </a:stretch>
+          </p:blipFill>
+          <p:spPr>
+            <a:xfrm>
+              <a:off x="7078021" y="2601754"/>
+              <a:ext cx="367205" cy="245745"/>
+            </a:xfrm>
+            <a:prstGeom prst="rect">
+              <a:avLst/>
+            </a:prstGeom>
+            <a:noFill/>
+            <a:ln>
+              <a:noFill/>
+            </a:ln>
+          </p:spPr>
+        </p:pic>
+      </p:grpSp>
+      <p:grpSp>
+        <p:nvGrpSpPr>
+          <p:cNvPr id="14" name="Group 13"/>
+          <p:cNvGrpSpPr/>
+          <p:nvPr/>
+        </p:nvGrpSpPr>
+        <p:grpSpPr>
+          <a:xfrm>
+            <a:off x="8015281" y="2594611"/>
+            <a:ext cx="411480" cy="411480"/>
+            <a:chOff x="7285055" y="4568283"/>
+            <a:chExt cx="411480" cy="411480"/>
+          </a:xfrm>
+        </p:grpSpPr>
+        <p:sp>
+          <p:nvSpPr>
+            <p:cNvPr id="73" name="Rounded Rectangle 72"/>
+            <p:cNvSpPr/>
+            <p:nvPr/>
+          </p:nvSpPr>
+          <p:spPr>
+            <a:xfrm>
+              <a:off x="7285055" y="4568283"/>
+              <a:ext cx="411480" cy="411480"/>
+            </a:xfrm>
+            <a:prstGeom prst="roundRect">
+              <a:avLst>
+                <a:gd name="adj" fmla="val 3212"/>
+              </a:avLst>
+            </a:prstGeom>
+            <a:solidFill>
+              <a:srgbClr val="A9A9A9">
+                <a:alpha val="60000"/>
+              </a:srgbClr>
+            </a:solidFill>
+            <a:ln>
+              <a:noFill/>
+            </a:ln>
+            <a:effectLst>
+              <a:glow rad="76200">
+                <a:srgbClr val="A9A9A9">
+                  <a:alpha val="60000"/>
+                </a:srgbClr>
+              </a:glow>
+            </a:effectLst>
+          </p:spPr>
+          <p:style>
+            <a:lnRef idx="2">
+              <a:schemeClr val="accent1">
+                <a:shade val="50000"/>
+              </a:schemeClr>
+            </a:lnRef>
+            <a:fillRef idx="1">
+              <a:schemeClr val="accent1"/>
+            </a:fillRef>
+            <a:effectRef idx="0">
+              <a:schemeClr val="accent1"/>
+            </a:effectRef>
+            <a:fontRef idx="minor">
+              <a:schemeClr val="lt1"/>
+            </a:fontRef>
+          </p:style>
+          <p:txBody>
+            <a:bodyPr rtlCol="0" anchor="ctr"/>
+            <a:lstStyle/>
+            <a:p>
+              <a:pPr algn="ctr"/>
+              <a:endParaRPr lang="en-US"/>
+            </a:p>
+          </p:txBody>
+        </p:sp>
+        <p:pic>
+          <p:nvPicPr>
+            <p:cNvPr id="84" name="Picture 83"/>
+            <p:cNvPicPr>
+              <a:picLocks noChangeAspect="1"/>
+            </p:cNvPicPr>
+            <p:nvPr/>
+          </p:nvPicPr>
+          <p:blipFill>
+            <a:blip r:embed="rId4" cstate="print">
+              <a:extLst>
+                <a:ext uri="{28A0092B-C50C-407E-A947-70E740481C1C}">
+                  <a14:useLocalDpi xmlns:a14="http://schemas.microsoft.com/office/drawing/2010/main" val="0"/>
+                </a:ext>
+              </a:extLst>
+            </a:blip>
+            <a:stretch>
+              <a:fillRect/>
+            </a:stretch>
+          </p:blipFill>
+          <p:spPr>
+            <a:xfrm>
+              <a:off x="7306621" y="4651151"/>
+              <a:ext cx="367205" cy="245745"/>
+            </a:xfrm>
+            <a:prstGeom prst="rect">
+              <a:avLst/>
+            </a:prstGeom>
+            <a:noFill/>
+            <a:ln>
+              <a:noFill/>
+            </a:ln>
+          </p:spPr>
+        </p:pic>
+      </p:grpSp>
+      <p:grpSp>
+        <p:nvGrpSpPr>
+          <p:cNvPr id="11" name="Group 10"/>
+          <p:cNvGrpSpPr/>
+          <p:nvPr/>
+        </p:nvGrpSpPr>
+        <p:grpSpPr>
+          <a:xfrm>
+            <a:off x="5177238" y="2587348"/>
+            <a:ext cx="411481" cy="414457"/>
+            <a:chOff x="5169237" y="2539999"/>
+            <a:chExt cx="411481" cy="414457"/>
+          </a:xfrm>
+        </p:grpSpPr>
+        <p:sp>
+          <p:nvSpPr>
+            <p:cNvPr id="63" name="Rounded Rectangle 62"/>
+            <p:cNvSpPr/>
+            <p:nvPr/>
+          </p:nvSpPr>
+          <p:spPr>
+            <a:xfrm>
+              <a:off x="5169237" y="2542857"/>
+              <a:ext cx="411481" cy="411480"/>
+            </a:xfrm>
+            <a:prstGeom prst="roundRect">
+              <a:avLst>
+                <a:gd name="adj" fmla="val 3212"/>
+              </a:avLst>
+            </a:prstGeom>
+            <a:solidFill>
+              <a:srgbClr val="C00000"/>
+            </a:solidFill>
+            <a:ln>
+              <a:noFill/>
+            </a:ln>
+            <a:effectLst>
+              <a:glow rad="76200">
+                <a:srgbClr val="FF3300">
+                  <a:alpha val="40000"/>
+                </a:srgbClr>
+              </a:glow>
+            </a:effectLst>
+          </p:spPr>
+          <p:style>
+            <a:lnRef idx="2">
+              <a:schemeClr val="accent1">
+                <a:shade val="50000"/>
+              </a:schemeClr>
+            </a:lnRef>
+            <a:fillRef idx="1">
+              <a:schemeClr val="accent1"/>
+            </a:fillRef>
+            <a:effectRef idx="0">
+              <a:schemeClr val="accent1"/>
+            </a:effectRef>
+            <a:fontRef idx="minor">
+              <a:schemeClr val="lt1"/>
+            </a:fontRef>
+          </p:style>
+          <p:txBody>
+            <a:bodyPr rtlCol="0" anchor="ctr"/>
+            <a:lstStyle/>
+            <a:p>
+              <a:pPr algn="ctr"/>
+              <a:endParaRPr lang="en-US"/>
+            </a:p>
+          </p:txBody>
+        </p:sp>
+        <p:pic>
+          <p:nvPicPr>
+            <p:cNvPr id="85" name="Picture 84"/>
+            <p:cNvPicPr>
+              <a:picLocks noChangeAspect="1"/>
+            </p:cNvPicPr>
+            <p:nvPr/>
+          </p:nvPicPr>
+          <p:blipFill rotWithShape="1">
+            <a:blip r:embed="rId4" cstate="print">
+              <a:extLst>
+                <a:ext uri="{28A0092B-C50C-407E-A947-70E740481C1C}">
+                  <a14:useLocalDpi xmlns:a14="http://schemas.microsoft.com/office/drawing/2010/main" val="0"/>
+                </a:ext>
+              </a:extLst>
+            </a:blip>
+            <a:srcRect r="17690"/>
+            <a:stretch/>
+          </p:blipFill>
+          <p:spPr>
+            <a:xfrm>
+              <a:off x="5278474" y="2708712"/>
+              <a:ext cx="302244" cy="245744"/>
+            </a:xfrm>
+            <a:prstGeom prst="rect">
+              <a:avLst/>
+            </a:prstGeom>
+            <a:noFill/>
+            <a:ln>
+              <a:noFill/>
+            </a:ln>
+          </p:spPr>
+        </p:pic>
+        <p:pic>
+          <p:nvPicPr>
+            <p:cNvPr id="86" name="Picture 85"/>
+            <p:cNvPicPr>
+              <a:picLocks noChangeAspect="1"/>
+            </p:cNvPicPr>
+            <p:nvPr/>
+          </p:nvPicPr>
+          <p:blipFill rotWithShape="1">
+            <a:blip r:embed="rId4" cstate="print">
+              <a:extLst>
+                <a:ext uri="{28A0092B-C50C-407E-A947-70E740481C1C}">
+                  <a14:useLocalDpi xmlns:a14="http://schemas.microsoft.com/office/drawing/2010/main" val="0"/>
+                </a:ext>
+              </a:extLst>
+            </a:blip>
+            <a:srcRect t="34835" r="46150"/>
+            <a:stretch/>
+          </p:blipFill>
+          <p:spPr>
+            <a:xfrm>
+              <a:off x="5382979" y="2539999"/>
+              <a:ext cx="197739" cy="160140"/>
+            </a:xfrm>
+            <a:prstGeom prst="rect">
+              <a:avLst/>
+            </a:prstGeom>
+            <a:noFill/>
+            <a:ln>
+              <a:noFill/>
+            </a:ln>
+          </p:spPr>
+        </p:pic>
+        <p:pic>
+          <p:nvPicPr>
+            <p:cNvPr id="87" name="Picture 86"/>
+            <p:cNvPicPr>
+              <a:picLocks noChangeAspect="1"/>
+            </p:cNvPicPr>
+            <p:nvPr/>
+          </p:nvPicPr>
+          <p:blipFill rotWithShape="1">
+            <a:blip r:embed="rId4" cstate="print">
+              <a:extLst>
+                <a:ext uri="{28A0092B-C50C-407E-A947-70E740481C1C}">
+                  <a14:useLocalDpi xmlns:a14="http://schemas.microsoft.com/office/drawing/2010/main" val="0"/>
+                </a:ext>
+              </a:extLst>
+            </a:blip>
+            <a:srcRect l="50000"/>
+            <a:stretch/>
+          </p:blipFill>
+          <p:spPr>
+            <a:xfrm>
+              <a:off x="5169237" y="2544286"/>
+              <a:ext cx="183602" cy="245744"/>
+            </a:xfrm>
+            <a:prstGeom prst="rect">
+              <a:avLst/>
+            </a:prstGeom>
+            <a:noFill/>
+            <a:ln>
+              <a:noFill/>
+            </a:ln>
+          </p:spPr>
+        </p:pic>
+      </p:grpSp>
+      <p:grpSp>
+        <p:nvGrpSpPr>
+          <p:cNvPr id="107" name="Group 106"/>
+          <p:cNvGrpSpPr/>
+          <p:nvPr/>
+        </p:nvGrpSpPr>
+        <p:grpSpPr>
+          <a:xfrm>
+            <a:off x="4864436" y="863334"/>
+            <a:ext cx="914401" cy="1194066"/>
+            <a:chOff x="3827780" y="863334"/>
+            <a:chExt cx="914401" cy="1194066"/>
+          </a:xfrm>
+        </p:grpSpPr>
+        <p:grpSp>
+          <p:nvGrpSpPr>
+            <p:cNvPr id="20" name="Group 19"/>
+            <p:cNvGrpSpPr/>
+            <p:nvPr/>
+          </p:nvGrpSpPr>
+          <p:grpSpPr>
+            <a:xfrm>
+              <a:off x="3827781" y="869950"/>
+              <a:ext cx="914400" cy="1187450"/>
+              <a:chOff x="1695092" y="1103354"/>
+              <a:chExt cx="914400" cy="1187450"/>
+            </a:xfrm>
+            <a:solidFill>
+              <a:srgbClr val="C00000"/>
+            </a:solidFill>
+            <a:effectLst>
+              <a:glow rad="139700">
+                <a:srgbClr val="FF3300">
+                  <a:alpha val="40000"/>
+                </a:srgbClr>
+              </a:glow>
+              <a:outerShdw blurRad="76200" dir="18900000" sy="23000" kx="-1200000" algn="bl" rotWithShape="0">
+                <a:prstClr val="black">
+                  <a:alpha val="35000"/>
+                </a:prstClr>
+              </a:outerShdw>
+            </a:effectLst>
+          </p:grpSpPr>
+          <p:sp>
+            <p:nvSpPr>
+              <p:cNvPr id="21" name="Rounded Rectangle 20"/>
+              <p:cNvSpPr/>
+              <p:nvPr/>
+            </p:nvSpPr>
+            <p:spPr>
+              <a:xfrm>
+                <a:off x="1695092" y="1103354"/>
+                <a:ext cx="914400" cy="914400"/>
+              </a:xfrm>
+              <a:prstGeom prst="roundRect">
+                <a:avLst>
+                  <a:gd name="adj" fmla="val 3212"/>
+                </a:avLst>
+              </a:prstGeom>
+              <a:grpFill/>
+              <a:ln>
+                <a:noFill/>
+              </a:ln>
+            </p:spPr>
+            <p:style>
+              <a:lnRef idx="2">
+                <a:schemeClr val="accent1">
+                  <a:shade val="50000"/>
+                </a:schemeClr>
+              </a:lnRef>
+              <a:fillRef idx="1">
+                <a:schemeClr val="accent1"/>
+              </a:fillRef>
+              <a:effectRef idx="0">
+                <a:schemeClr val="accent1"/>
+              </a:effectRef>
+              <a:fontRef idx="minor">
+                <a:schemeClr val="lt1"/>
+              </a:fontRef>
+            </p:style>
+            <p:txBody>
+              <a:bodyPr rtlCol="0" anchor="ctr"/>
+              <a:lstStyle/>
+              <a:p>
+                <a:pPr algn="ctr"/>
+                <a:endParaRPr lang="en-US"/>
+              </a:p>
+            </p:txBody>
+          </p:sp>
+          <p:sp>
+            <p:nvSpPr>
+              <p:cNvPr id="22" name="Isosceles Triangle 21"/>
+              <p:cNvSpPr/>
+              <p:nvPr/>
+            </p:nvSpPr>
+            <p:spPr>
+              <a:xfrm flipV="1">
+                <a:off x="1999892" y="2017754"/>
+                <a:ext cx="304800" cy="273050"/>
+              </a:xfrm>
+              <a:prstGeom prst="triangle">
+                <a:avLst/>
+              </a:prstGeom>
+              <a:grpFill/>
+              <a:ln>
+                <a:noFill/>
+              </a:ln>
+            </p:spPr>
+            <p:style>
+              <a:lnRef idx="2">
+                <a:schemeClr val="accent1">
+                  <a:shade val="50000"/>
+                </a:schemeClr>
+              </a:lnRef>
+              <a:fillRef idx="1">
+                <a:schemeClr val="accent1"/>
+              </a:fillRef>
+              <a:effectRef idx="0">
+                <a:schemeClr val="accent1"/>
+              </a:effectRef>
+              <a:fontRef idx="minor">
+                <a:schemeClr val="lt1"/>
+              </a:fontRef>
+            </p:style>
+            <p:txBody>
+              <a:bodyPr rtlCol="0" anchor="ctr"/>
+              <a:lstStyle/>
+              <a:p>
+                <a:pPr algn="ctr"/>
+                <a:endParaRPr lang="en-US"/>
+              </a:p>
+            </p:txBody>
+          </p:sp>
+        </p:grpSp>
+        <p:pic>
+          <p:nvPicPr>
+            <p:cNvPr id="88" name="Picture 87"/>
+            <p:cNvPicPr>
+              <a:picLocks noChangeAspect="1"/>
+            </p:cNvPicPr>
+            <p:nvPr/>
+          </p:nvPicPr>
+          <p:blipFill rotWithShape="1">
+            <a:blip r:embed="rId3">
+              <a:extLst>
+                <a:ext uri="{28A0092B-C50C-407E-A947-70E740481C1C}">
+                  <a14:useLocalDpi xmlns:a14="http://schemas.microsoft.com/office/drawing/2010/main" val="0"/>
+                </a:ext>
+              </a:extLst>
+            </a:blip>
+            <a:srcRect r="17690"/>
+            <a:stretch/>
+          </p:blipFill>
+          <p:spPr>
+            <a:xfrm>
+              <a:off x="4070529" y="1238251"/>
+              <a:ext cx="671652" cy="546099"/>
+            </a:xfrm>
+            <a:prstGeom prst="rect">
+              <a:avLst/>
+            </a:prstGeom>
+            <a:noFill/>
+            <a:ln>
+              <a:noFill/>
+            </a:ln>
+          </p:spPr>
+        </p:pic>
+        <p:pic>
+          <p:nvPicPr>
+            <p:cNvPr id="89" name="Picture 88"/>
+            <p:cNvPicPr>
+              <a:picLocks noChangeAspect="1"/>
+            </p:cNvPicPr>
+            <p:nvPr/>
+          </p:nvPicPr>
+          <p:blipFill rotWithShape="1">
+            <a:blip r:embed="rId3">
+              <a:extLst>
+                <a:ext uri="{28A0092B-C50C-407E-A947-70E740481C1C}">
+                  <a14:useLocalDpi xmlns:a14="http://schemas.microsoft.com/office/drawing/2010/main" val="0"/>
+                </a:ext>
+              </a:extLst>
+            </a:blip>
+            <a:srcRect t="34835" r="46150"/>
+            <a:stretch/>
+          </p:blipFill>
+          <p:spPr>
+            <a:xfrm>
+              <a:off x="4302761" y="863334"/>
+              <a:ext cx="439420" cy="355867"/>
+            </a:xfrm>
+            <a:prstGeom prst="rect">
+              <a:avLst/>
+            </a:prstGeom>
+            <a:noFill/>
+            <a:ln>
+              <a:noFill/>
+            </a:ln>
+          </p:spPr>
+        </p:pic>
+        <p:pic>
+          <p:nvPicPr>
+            <p:cNvPr id="90" name="Picture 89"/>
+            <p:cNvPicPr>
+              <a:picLocks noChangeAspect="1"/>
+            </p:cNvPicPr>
+            <p:nvPr/>
+          </p:nvPicPr>
+          <p:blipFill rotWithShape="1">
+            <a:blip r:embed="rId3">
+              <a:extLst>
+                <a:ext uri="{28A0092B-C50C-407E-A947-70E740481C1C}">
+                  <a14:useLocalDpi xmlns:a14="http://schemas.microsoft.com/office/drawing/2010/main" val="0"/>
+                </a:ext>
+              </a:extLst>
+            </a:blip>
+            <a:srcRect l="50000"/>
+            <a:stretch/>
+          </p:blipFill>
+          <p:spPr>
+            <a:xfrm>
+              <a:off x="3827780" y="872861"/>
+              <a:ext cx="408005" cy="546099"/>
+            </a:xfrm>
+            <a:prstGeom prst="rect">
+              <a:avLst/>
+            </a:prstGeom>
+            <a:noFill/>
+            <a:ln>
+              <a:noFill/>
+            </a:ln>
+          </p:spPr>
+        </p:pic>
+      </p:grpSp>
+      <p:grpSp>
+        <p:nvGrpSpPr>
+          <p:cNvPr id="108" name="Group 107"/>
+          <p:cNvGrpSpPr/>
+          <p:nvPr/>
+        </p:nvGrpSpPr>
+        <p:grpSpPr>
+          <a:xfrm>
+            <a:off x="-2209800" y="888086"/>
+            <a:ext cx="914400" cy="1193802"/>
+            <a:chOff x="1695092" y="1103354"/>
+            <a:chExt cx="914400" cy="1193802"/>
+          </a:xfrm>
+          <a:effectLst>
+            <a:glow rad="482600">
+              <a:schemeClr val="tx1">
+                <a:alpha val="71000"/>
+              </a:schemeClr>
+            </a:glow>
+            <a:outerShdw blurRad="76200" dir="18900000" sy="23000" kx="-1200000" algn="bl" rotWithShape="0">
+              <a:prstClr val="black">
+                <a:alpha val="35000"/>
+              </a:prstClr>
+            </a:outerShdw>
+          </a:effectLst>
+        </p:grpSpPr>
+        <p:sp>
+          <p:nvSpPr>
+            <p:cNvPr id="109" name="Rounded Rectangle 108"/>
+            <p:cNvSpPr/>
+            <p:nvPr/>
+          </p:nvSpPr>
+          <p:spPr>
+            <a:xfrm>
+              <a:off x="1695092" y="1103354"/>
+              <a:ext cx="914400" cy="914400"/>
+            </a:xfrm>
+            <a:prstGeom prst="roundRect">
+              <a:avLst>
+                <a:gd name="adj" fmla="val 3212"/>
+              </a:avLst>
+            </a:prstGeom>
+            <a:solidFill>
+              <a:schemeClr val="bg1"/>
+            </a:solidFill>
+            <a:ln>
+              <a:noFill/>
+            </a:ln>
+          </p:spPr>
+          <p:style>
+            <a:lnRef idx="2">
+              <a:schemeClr val="accent1">
+                <a:shade val="50000"/>
+              </a:schemeClr>
+            </a:lnRef>
+            <a:fillRef idx="1">
+              <a:schemeClr val="accent1"/>
+            </a:fillRef>
+            <a:effectRef idx="0">
+              <a:schemeClr val="accent1"/>
+            </a:effectRef>
+            <a:fontRef idx="minor">
+              <a:schemeClr val="lt1"/>
+            </a:fontRef>
+          </p:style>
+          <p:txBody>
+            <a:bodyPr rtlCol="0" anchor="ctr"/>
+            <a:lstStyle/>
+            <a:p>
+              <a:pPr algn="ctr"/>
+              <a:endParaRPr lang="en-US"/>
+            </a:p>
+          </p:txBody>
+        </p:sp>
+        <p:sp>
+          <p:nvSpPr>
+            <p:cNvPr id="110" name="Isosceles Triangle 109"/>
+            <p:cNvSpPr/>
+            <p:nvPr/>
+          </p:nvSpPr>
+          <p:spPr>
+            <a:xfrm flipV="1">
+              <a:off x="1999892" y="2017754"/>
+              <a:ext cx="304800" cy="279402"/>
+            </a:xfrm>
+            <a:prstGeom prst="triangle">
+              <a:avLst/>
+            </a:prstGeom>
+            <a:solidFill>
+              <a:schemeClr val="bg1"/>
+            </a:solidFill>
+            <a:ln>
+              <a:noFill/>
+            </a:ln>
+          </p:spPr>
+          <p:style>
+            <a:lnRef idx="2">
+              <a:schemeClr val="accent1">
+                <a:shade val="50000"/>
+              </a:schemeClr>
+            </a:lnRef>
+            <a:fillRef idx="1">
+              <a:schemeClr val="accent1"/>
+            </a:fillRef>
+            <a:effectRef idx="0">
+              <a:schemeClr val="accent1"/>
+            </a:effectRef>
+            <a:fontRef idx="minor">
+              <a:schemeClr val="lt1"/>
+            </a:fontRef>
+          </p:style>
+          <p:txBody>
+            <a:bodyPr rtlCol="0" anchor="ctr"/>
+            <a:lstStyle/>
+            <a:p>
+              <a:pPr algn="ctr"/>
+              <a:endParaRPr lang="en-US"/>
+            </a:p>
+          </p:txBody>
+        </p:sp>
+      </p:grpSp>
+      <p:grpSp>
+        <p:nvGrpSpPr>
+          <p:cNvPr id="15" name="Group 14"/>
+          <p:cNvGrpSpPr/>
+          <p:nvPr/>
+        </p:nvGrpSpPr>
+        <p:grpSpPr>
+          <a:xfrm>
+            <a:off x="4483770" y="2634522"/>
+            <a:ext cx="300774" cy="298004"/>
+            <a:chOff x="5889115" y="4691250"/>
+            <a:chExt cx="300774" cy="298004"/>
+          </a:xfrm>
+        </p:grpSpPr>
+        <p:sp>
+          <p:nvSpPr>
+            <p:cNvPr id="126" name="Oval 125"/>
+            <p:cNvSpPr/>
+            <p:nvPr/>
+          </p:nvSpPr>
+          <p:spPr>
+            <a:xfrm>
+              <a:off x="5889115" y="4691250"/>
+              <a:ext cx="300774" cy="298004"/>
+            </a:xfrm>
+            <a:prstGeom prst="ellipse">
+              <a:avLst/>
+            </a:prstGeom>
+            <a:solidFill>
+              <a:srgbClr val="3399FF">
+                <a:alpha val="20000"/>
+              </a:srgbClr>
+            </a:solidFill>
+            <a:ln w="19050">
+              <a:solidFill>
+                <a:srgbClr val="3399FF">
+                  <a:alpha val="89804"/>
+                </a:srgbClr>
+              </a:solidFill>
+            </a:ln>
+          </p:spPr>
+          <p:style>
+            <a:lnRef idx="2">
+              <a:schemeClr val="accent1">
+                <a:shade val="50000"/>
+              </a:schemeClr>
+            </a:lnRef>
+            <a:fillRef idx="1">
+              <a:schemeClr val="accent1"/>
+            </a:fillRef>
+            <a:effectRef idx="0">
+              <a:schemeClr val="accent1"/>
+            </a:effectRef>
+            <a:fontRef idx="minor">
+              <a:schemeClr val="lt1"/>
+            </a:fontRef>
+          </p:style>
+          <p:txBody>
+            <a:bodyPr rtlCol="0" anchor="ctr"/>
+            <a:lstStyle/>
+            <a:p>
+              <a:pPr algn="ctr"/>
+              <a:endParaRPr lang="en-US"/>
+            </a:p>
+          </p:txBody>
+        </p:sp>
+        <p:pic>
+          <p:nvPicPr>
+            <p:cNvPr id="124" name="Picture 123"/>
+            <p:cNvPicPr>
+              <a:picLocks noChangeAspect="1"/>
+            </p:cNvPicPr>
+            <p:nvPr/>
+          </p:nvPicPr>
+          <p:blipFill>
+            <a:blip r:embed="rId5">
+              <a:extLst>
+                <a:ext uri="{28A0092B-C50C-407E-A947-70E740481C1C}">
+                  <a14:useLocalDpi xmlns:a14="http://schemas.microsoft.com/office/drawing/2010/main" val="0"/>
+                </a:ext>
+              </a:extLst>
+            </a:blip>
+            <a:stretch>
+              <a:fillRect/>
+            </a:stretch>
+          </p:blipFill>
+          <p:spPr>
+            <a:xfrm>
+              <a:off x="5933787" y="4740651"/>
+              <a:ext cx="211429" cy="200000"/>
+            </a:xfrm>
+            <a:prstGeom prst="rect">
+              <a:avLst/>
+            </a:prstGeom>
+            <a:effectLst>
+              <a:outerShdw blurRad="50800" dist="38100" dir="2700000" algn="tl" rotWithShape="0">
+                <a:prstClr val="black">
+                  <a:alpha val="40000"/>
+                </a:prstClr>
+              </a:outerShdw>
+              <a:softEdge rad="31750"/>
+            </a:effectLst>
+          </p:spPr>
+        </p:pic>
+      </p:grpSp>
+      <p:sp>
+        <p:nvSpPr>
+          <p:cNvPr id="51" name="Rounded Rectangle 50"/>
+          <p:cNvSpPr/>
+          <p:nvPr/>
+        </p:nvSpPr>
+        <p:spPr>
+          <a:xfrm>
+            <a:off x="503255" y="863598"/>
+            <a:ext cx="914400" cy="914400"/>
+          </a:xfrm>
+          <a:prstGeom prst="roundRect">
+            <a:avLst>
+              <a:gd name="adj" fmla="val 3212"/>
+            </a:avLst>
+          </a:prstGeom>
+          <a:solidFill>
+            <a:srgbClr val="FFC000"/>
+          </a:solidFill>
+          <a:ln>
+            <a:noFill/>
+          </a:ln>
+        </p:spPr>
+        <p:style>
+          <a:lnRef idx="2">
+            <a:schemeClr val="accent1">
+              <a:shade val="50000"/>
+            </a:schemeClr>
+          </a:lnRef>
+          <a:fillRef idx="1">
+            <a:schemeClr val="accent1"/>
+          </a:fillRef>
+          <a:effectRef idx="0">
+            <a:schemeClr val="accent1"/>
+          </a:effectRef>
+          <a:fontRef idx="minor">
+            <a:schemeClr val="lt1"/>
+          </a:fontRef>
+        </p:style>
+        <p:txBody>
+          <a:bodyPr rtlCol="0" anchor="ctr"/>
+          <a:lstStyle/>
+          <a:p>
+            <a:pPr algn="ctr"/>
+            <a:endParaRPr lang="en-US"/>
+          </a:p>
+        </p:txBody>
+      </p:sp>
+      <p:sp>
+        <p:nvSpPr>
+          <p:cNvPr id="52" name="Isosceles Triangle 51"/>
+          <p:cNvSpPr/>
+          <p:nvPr/>
+        </p:nvSpPr>
+        <p:spPr>
+          <a:xfrm flipV="1">
+            <a:off x="808055" y="1777998"/>
+            <a:ext cx="304800" cy="279402"/>
+          </a:xfrm>
+          <a:prstGeom prst="triangle">
+            <a:avLst/>
+          </a:prstGeom>
+          <a:solidFill>
+            <a:srgbClr val="FFC000"/>
+          </a:solidFill>
+          <a:ln>
+            <a:noFill/>
+          </a:ln>
+        </p:spPr>
+        <p:style>
+          <a:lnRef idx="2">
+            <a:schemeClr val="accent1">
+              <a:shade val="50000"/>
+            </a:schemeClr>
+          </a:lnRef>
+          <a:fillRef idx="1">
+            <a:schemeClr val="accent1"/>
+          </a:fillRef>
+          <a:effectRef idx="0">
+            <a:schemeClr val="accent1"/>
+          </a:effectRef>
+          <a:fontRef idx="minor">
+            <a:schemeClr val="lt1"/>
+          </a:fontRef>
+        </p:style>
+        <p:txBody>
+          <a:bodyPr rtlCol="0" anchor="ctr"/>
+          <a:lstStyle/>
+          <a:p>
+            <a:pPr algn="ctr"/>
+            <a:endParaRPr lang="en-US"/>
+          </a:p>
+        </p:txBody>
+      </p:sp>
+      <p:pic>
+        <p:nvPicPr>
+          <p:cNvPr id="50" name="Picture 49"/>
+          <p:cNvPicPr>
+            <a:picLocks noChangeAspect="1"/>
+          </p:cNvPicPr>
+          <p:nvPr/>
+        </p:nvPicPr>
+        <p:blipFill rotWithShape="1">
+          <a:blip r:embed="rId3">
+            <a:extLst>
+              <a:ext uri="{28A0092B-C50C-407E-A947-70E740481C1C}">
+                <a14:useLocalDpi xmlns:a14="http://schemas.microsoft.com/office/drawing/2010/main" val="0"/>
+              </a:ext>
+            </a:extLst>
+          </a:blip>
+          <a:srcRect l="46691"/>
+          <a:stretch/>
+        </p:blipFill>
+        <p:spPr>
+          <a:xfrm>
+            <a:off x="503255" y="1035316"/>
+            <a:ext cx="435010" cy="546099"/>
+          </a:xfrm>
+          <a:prstGeom prst="rect">
+            <a:avLst/>
+          </a:prstGeom>
+          <a:solidFill>
+            <a:srgbClr val="FFC000"/>
+          </a:solidFill>
+          <a:ln>
+            <a:noFill/>
+          </a:ln>
+        </p:spPr>
+      </p:pic>
+      <p:grpSp>
+        <p:nvGrpSpPr>
+          <p:cNvPr id="13" name="Group 12"/>
+          <p:cNvGrpSpPr/>
+          <p:nvPr/>
+        </p:nvGrpSpPr>
+        <p:grpSpPr>
+          <a:xfrm>
+            <a:off x="754715" y="2672399"/>
+            <a:ext cx="411480" cy="411480"/>
+            <a:chOff x="3934230" y="4568283"/>
+            <a:chExt cx="411480" cy="411480"/>
+          </a:xfrm>
+        </p:grpSpPr>
+        <p:sp>
+          <p:nvSpPr>
+            <p:cNvPr id="61" name="Rounded Rectangle 60"/>
+            <p:cNvSpPr/>
+            <p:nvPr/>
+          </p:nvSpPr>
+          <p:spPr>
+            <a:xfrm>
+              <a:off x="3934230" y="4568283"/>
+              <a:ext cx="411480" cy="411480"/>
+            </a:xfrm>
+            <a:prstGeom prst="roundRect">
+              <a:avLst>
+                <a:gd name="adj" fmla="val 3212"/>
+              </a:avLst>
+            </a:prstGeom>
+            <a:solidFill>
+              <a:srgbClr val="FFC000"/>
+            </a:solidFill>
+            <a:ln>
+              <a:noFill/>
+            </a:ln>
+            <a:effectLst>
+              <a:glow rad="76200">
+                <a:srgbClr val="FFFF00">
+                  <a:alpha val="40000"/>
+                </a:srgbClr>
+              </a:glow>
+            </a:effectLst>
+          </p:spPr>
+          <p:style>
+            <a:lnRef idx="2">
+              <a:schemeClr val="accent1">
+                <a:shade val="50000"/>
+              </a:schemeClr>
+            </a:lnRef>
+            <a:fillRef idx="1">
+              <a:schemeClr val="accent1"/>
+            </a:fillRef>
+            <a:effectRef idx="0">
+              <a:schemeClr val="accent1"/>
+            </a:effectRef>
+            <a:fontRef idx="minor">
+              <a:schemeClr val="lt1"/>
+            </a:fontRef>
+          </p:style>
+          <p:txBody>
+            <a:bodyPr rtlCol="0" anchor="ctr"/>
+            <a:lstStyle/>
+            <a:p>
+              <a:pPr algn="ctr"/>
+              <a:endParaRPr lang="en-US" u="sng"/>
+            </a:p>
+          </p:txBody>
+        </p:sp>
+        <p:pic>
+          <p:nvPicPr>
+            <p:cNvPr id="64" name="Picture 63"/>
+            <p:cNvPicPr>
+              <a:picLocks noChangeAspect="1"/>
+            </p:cNvPicPr>
+            <p:nvPr/>
+          </p:nvPicPr>
+          <p:blipFill rotWithShape="1">
+            <a:blip r:embed="rId6" cstate="print">
+              <a:extLst>
+                <a:ext uri="{28A0092B-C50C-407E-A947-70E740481C1C}">
+                  <a14:useLocalDpi xmlns:a14="http://schemas.microsoft.com/office/drawing/2010/main" val="0"/>
+                </a:ext>
+              </a:extLst>
+            </a:blip>
+            <a:srcRect l="46691"/>
+            <a:stretch/>
+          </p:blipFill>
+          <p:spPr>
+            <a:xfrm>
+              <a:off x="3934230" y="4645556"/>
+              <a:ext cx="195755" cy="245745"/>
+            </a:xfrm>
+            <a:prstGeom prst="rect">
+              <a:avLst/>
+            </a:prstGeom>
+            <a:solidFill>
+              <a:srgbClr val="FFC000"/>
+            </a:solidFill>
+            <a:ln>
+              <a:noFill/>
+            </a:ln>
+          </p:spPr>
+        </p:pic>
+      </p:grpSp>
+      <p:grpSp>
+        <p:nvGrpSpPr>
+          <p:cNvPr id="7" name="Group 6"/>
+          <p:cNvGrpSpPr/>
+          <p:nvPr/>
+        </p:nvGrpSpPr>
+        <p:grpSpPr>
+          <a:xfrm>
+            <a:off x="-1752600" y="2590800"/>
+            <a:ext cx="668386" cy="662230"/>
+            <a:chOff x="265416" y="4633697"/>
+            <a:chExt cx="668386" cy="662230"/>
+          </a:xfrm>
+        </p:grpSpPr>
+        <p:sp>
+          <p:nvSpPr>
+            <p:cNvPr id="56" name="Oval 55"/>
+            <p:cNvSpPr/>
+            <p:nvPr/>
+          </p:nvSpPr>
+          <p:spPr>
+            <a:xfrm>
+              <a:off x="265416" y="4633697"/>
+              <a:ext cx="668386" cy="662230"/>
+            </a:xfrm>
+            <a:prstGeom prst="ellipse">
+              <a:avLst/>
+            </a:prstGeom>
+            <a:solidFill>
+              <a:srgbClr val="3399FF">
+                <a:alpha val="20000"/>
+              </a:srgbClr>
+            </a:solidFill>
+            <a:ln w="19050">
+              <a:solidFill>
+                <a:srgbClr val="3399FF">
+                  <a:alpha val="89804"/>
+                </a:srgbClr>
+              </a:solidFill>
+            </a:ln>
+          </p:spPr>
+          <p:style>
+            <a:lnRef idx="2">
+              <a:schemeClr val="accent1">
+                <a:shade val="50000"/>
+              </a:schemeClr>
+            </a:lnRef>
+            <a:fillRef idx="1">
+              <a:schemeClr val="accent1"/>
+            </a:fillRef>
+            <a:effectRef idx="0">
+              <a:schemeClr val="accent1"/>
+            </a:effectRef>
+            <a:fontRef idx="minor">
+              <a:schemeClr val="lt1"/>
+            </a:fontRef>
+          </p:style>
+          <p:txBody>
+            <a:bodyPr rtlCol="0" anchor="ctr"/>
+            <a:lstStyle/>
+            <a:p>
+              <a:pPr algn="ctr"/>
+              <a:endParaRPr lang="en-US"/>
+            </a:p>
+          </p:txBody>
+        </p:sp>
+        <p:pic>
+          <p:nvPicPr>
+            <p:cNvPr id="57" name="Picture 56"/>
+            <p:cNvPicPr>
+              <a:picLocks noChangeAspect="1"/>
+            </p:cNvPicPr>
+            <p:nvPr/>
+          </p:nvPicPr>
+          <p:blipFill>
+            <a:blip r:embed="rId5">
+              <a:extLst>
+                <a:ext uri="{28A0092B-C50C-407E-A947-70E740481C1C}">
+                  <a14:useLocalDpi xmlns:a14="http://schemas.microsoft.com/office/drawing/2010/main" val="0"/>
+                </a:ext>
+              </a:extLst>
+            </a:blip>
+            <a:stretch>
+              <a:fillRect/>
+            </a:stretch>
+          </p:blipFill>
+          <p:spPr>
+            <a:xfrm>
+              <a:off x="364688" y="4743477"/>
+              <a:ext cx="469841" cy="444444"/>
+            </a:xfrm>
+            <a:prstGeom prst="rect">
+              <a:avLst/>
+            </a:prstGeom>
+            <a:effectLst>
+              <a:outerShdw blurRad="50800" dist="38100" dir="2700000" algn="tl" rotWithShape="0">
+                <a:prstClr val="black">
+                  <a:alpha val="40000"/>
+                </a:prstClr>
+              </a:outerShdw>
+              <a:softEdge rad="31750"/>
+            </a:effectLst>
+          </p:spPr>
+        </p:pic>
+      </p:grpSp>
+      <p:pic>
+        <p:nvPicPr>
+          <p:cNvPr id="1029" name="Picture 5"/>
+          <p:cNvPicPr>
+            <a:picLocks noChangeAspect="1" noChangeArrowheads="1"/>
+          </p:cNvPicPr>
+          <p:nvPr/>
+        </p:nvPicPr>
+        <p:blipFill>
+          <a:blip r:embed="rId7" cstate="print">
+            <a:extLst>
+              <a:ext uri="{28A0092B-C50C-407E-A947-70E740481C1C}">
+                <a14:useLocalDpi xmlns:a14="http://schemas.microsoft.com/office/drawing/2010/main" val="0"/>
+              </a:ext>
+            </a:extLst>
+          </a:blip>
+          <a:srcRect/>
+          <a:stretch>
+            <a:fillRect/>
+          </a:stretch>
+        </p:blipFill>
+        <p:spPr bwMode="auto">
+          <a:xfrm>
+            <a:off x="679467" y="3334642"/>
+            <a:ext cx="561975" cy="561975"/>
+          </a:xfrm>
+          <a:prstGeom prst="rect">
+            <a:avLst/>
+          </a:prstGeom>
+          <a:noFill/>
+          <a:ln>
+            <a:noFill/>
+          </a:ln>
+          <a:effectLst/>
+          <a:extLst>
+            <a:ext uri="{909E8E84-426E-40dd-AFC4-6F175D3DCCD1}">
+              <a14:hiddenFill xmlns:a14="http://schemas.microsoft.com/office/drawing/2010/main">
+                <a:solidFill>
+                  <a:schemeClr val="accent1"/>
+                </a:solidFill>
+              </a14:hiddenFill>
+            </a:ext>
+            <a:ext uri="{91240B29-F687-4f45-9708-019B960494DF}">
+              <a14:hiddenLine xmlns:a14="http://schemas.microsoft.com/office/drawing/2010/main" w="9525">
+                <a:solidFill>
+                  <a:schemeClr val="tx1"/>
+                </a:solidFill>
+                <a:miter lim="800000"/>
+                <a:headEnd/>
+                <a:tailEnd/>
+              </a14:hiddenLine>
+            </a:ext>
+            <a:ext uri="{AF507438-7753-43e0-B8FC-AC1667EBCBE1}">
+              <a14:hiddenEffects xmlns:a14="http://schemas.microsoft.com/office/drawing/2010/main">
+                <a:effectLst>
+                  <a:outerShdw dist="35921" dir="2700000" algn="ctr" rotWithShape="0">
+                    <a:schemeClr val="bg2"/>
+                  </a:outerShdw>
+                </a:effectLst>
+              </a14:hiddenEffects>
+            </a:ext>
+          </a:extLst>
+        </p:spPr>
+      </p:pic>
+      <p:pic>
+        <p:nvPicPr>
+          <p:cNvPr id="70" name="Picture 5"/>
+          <p:cNvPicPr>
+            <a:picLocks noChangeAspect="1" noChangeArrowheads="1"/>
+          </p:cNvPicPr>
+          <p:nvPr/>
+        </p:nvPicPr>
+        <p:blipFill>
+          <a:blip r:embed="rId7" cstate="print">
+            <a:extLst>
+              <a:ext uri="{28A0092B-C50C-407E-A947-70E740481C1C}">
+                <a14:useLocalDpi xmlns:a14="http://schemas.microsoft.com/office/drawing/2010/main" val="0"/>
+              </a:ext>
+            </a:extLst>
+          </a:blip>
+          <a:srcRect/>
+          <a:stretch>
+            <a:fillRect/>
+          </a:stretch>
+        </p:blipFill>
+        <p:spPr bwMode="auto">
+          <a:xfrm>
+            <a:off x="830784" y="4294201"/>
+            <a:ext cx="282071" cy="281537"/>
+          </a:xfrm>
+          <a:prstGeom prst="rect">
+            <a:avLst/>
+          </a:prstGeom>
+          <a:noFill/>
+          <a:ln>
+            <a:noFill/>
+          </a:ln>
+          <a:effectLst/>
+          <a:extLst>
+            <a:ext uri="{909E8E84-426E-40dd-AFC4-6F175D3DCCD1}">
+              <a14:hiddenFill xmlns:a14="http://schemas.microsoft.com/office/drawing/2010/main">
+                <a:solidFill>
+                  <a:schemeClr val="accent1"/>
+                </a:solidFill>
+              </a14:hiddenFill>
+            </a:ext>
+            <a:ext uri="{91240B29-F687-4f45-9708-019B960494DF}">
+              <a14:hiddenLine xmlns:a14="http://schemas.microsoft.com/office/drawing/2010/main" w="9525">
+                <a:solidFill>
+                  <a:schemeClr val="tx1"/>
+                </a:solidFill>
+                <a:miter lim="800000"/>
+                <a:headEnd/>
+                <a:tailEnd/>
+              </a14:hiddenLine>
+            </a:ext>
+            <a:ext uri="{AF507438-7753-43e0-B8FC-AC1667EBCBE1}">
+              <a14:hiddenEffects xmlns:a14="http://schemas.microsoft.com/office/drawing/2010/main">
+                <a:effectLst>
+                  <a:outerShdw dist="35921" dir="2700000" algn="ctr" rotWithShape="0">
+                    <a:schemeClr val="bg2"/>
+                  </a:outerShdw>
+                </a:effectLst>
+              </a14:hiddenEffects>
+            </a:ext>
+          </a:extLst>
+        </p:spPr>
+      </p:pic>
+      <p:pic>
+        <p:nvPicPr>
+          <p:cNvPr id="1030" name="Picture 6"/>
+          <p:cNvPicPr>
+            <a:picLocks noChangeAspect="1" noChangeArrowheads="1"/>
+          </p:cNvPicPr>
+          <p:nvPr/>
+        </p:nvPicPr>
+        <p:blipFill>
+          <a:blip r:embed="rId8" cstate="print">
+            <a:extLst>
+              <a:ext uri="{28A0092B-C50C-407E-A947-70E740481C1C}">
+                <a14:useLocalDpi xmlns:a14="http://schemas.microsoft.com/office/drawing/2010/main" val="0"/>
+              </a:ext>
+            </a:extLst>
+          </a:blip>
+          <a:srcRect/>
+          <a:stretch>
+            <a:fillRect/>
+          </a:stretch>
+        </p:blipFill>
+        <p:spPr bwMode="auto">
+          <a:xfrm>
+            <a:off x="2190242" y="3306067"/>
+            <a:ext cx="561975" cy="561975"/>
+          </a:xfrm>
+          <a:prstGeom prst="rect">
+            <a:avLst/>
+          </a:prstGeom>
+          <a:noFill/>
+          <a:ln>
+            <a:noFill/>
+          </a:ln>
+          <a:effectLst/>
+          <a:extLst>
+            <a:ext uri="{909E8E84-426E-40dd-AFC4-6F175D3DCCD1}">
+              <a14:hiddenFill xmlns:a14="http://schemas.microsoft.com/office/drawing/2010/main">
+                <a:solidFill>
+                  <a:schemeClr val="accent1"/>
+                </a:solidFill>
+              </a14:hiddenFill>
+            </a:ext>
+            <a:ext uri="{91240B29-F687-4f45-9708-019B960494DF}">
+              <a14:hiddenLine xmlns:a14="http://schemas.microsoft.com/office/drawing/2010/main" w="9525">
+                <a:solidFill>
+                  <a:schemeClr val="tx1"/>
+                </a:solidFill>
+                <a:miter lim="800000"/>
+                <a:headEnd/>
+                <a:tailEnd/>
+              </a14:hiddenLine>
+            </a:ext>
+            <a:ext uri="{AF507438-7753-43e0-B8FC-AC1667EBCBE1}">
+              <a14:hiddenEffects xmlns:a14="http://schemas.microsoft.com/office/drawing/2010/main">
+                <a:effectLst>
+                  <a:outerShdw dist="35921" dir="2700000" algn="ctr" rotWithShape="0">
+                    <a:schemeClr val="bg2"/>
+                  </a:outerShdw>
+                </a:effectLst>
+              </a14:hiddenEffects>
+            </a:ext>
+          </a:extLst>
+        </p:spPr>
+      </p:pic>
+      <p:pic>
+        <p:nvPicPr>
+          <p:cNvPr id="1031" name="Picture 7"/>
+          <p:cNvPicPr>
+            <a:picLocks noChangeAspect="1" noChangeArrowheads="1"/>
+          </p:cNvPicPr>
+          <p:nvPr/>
+        </p:nvPicPr>
+        <p:blipFill>
+          <a:blip r:embed="rId9" cstate="print">
+            <a:extLst>
+              <a:ext uri="{28A0092B-C50C-407E-A947-70E740481C1C}">
+                <a14:useLocalDpi xmlns:a14="http://schemas.microsoft.com/office/drawing/2010/main" val="0"/>
+              </a:ext>
+            </a:extLst>
+          </a:blip>
+          <a:srcRect/>
+          <a:stretch>
+            <a:fillRect/>
+          </a:stretch>
+        </p:blipFill>
+        <p:spPr bwMode="auto">
+          <a:xfrm>
+            <a:off x="3532188" y="3309938"/>
+            <a:ext cx="561975" cy="561975"/>
+          </a:xfrm>
+          <a:prstGeom prst="rect">
+            <a:avLst/>
+          </a:prstGeom>
+          <a:noFill/>
+          <a:ln>
+            <a:noFill/>
+          </a:ln>
+          <a:effectLst/>
+          <a:extLst>
+            <a:ext uri="{909E8E84-426E-40dd-AFC4-6F175D3DCCD1}">
+              <a14:hiddenFill xmlns:a14="http://schemas.microsoft.com/office/drawing/2010/main">
+                <a:solidFill>
+                  <a:schemeClr val="accent1"/>
+                </a:solidFill>
+              </a14:hiddenFill>
+            </a:ext>
+            <a:ext uri="{91240B29-F687-4f45-9708-019B960494DF}">
+              <a14:hiddenLine xmlns:a14="http://schemas.microsoft.com/office/drawing/2010/main" w="9525">
+                <a:solidFill>
+                  <a:schemeClr val="tx1"/>
+                </a:solidFill>
+                <a:miter lim="800000"/>
+                <a:headEnd/>
+                <a:tailEnd/>
+              </a14:hiddenLine>
+            </a:ext>
+            <a:ext uri="{AF507438-7753-43e0-B8FC-AC1667EBCBE1}">
+              <a14:hiddenEffects xmlns:a14="http://schemas.microsoft.com/office/drawing/2010/main">
+                <a:effectLst>
+                  <a:outerShdw dist="35921" dir="2700000" algn="ctr" rotWithShape="0">
+                    <a:schemeClr val="bg2"/>
+                  </a:outerShdw>
+                </a:effectLst>
+              </a14:hiddenEffects>
+            </a:ext>
+          </a:extLst>
+        </p:spPr>
+      </p:pic>
+      <p:pic>
+        <p:nvPicPr>
+          <p:cNvPr id="1032" name="Picture 8"/>
+          <p:cNvPicPr>
+            <a:picLocks noChangeAspect="1" noChangeArrowheads="1"/>
+          </p:cNvPicPr>
+          <p:nvPr/>
+        </p:nvPicPr>
+        <p:blipFill>
+          <a:blip r:embed="rId10" cstate="print">
+            <a:extLst>
+              <a:ext uri="{28A0092B-C50C-407E-A947-70E740481C1C}">
+                <a14:useLocalDpi xmlns:a14="http://schemas.microsoft.com/office/drawing/2010/main" val="0"/>
+              </a:ext>
+            </a:extLst>
+          </a:blip>
+          <a:srcRect/>
+          <a:stretch>
+            <a:fillRect/>
+          </a:stretch>
+        </p:blipFill>
+        <p:spPr bwMode="auto">
+          <a:xfrm>
+            <a:off x="5110360" y="3367628"/>
+            <a:ext cx="561975" cy="561975"/>
+          </a:xfrm>
+          <a:prstGeom prst="rect">
+            <a:avLst/>
+          </a:prstGeom>
+          <a:noFill/>
+          <a:ln>
+            <a:noFill/>
+          </a:ln>
+          <a:effectLst/>
+          <a:extLst>
+            <a:ext uri="{909E8E84-426E-40dd-AFC4-6F175D3DCCD1}">
+              <a14:hiddenFill xmlns:a14="http://schemas.microsoft.com/office/drawing/2010/main">
+                <a:solidFill>
+                  <a:schemeClr val="accent1"/>
+                </a:solidFill>
+              </a14:hiddenFill>
+            </a:ext>
+            <a:ext uri="{91240B29-F687-4f45-9708-019B960494DF}">
+              <a14:hiddenLine xmlns:a14="http://schemas.microsoft.com/office/drawing/2010/main" w="9525">
+                <a:solidFill>
+                  <a:schemeClr val="tx1"/>
+                </a:solidFill>
+                <a:miter lim="800000"/>
+                <a:headEnd/>
+                <a:tailEnd/>
+              </a14:hiddenLine>
+            </a:ext>
+            <a:ext uri="{AF507438-7753-43e0-B8FC-AC1667EBCBE1}">
+              <a14:hiddenEffects xmlns:a14="http://schemas.microsoft.com/office/drawing/2010/main">
+                <a:effectLst>
+                  <a:outerShdw dist="35921" dir="2700000" algn="ctr" rotWithShape="0">
+                    <a:schemeClr val="bg2"/>
+                  </a:outerShdw>
+                </a:effectLst>
+              </a14:hiddenEffects>
+            </a:ext>
+          </a:extLst>
+        </p:spPr>
+      </p:pic>
+      <p:pic>
+        <p:nvPicPr>
+          <p:cNvPr id="1033" name="Picture 9"/>
+          <p:cNvPicPr>
+            <a:picLocks noChangeAspect="1" noChangeArrowheads="1"/>
+          </p:cNvPicPr>
+          <p:nvPr/>
+        </p:nvPicPr>
+        <p:blipFill>
+          <a:blip r:embed="rId11" cstate="print">
+            <a:extLst>
+              <a:ext uri="{28A0092B-C50C-407E-A947-70E740481C1C}">
+                <a14:useLocalDpi xmlns:a14="http://schemas.microsoft.com/office/drawing/2010/main" val="0"/>
+              </a:ext>
+            </a:extLst>
+          </a:blip>
+          <a:srcRect/>
+          <a:stretch>
+            <a:fillRect/>
+          </a:stretch>
+        </p:blipFill>
+        <p:spPr bwMode="auto">
+          <a:xfrm>
+            <a:off x="6418360" y="3334642"/>
+            <a:ext cx="561975" cy="561975"/>
+          </a:xfrm>
+          <a:prstGeom prst="rect">
+            <a:avLst/>
+          </a:prstGeom>
+          <a:noFill/>
+          <a:ln>
+            <a:noFill/>
+          </a:ln>
+          <a:effectLst/>
+          <a:extLst>
+            <a:ext uri="{909E8E84-426E-40dd-AFC4-6F175D3DCCD1}">
+              <a14:hiddenFill xmlns:a14="http://schemas.microsoft.com/office/drawing/2010/main">
+                <a:solidFill>
+                  <a:schemeClr val="accent1"/>
+                </a:solidFill>
+              </a14:hiddenFill>
+            </a:ext>
+            <a:ext uri="{91240B29-F687-4f45-9708-019B960494DF}">
+              <a14:hiddenLine xmlns:a14="http://schemas.microsoft.com/office/drawing/2010/main" w="9525">
+                <a:solidFill>
+                  <a:schemeClr val="tx1"/>
+                </a:solidFill>
+                <a:miter lim="800000"/>
+                <a:headEnd/>
+                <a:tailEnd/>
+              </a14:hiddenLine>
+            </a:ext>
+            <a:ext uri="{AF507438-7753-43e0-B8FC-AC1667EBCBE1}">
+              <a14:hiddenEffects xmlns:a14="http://schemas.microsoft.com/office/drawing/2010/main">
+                <a:effectLst>
+                  <a:outerShdw dist="35921" dir="2700000" algn="ctr" rotWithShape="0">
+                    <a:schemeClr val="bg2"/>
+                  </a:outerShdw>
+                </a:effectLst>
+              </a14:hiddenEffects>
+            </a:ext>
+          </a:extLst>
+        </p:spPr>
+      </p:pic>
+      <p:pic>
+        <p:nvPicPr>
+          <p:cNvPr id="1034" name="Picture 10"/>
+          <p:cNvPicPr>
+            <a:picLocks noChangeAspect="1" noChangeArrowheads="1"/>
+          </p:cNvPicPr>
+          <p:nvPr/>
+        </p:nvPicPr>
+        <p:blipFill>
+          <a:blip r:embed="rId12" cstate="print">
+            <a:extLst>
+              <a:ext uri="{28A0092B-C50C-407E-A947-70E740481C1C}">
+                <a14:useLocalDpi xmlns:a14="http://schemas.microsoft.com/office/drawing/2010/main" val="0"/>
+              </a:ext>
+            </a:extLst>
+          </a:blip>
+          <a:srcRect/>
+          <a:stretch>
+            <a:fillRect/>
+          </a:stretch>
+        </p:blipFill>
+        <p:spPr bwMode="auto">
+          <a:xfrm>
+            <a:off x="7918467" y="3348578"/>
+            <a:ext cx="561975" cy="561975"/>
+          </a:xfrm>
+          <a:prstGeom prst="rect">
+            <a:avLst/>
+          </a:prstGeom>
+          <a:noFill/>
+          <a:ln>
+            <a:noFill/>
+          </a:ln>
+          <a:effectLst/>
+          <a:extLst>
+            <a:ext uri="{909E8E84-426E-40dd-AFC4-6F175D3DCCD1}">
+              <a14:hiddenFill xmlns:a14="http://schemas.microsoft.com/office/drawing/2010/main">
+                <a:solidFill>
+                  <a:schemeClr val="accent1"/>
+                </a:solidFill>
+              </a14:hiddenFill>
+            </a:ext>
+            <a:ext uri="{91240B29-F687-4f45-9708-019B960494DF}">
+              <a14:hiddenLine xmlns:a14="http://schemas.microsoft.com/office/drawing/2010/main" w="9525">
+                <a:solidFill>
+                  <a:schemeClr val="tx1"/>
+                </a:solidFill>
+                <a:miter lim="800000"/>
+                <a:headEnd/>
+                <a:tailEnd/>
+              </a14:hiddenLine>
+            </a:ext>
+            <a:ext uri="{AF507438-7753-43e0-B8FC-AC1667EBCBE1}">
+              <a14:hiddenEffects xmlns:a14="http://schemas.microsoft.com/office/drawing/2010/main">
+                <a:effectLst>
+                  <a:outerShdw dist="35921" dir="2700000" algn="ctr" rotWithShape="0">
+                    <a:schemeClr val="bg2"/>
+                  </a:outerShdw>
+                </a:effectLst>
+              </a14:hiddenEffects>
+            </a:ext>
+          </a:extLst>
+        </p:spPr>
+      </p:pic>
+      <p:pic>
+        <p:nvPicPr>
+          <p:cNvPr id="1035" name="Picture 11"/>
+          <p:cNvPicPr>
+            <a:picLocks noChangeAspect="1" noChangeArrowheads="1"/>
+          </p:cNvPicPr>
+          <p:nvPr/>
+        </p:nvPicPr>
+        <p:blipFill>
+          <a:blip r:embed="rId13" cstate="print">
+            <a:extLst>
+              <a:ext uri="{28A0092B-C50C-407E-A947-70E740481C1C}">
+                <a14:useLocalDpi xmlns:a14="http://schemas.microsoft.com/office/drawing/2010/main" val="0"/>
+              </a:ext>
+            </a:extLst>
+          </a:blip>
+          <a:srcRect/>
+          <a:stretch>
+            <a:fillRect/>
+          </a:stretch>
+        </p:blipFill>
+        <p:spPr bwMode="auto">
+          <a:xfrm>
+            <a:off x="4474064" y="3480340"/>
+            <a:ext cx="342900" cy="336550"/>
+          </a:xfrm>
+          <a:prstGeom prst="rect">
+            <a:avLst/>
+          </a:prstGeom>
+          <a:noFill/>
+          <a:ln>
+            <a:noFill/>
+          </a:ln>
+          <a:effectLst/>
+          <a:extLst>
+            <a:ext uri="{909E8E84-426E-40dd-AFC4-6F175D3DCCD1}">
+              <a14:hiddenFill xmlns:a14="http://schemas.microsoft.com/office/drawing/2010/main">
+                <a:solidFill>
+                  <a:schemeClr val="accent1"/>
+                </a:solidFill>
+              </a14:hiddenFill>
+            </a:ext>
+            <a:ext uri="{91240B29-F687-4f45-9708-019B960494DF}">
+              <a14:hiddenLine xmlns:a14="http://schemas.microsoft.com/office/drawing/2010/main" w="9525">
+                <a:solidFill>
+                  <a:schemeClr val="tx1"/>
+                </a:solidFill>
+                <a:miter lim="800000"/>
+                <a:headEnd/>
+                <a:tailEnd/>
+              </a14:hiddenLine>
+            </a:ext>
+            <a:ext uri="{AF507438-7753-43e0-B8FC-AC1667EBCBE1}">
+              <a14:hiddenEffects xmlns:a14="http://schemas.microsoft.com/office/drawing/2010/main">
+                <a:effectLst>
+                  <a:outerShdw dist="35921" dir="2700000" algn="ctr" rotWithShape="0">
+                    <a:schemeClr val="bg2"/>
+                  </a:outerShdw>
+                </a:effectLst>
+              </a14:hiddenEffects>
+            </a:ext>
+          </a:extLst>
+        </p:spPr>
+      </p:pic>
+      <p:pic>
+        <p:nvPicPr>
+          <p:cNvPr id="91" name="Picture 6"/>
+          <p:cNvPicPr>
+            <a:picLocks noChangeAspect="1" noChangeArrowheads="1"/>
+          </p:cNvPicPr>
+          <p:nvPr/>
+        </p:nvPicPr>
+        <p:blipFill>
+          <a:blip r:embed="rId8" cstate="print">
+            <a:extLst>
+              <a:ext uri="{28A0092B-C50C-407E-A947-70E740481C1C}">
+                <a14:useLocalDpi xmlns:a14="http://schemas.microsoft.com/office/drawing/2010/main" val="0"/>
+              </a:ext>
+            </a:extLst>
+          </a:blip>
+          <a:srcRect/>
+          <a:stretch>
+            <a:fillRect/>
+          </a:stretch>
+        </p:blipFill>
+        <p:spPr bwMode="auto">
+          <a:xfrm>
+            <a:off x="2248630" y="4251690"/>
+            <a:ext cx="282071" cy="281537"/>
+          </a:xfrm>
+          <a:prstGeom prst="rect">
+            <a:avLst/>
+          </a:prstGeom>
+          <a:noFill/>
+          <a:ln>
+            <a:noFill/>
+          </a:ln>
+          <a:effectLst/>
+          <a:extLst>
+            <a:ext uri="{909E8E84-426E-40dd-AFC4-6F175D3DCCD1}">
+              <a14:hiddenFill xmlns:a14="http://schemas.microsoft.com/office/drawing/2010/main">
+                <a:solidFill>
+                  <a:schemeClr val="accent1"/>
+                </a:solidFill>
+              </a14:hiddenFill>
+            </a:ext>
+            <a:ext uri="{91240B29-F687-4f45-9708-019B960494DF}">
+              <a14:hiddenLine xmlns:a14="http://schemas.microsoft.com/office/drawing/2010/main" w="9525">
+                <a:solidFill>
+                  <a:schemeClr val="tx1"/>
+                </a:solidFill>
+                <a:miter lim="800000"/>
+                <a:headEnd/>
+                <a:tailEnd/>
+              </a14:hiddenLine>
+            </a:ext>
+            <a:ext uri="{AF507438-7753-43e0-B8FC-AC1667EBCBE1}">
+              <a14:hiddenEffects xmlns:a14="http://schemas.microsoft.com/office/drawing/2010/main">
+                <a:effectLst>
+                  <a:outerShdw dist="35921" dir="2700000" algn="ctr" rotWithShape="0">
+                    <a:schemeClr val="bg2"/>
+                  </a:outerShdw>
+                </a:effectLst>
+              </a14:hiddenEffects>
+            </a:ext>
+          </a:extLst>
+        </p:spPr>
+      </p:pic>
+      <p:pic>
+        <p:nvPicPr>
+          <p:cNvPr id="92" name="Picture 7"/>
+          <p:cNvPicPr>
+            <a:picLocks noChangeAspect="1" noChangeArrowheads="1"/>
+          </p:cNvPicPr>
+          <p:nvPr/>
+        </p:nvPicPr>
+        <p:blipFill>
+          <a:blip r:embed="rId9" cstate="print">
+            <a:extLst>
+              <a:ext uri="{28A0092B-C50C-407E-A947-70E740481C1C}">
+                <a14:useLocalDpi xmlns:a14="http://schemas.microsoft.com/office/drawing/2010/main" val="0"/>
+              </a:ext>
+            </a:extLst>
+          </a:blip>
+          <a:srcRect/>
+          <a:stretch>
+            <a:fillRect/>
+          </a:stretch>
+        </p:blipFill>
+        <p:spPr bwMode="auto">
+          <a:xfrm>
+            <a:off x="3590576" y="4255561"/>
+            <a:ext cx="282071" cy="281537"/>
+          </a:xfrm>
+          <a:prstGeom prst="rect">
+            <a:avLst/>
+          </a:prstGeom>
+          <a:noFill/>
+          <a:ln>
+            <a:noFill/>
+          </a:ln>
+          <a:effectLst/>
+          <a:extLst>
+            <a:ext uri="{909E8E84-426E-40dd-AFC4-6F175D3DCCD1}">
+              <a14:hiddenFill xmlns:a14="http://schemas.microsoft.com/office/drawing/2010/main">
+                <a:solidFill>
+                  <a:schemeClr val="accent1"/>
+                </a:solidFill>
+              </a14:hiddenFill>
+            </a:ext>
+            <a:ext uri="{91240B29-F687-4f45-9708-019B960494DF}">
+              <a14:hiddenLine xmlns:a14="http://schemas.microsoft.com/office/drawing/2010/main" w="9525">
+                <a:solidFill>
+                  <a:schemeClr val="tx1"/>
+                </a:solidFill>
+                <a:miter lim="800000"/>
+                <a:headEnd/>
+                <a:tailEnd/>
+              </a14:hiddenLine>
+            </a:ext>
+            <a:ext uri="{AF507438-7753-43e0-B8FC-AC1667EBCBE1}">
+              <a14:hiddenEffects xmlns:a14="http://schemas.microsoft.com/office/drawing/2010/main">
+                <a:effectLst>
+                  <a:outerShdw dist="35921" dir="2700000" algn="ctr" rotWithShape="0">
+                    <a:schemeClr val="bg2"/>
+                  </a:outerShdw>
+                </a:effectLst>
+              </a14:hiddenEffects>
+            </a:ext>
+          </a:extLst>
+        </p:spPr>
+      </p:pic>
+      <p:pic>
+        <p:nvPicPr>
+          <p:cNvPr id="93" name="Picture 8"/>
+          <p:cNvPicPr>
+            <a:picLocks noChangeAspect="1" noChangeArrowheads="1"/>
+          </p:cNvPicPr>
+          <p:nvPr/>
+        </p:nvPicPr>
+        <p:blipFill>
+          <a:blip r:embed="rId10" cstate="print">
+            <a:extLst>
+              <a:ext uri="{28A0092B-C50C-407E-A947-70E740481C1C}">
+                <a14:useLocalDpi xmlns:a14="http://schemas.microsoft.com/office/drawing/2010/main" val="0"/>
+              </a:ext>
+            </a:extLst>
+          </a:blip>
+          <a:srcRect/>
+          <a:stretch>
+            <a:fillRect/>
+          </a:stretch>
+        </p:blipFill>
+        <p:spPr bwMode="auto">
+          <a:xfrm>
+            <a:off x="5168748" y="4313251"/>
+            <a:ext cx="282071" cy="281537"/>
+          </a:xfrm>
+          <a:prstGeom prst="rect">
+            <a:avLst/>
+          </a:prstGeom>
+          <a:noFill/>
+          <a:ln>
+            <a:noFill/>
+          </a:ln>
+          <a:effectLst/>
+          <a:extLst>
+            <a:ext uri="{909E8E84-426E-40dd-AFC4-6F175D3DCCD1}">
+              <a14:hiddenFill xmlns:a14="http://schemas.microsoft.com/office/drawing/2010/main">
+                <a:solidFill>
+                  <a:schemeClr val="accent1"/>
+                </a:solidFill>
+              </a14:hiddenFill>
+            </a:ext>
+            <a:ext uri="{91240B29-F687-4f45-9708-019B960494DF}">
+              <a14:hiddenLine xmlns:a14="http://schemas.microsoft.com/office/drawing/2010/main" w="9525">
+                <a:solidFill>
+                  <a:schemeClr val="tx1"/>
+                </a:solidFill>
+                <a:miter lim="800000"/>
+                <a:headEnd/>
+                <a:tailEnd/>
+              </a14:hiddenLine>
+            </a:ext>
+            <a:ext uri="{AF507438-7753-43e0-B8FC-AC1667EBCBE1}">
+              <a14:hiddenEffects xmlns:a14="http://schemas.microsoft.com/office/drawing/2010/main">
+                <a:effectLst>
+                  <a:outerShdw dist="35921" dir="2700000" algn="ctr" rotWithShape="0">
+                    <a:schemeClr val="bg2"/>
+                  </a:outerShdw>
+                </a:effectLst>
+              </a14:hiddenEffects>
+            </a:ext>
+          </a:extLst>
+        </p:spPr>
+      </p:pic>
+      <p:pic>
+        <p:nvPicPr>
+          <p:cNvPr id="94" name="Picture 9"/>
+          <p:cNvPicPr>
+            <a:picLocks noChangeAspect="1" noChangeArrowheads="1"/>
+          </p:cNvPicPr>
+          <p:nvPr/>
+        </p:nvPicPr>
+        <p:blipFill>
+          <a:blip r:embed="rId11" cstate="print">
+            <a:extLst>
+              <a:ext uri="{28A0092B-C50C-407E-A947-70E740481C1C}">
+                <a14:useLocalDpi xmlns:a14="http://schemas.microsoft.com/office/drawing/2010/main" val="0"/>
+              </a:ext>
+            </a:extLst>
+          </a:blip>
+          <a:srcRect/>
+          <a:stretch>
+            <a:fillRect/>
+          </a:stretch>
+        </p:blipFill>
+        <p:spPr bwMode="auto">
+          <a:xfrm>
+            <a:off x="6476748" y="4280265"/>
+            <a:ext cx="282071" cy="281537"/>
+          </a:xfrm>
+          <a:prstGeom prst="rect">
+            <a:avLst/>
+          </a:prstGeom>
+          <a:noFill/>
+          <a:ln>
+            <a:noFill/>
+          </a:ln>
+          <a:effectLst/>
+          <a:extLst>
+            <a:ext uri="{909E8E84-426E-40dd-AFC4-6F175D3DCCD1}">
+              <a14:hiddenFill xmlns:a14="http://schemas.microsoft.com/office/drawing/2010/main">
+                <a:solidFill>
+                  <a:schemeClr val="accent1"/>
+                </a:solidFill>
+              </a14:hiddenFill>
+            </a:ext>
+            <a:ext uri="{91240B29-F687-4f45-9708-019B960494DF}">
+              <a14:hiddenLine xmlns:a14="http://schemas.microsoft.com/office/drawing/2010/main" w="9525">
+                <a:solidFill>
+                  <a:schemeClr val="tx1"/>
+                </a:solidFill>
+                <a:miter lim="800000"/>
+                <a:headEnd/>
+                <a:tailEnd/>
+              </a14:hiddenLine>
+            </a:ext>
+            <a:ext uri="{AF507438-7753-43e0-B8FC-AC1667EBCBE1}">
+              <a14:hiddenEffects xmlns:a14="http://schemas.microsoft.com/office/drawing/2010/main">
+                <a:effectLst>
+                  <a:outerShdw dist="35921" dir="2700000" algn="ctr" rotWithShape="0">
+                    <a:schemeClr val="bg2"/>
+                  </a:outerShdw>
+                </a:effectLst>
+              </a14:hiddenEffects>
+            </a:ext>
+          </a:extLst>
+        </p:spPr>
+      </p:pic>
+      <p:pic>
+        <p:nvPicPr>
+          <p:cNvPr id="95" name="Picture 10"/>
+          <p:cNvPicPr>
+            <a:picLocks noChangeAspect="1" noChangeArrowheads="1"/>
+          </p:cNvPicPr>
+          <p:nvPr/>
+        </p:nvPicPr>
+        <p:blipFill>
+          <a:blip r:embed="rId12" cstate="print">
+            <a:extLst>
+              <a:ext uri="{28A0092B-C50C-407E-A947-70E740481C1C}">
+                <a14:useLocalDpi xmlns:a14="http://schemas.microsoft.com/office/drawing/2010/main" val="0"/>
+              </a:ext>
+            </a:extLst>
+          </a:blip>
+          <a:srcRect/>
+          <a:stretch>
+            <a:fillRect/>
+          </a:stretch>
+        </p:blipFill>
+        <p:spPr bwMode="auto">
+          <a:xfrm>
+            <a:off x="7976855" y="4294201"/>
+            <a:ext cx="282071" cy="281537"/>
+          </a:xfrm>
+          <a:prstGeom prst="rect">
+            <a:avLst/>
+          </a:prstGeom>
+          <a:noFill/>
+          <a:ln>
+            <a:noFill/>
+          </a:ln>
+          <a:effectLst/>
+          <a:extLst>
+            <a:ext uri="{909E8E84-426E-40dd-AFC4-6F175D3DCCD1}">
+              <a14:hiddenFill xmlns:a14="http://schemas.microsoft.com/office/drawing/2010/main">
+                <a:solidFill>
+                  <a:schemeClr val="accent1"/>
+                </a:solidFill>
+              </a14:hiddenFill>
+            </a:ext>
+            <a:ext uri="{91240B29-F687-4f45-9708-019B960494DF}">
+              <a14:hiddenLine xmlns:a14="http://schemas.microsoft.com/office/drawing/2010/main" w="9525">
+                <a:solidFill>
+                  <a:schemeClr val="tx1"/>
+                </a:solidFill>
+                <a:miter lim="800000"/>
+                <a:headEnd/>
+                <a:tailEnd/>
+              </a14:hiddenLine>
+            </a:ext>
+            <a:ext uri="{AF507438-7753-43e0-B8FC-AC1667EBCBE1}">
+              <a14:hiddenEffects xmlns:a14="http://schemas.microsoft.com/office/drawing/2010/main">
+                <a:effectLst>
+                  <a:outerShdw dist="35921" dir="2700000" algn="ctr" rotWithShape="0">
+                    <a:schemeClr val="bg2"/>
+                  </a:outerShdw>
+                </a:effectLst>
+              </a14:hiddenEffects>
+            </a:ext>
+          </a:extLst>
+        </p:spPr>
+      </p:pic>
+      <p:pic>
+        <p:nvPicPr>
+          <p:cNvPr id="96" name="Picture 11"/>
+          <p:cNvPicPr>
+            <a:picLocks noChangeAspect="1" noChangeArrowheads="1"/>
+          </p:cNvPicPr>
+          <p:nvPr/>
+        </p:nvPicPr>
+        <p:blipFill>
+          <a:blip r:embed="rId13" cstate="print">
+            <a:extLst>
+              <a:ext uri="{28A0092B-C50C-407E-A947-70E740481C1C}">
+                <a14:useLocalDpi xmlns:a14="http://schemas.microsoft.com/office/drawing/2010/main" val="0"/>
+              </a:ext>
+            </a:extLst>
+          </a:blip>
+          <a:srcRect/>
+          <a:stretch>
+            <a:fillRect/>
+          </a:stretch>
+        </p:blipFill>
+        <p:spPr bwMode="auto">
+          <a:xfrm>
+            <a:off x="4532452" y="4425963"/>
+            <a:ext cx="172292" cy="168922"/>
+          </a:xfrm>
+          <a:prstGeom prst="rect">
+            <a:avLst/>
+          </a:prstGeom>
+          <a:noFill/>
+          <a:ln>
+            <a:noFill/>
+          </a:ln>
+          <a:effectLst/>
+          <a:extLst>
+            <a:ext uri="{909E8E84-426E-40dd-AFC4-6F175D3DCCD1}">
+              <a14:hiddenFill xmlns:a14="http://schemas.microsoft.com/office/drawing/2010/main">
+                <a:solidFill>
+                  <a:schemeClr val="accent1"/>
+                </a:solidFill>
+              </a14:hiddenFill>
+            </a:ext>
+            <a:ext uri="{91240B29-F687-4f45-9708-019B960494DF}">
+              <a14:hiddenLine xmlns:a14="http://schemas.microsoft.com/office/drawing/2010/main" w="9525">
+                <a:solidFill>
+                  <a:schemeClr val="tx1"/>
+                </a:solidFill>
+                <a:miter lim="800000"/>
+                <a:headEnd/>
+                <a:tailEnd/>
+              </a14:hiddenLine>
+            </a:ext>
+            <a:ext uri="{AF507438-7753-43e0-B8FC-AC1667EBCBE1}">
+              <a14:hiddenEffects xmlns:a14="http://schemas.microsoft.com/office/drawing/2010/main">
+                <a:effectLst>
+                  <a:outerShdw dist="35921" dir="2700000" algn="ctr" rotWithShape="0">
+                    <a:schemeClr val="bg2"/>
+                  </a:outerShdw>
+                </a:effectLst>
+              </a14:hiddenEffects>
+            </a:ext>
+          </a:extLst>
+        </p:spPr>
+      </p:pic>
+      <p:pic>
+        <p:nvPicPr>
+          <p:cNvPr id="1036" name="Picture 12"/>
+          <p:cNvPicPr>
+            <a:picLocks noChangeAspect="1" noChangeArrowheads="1"/>
+          </p:cNvPicPr>
+          <p:nvPr/>
+        </p:nvPicPr>
+        <p:blipFill>
+          <a:blip r:embed="rId14" cstate="print">
+            <a:extLst>
+              <a:ext uri="{28A0092B-C50C-407E-A947-70E740481C1C}">
+                <a14:useLocalDpi xmlns:a14="http://schemas.microsoft.com/office/drawing/2010/main" val="0"/>
+              </a:ext>
+            </a:extLst>
+          </a:blip>
+          <a:srcRect/>
+          <a:stretch>
+            <a:fillRect/>
+          </a:stretch>
+        </p:blipFill>
+        <p:spPr bwMode="auto">
+          <a:xfrm>
+            <a:off x="466760" y="304800"/>
+            <a:ext cx="511844" cy="441479"/>
+          </a:xfrm>
+          <a:prstGeom prst="rect">
+            <a:avLst/>
+          </a:prstGeom>
+          <a:noFill/>
+          <a:ln>
+            <a:noFill/>
+          </a:ln>
+          <a:effectLst/>
+          <a:extLst>
+            <a:ext uri="{909E8E84-426E-40dd-AFC4-6F175D3DCCD1}">
+              <a14:hiddenFill xmlns:a14="http://schemas.microsoft.com/office/drawing/2010/main">
+                <a:solidFill>
+                  <a:schemeClr val="accent1"/>
+                </a:solidFill>
+              </a14:hiddenFill>
+            </a:ext>
+            <a:ext uri="{91240B29-F687-4f45-9708-019B960494DF}">
+              <a14:hiddenLine xmlns:a14="http://schemas.microsoft.com/office/drawing/2010/main" w="9525">
+                <a:solidFill>
+                  <a:schemeClr val="tx1"/>
+                </a:solidFill>
+                <a:miter lim="800000"/>
+                <a:headEnd/>
+                <a:tailEnd/>
+              </a14:hiddenLine>
+            </a:ext>
+            <a:ext uri="{AF507438-7753-43e0-B8FC-AC1667EBCBE1}">
+              <a14:hiddenEffects xmlns:a14="http://schemas.microsoft.com/office/drawing/2010/main">
+                <a:effectLst>
+                  <a:outerShdw dist="35921" dir="2700000" algn="ctr" rotWithShape="0">
+                    <a:schemeClr val="bg2"/>
+                  </a:outerShdw>
+                </a:effectLst>
+              </a14:hiddenEffects>
+            </a:ext>
+          </a:extLst>
+        </p:spPr>
+      </p:pic>
+      <p:pic>
+        <p:nvPicPr>
+          <p:cNvPr id="98" name="Picture 12"/>
+          <p:cNvPicPr>
+            <a:picLocks noChangeAspect="1" noChangeArrowheads="1"/>
+          </p:cNvPicPr>
+          <p:nvPr/>
+        </p:nvPicPr>
+        <p:blipFill>
+          <a:blip r:embed="rId14" cstate="print">
+            <a:extLst>
+              <a:ext uri="{28A0092B-C50C-407E-A947-70E740481C1C}">
+                <a14:useLocalDpi xmlns:a14="http://schemas.microsoft.com/office/drawing/2010/main" val="0"/>
+              </a:ext>
+            </a:extLst>
+          </a:blip>
+          <a:srcRect/>
+          <a:stretch>
+            <a:fillRect/>
+          </a:stretch>
+        </p:blipFill>
+        <p:spPr bwMode="auto">
+          <a:xfrm>
+            <a:off x="1038234" y="381000"/>
+            <a:ext cx="255922" cy="220740"/>
+          </a:xfrm>
+          <a:prstGeom prst="rect">
+            <a:avLst/>
+          </a:prstGeom>
+          <a:noFill/>
+          <a:ln>
+            <a:noFill/>
+          </a:ln>
+          <a:effectLst/>
+          <a:extLst>
+            <a:ext uri="{909E8E84-426E-40dd-AFC4-6F175D3DCCD1}">
+              <a14:hiddenFill xmlns:a14="http://schemas.microsoft.com/office/drawing/2010/main">
+                <a:solidFill>
+                  <a:schemeClr val="accent1"/>
+                </a:solidFill>
+              </a14:hiddenFill>
+            </a:ext>
+            <a:ext uri="{91240B29-F687-4f45-9708-019B960494DF}">
+              <a14:hiddenLine xmlns:a14="http://schemas.microsoft.com/office/drawing/2010/main" w="9525">
+                <a:solidFill>
+                  <a:schemeClr val="tx1"/>
+                </a:solidFill>
+                <a:miter lim="800000"/>
+                <a:headEnd/>
+                <a:tailEnd/>
+              </a14:hiddenLine>
+            </a:ext>
+            <a:ext uri="{AF507438-7753-43e0-B8FC-AC1667EBCBE1}">
+              <a14:hiddenEffects xmlns:a14="http://schemas.microsoft.com/office/drawing/2010/main">
+                <a:effectLst>
+                  <a:outerShdw dist="35921" dir="2700000" algn="ctr" rotWithShape="0">
+                    <a:schemeClr val="bg2"/>
+                  </a:outerShdw>
+                </a:effectLst>
+              </a14:hiddenEffects>
+            </a:ext>
+          </a:extLst>
+        </p:spPr>
+      </p:pic>
+      <p:grpSp>
+        <p:nvGrpSpPr>
+          <p:cNvPr id="6" name="Group 5"/>
+          <p:cNvGrpSpPr/>
+          <p:nvPr/>
+        </p:nvGrpSpPr>
+        <p:grpSpPr>
+          <a:xfrm>
+            <a:off x="-939800" y="838200"/>
+            <a:ext cx="914400" cy="1193802"/>
+            <a:chOff x="-939800" y="838200"/>
+            <a:chExt cx="914400" cy="1193802"/>
+          </a:xfrm>
+        </p:grpSpPr>
+        <p:grpSp>
+          <p:nvGrpSpPr>
+            <p:cNvPr id="77" name="Group 76"/>
+            <p:cNvGrpSpPr/>
+            <p:nvPr/>
+          </p:nvGrpSpPr>
+          <p:grpSpPr>
+            <a:xfrm>
+              <a:off x="-939800" y="838200"/>
+              <a:ext cx="914400" cy="1193802"/>
+              <a:chOff x="1695092" y="1103354"/>
+              <a:chExt cx="914400" cy="1193802"/>
+            </a:xfrm>
+            <a:solidFill>
+              <a:srgbClr val="FFC000"/>
+            </a:solidFill>
+            <a:effectLst>
+              <a:glow rad="139700">
+                <a:srgbClr val="FFFF00">
+                  <a:alpha val="40000"/>
+                </a:srgbClr>
+              </a:glow>
+              <a:outerShdw blurRad="76200" dir="18900000" sy="23000" kx="-1200000" algn="bl" rotWithShape="0">
+                <a:prstClr val="black">
+                  <a:alpha val="35000"/>
+                </a:prstClr>
+              </a:outerShdw>
+            </a:effectLst>
+          </p:grpSpPr>
+          <p:sp>
+            <p:nvSpPr>
+              <p:cNvPr id="79" name="Rounded Rectangle 78"/>
+              <p:cNvSpPr/>
+              <p:nvPr/>
+            </p:nvSpPr>
+            <p:spPr>
+              <a:xfrm>
+                <a:off x="1695092" y="1103354"/>
+                <a:ext cx="914400" cy="914400"/>
+              </a:xfrm>
+              <a:prstGeom prst="roundRect">
+                <a:avLst>
+                  <a:gd name="adj" fmla="val 3212"/>
+                </a:avLst>
+              </a:prstGeom>
+              <a:grpFill/>
+              <a:ln>
+                <a:noFill/>
+              </a:ln>
+            </p:spPr>
+            <p:style>
+              <a:lnRef idx="2">
+                <a:schemeClr val="accent1">
+                  <a:shade val="50000"/>
+                </a:schemeClr>
+              </a:lnRef>
+              <a:fillRef idx="1">
+                <a:schemeClr val="accent1"/>
+              </a:fillRef>
+              <a:effectRef idx="0">
+                <a:schemeClr val="accent1"/>
+              </a:effectRef>
+              <a:fontRef idx="minor">
+                <a:schemeClr val="lt1"/>
+              </a:fontRef>
+            </p:style>
+            <p:txBody>
+              <a:bodyPr rtlCol="0" anchor="ctr"/>
+              <a:lstStyle/>
+              <a:p>
+                <a:pPr algn="ctr"/>
+                <a:endParaRPr lang="en-US"/>
+              </a:p>
+            </p:txBody>
+          </p:sp>
+          <p:sp>
+            <p:nvSpPr>
+              <p:cNvPr id="97" name="Isosceles Triangle 96"/>
+              <p:cNvSpPr/>
+              <p:nvPr/>
+            </p:nvSpPr>
+            <p:spPr>
+              <a:xfrm flipV="1">
+                <a:off x="1999892" y="2017754"/>
+                <a:ext cx="304800" cy="279402"/>
+              </a:xfrm>
+              <a:prstGeom prst="triangle">
+                <a:avLst/>
+              </a:prstGeom>
+              <a:grpFill/>
+              <a:ln>
+                <a:noFill/>
+              </a:ln>
+            </p:spPr>
+            <p:style>
+              <a:lnRef idx="2">
+                <a:schemeClr val="accent1">
+                  <a:shade val="50000"/>
+                </a:schemeClr>
+              </a:lnRef>
+              <a:fillRef idx="1">
+                <a:schemeClr val="accent1"/>
+              </a:fillRef>
+              <a:effectRef idx="0">
+                <a:schemeClr val="accent1"/>
+              </a:effectRef>
+              <a:fontRef idx="minor">
+                <a:schemeClr val="lt1"/>
+              </a:fontRef>
+            </p:style>
+            <p:txBody>
+              <a:bodyPr rtlCol="0" anchor="ctr"/>
+              <a:lstStyle/>
+              <a:p>
+                <a:pPr algn="ctr"/>
+                <a:endParaRPr lang="en-US"/>
+              </a:p>
+            </p:txBody>
+          </p:sp>
+        </p:grpSp>
+        <p:pic>
+          <p:nvPicPr>
+            <p:cNvPr id="99" name="Picture 98"/>
+            <p:cNvPicPr>
+              <a:picLocks noChangeAspect="1"/>
+            </p:cNvPicPr>
+            <p:nvPr/>
+          </p:nvPicPr>
+          <p:blipFill rotWithShape="1">
+            <a:blip r:embed="rId3">
+              <a:extLst>
+                <a:ext uri="{28A0092B-C50C-407E-A947-70E740481C1C}">
+                  <a14:useLocalDpi xmlns:a14="http://schemas.microsoft.com/office/drawing/2010/main" val="0"/>
+                </a:ext>
+              </a:extLst>
+            </a:blip>
+            <a:srcRect l="46691"/>
+            <a:stretch/>
+          </p:blipFill>
+          <p:spPr>
+            <a:xfrm>
+              <a:off x="-939800" y="1009918"/>
+              <a:ext cx="435010" cy="546099"/>
+            </a:xfrm>
+            <a:prstGeom prst="rect">
+              <a:avLst/>
+            </a:prstGeom>
+            <a:solidFill>
+              <a:srgbClr val="FFC000"/>
+            </a:solidFill>
+            <a:ln>
+              <a:noFill/>
+            </a:ln>
+          </p:spPr>
+        </p:pic>
+        <p:pic>
+          <p:nvPicPr>
+            <p:cNvPr id="101" name="Picture 100"/>
+            <p:cNvPicPr>
+              <a:picLocks noChangeAspect="1"/>
+            </p:cNvPicPr>
+            <p:nvPr/>
+          </p:nvPicPr>
+          <p:blipFill rotWithShape="1">
+            <a:blip r:embed="rId3">
+              <a:extLst>
+                <a:ext uri="{28A0092B-C50C-407E-A947-70E740481C1C}">
+                  <a14:useLocalDpi xmlns:a14="http://schemas.microsoft.com/office/drawing/2010/main" val="0"/>
+                </a:ext>
+              </a:extLst>
+            </a:blip>
+            <a:srcRect r="51234"/>
+            <a:stretch/>
+          </p:blipFill>
+          <p:spPr>
+            <a:xfrm>
+              <a:off x="-424989" y="1016001"/>
+              <a:ext cx="397933" cy="546099"/>
+            </a:xfrm>
+            <a:prstGeom prst="rect">
+              <a:avLst/>
+            </a:prstGeom>
+            <a:noFill/>
+            <a:ln>
+              <a:noFill/>
+            </a:ln>
+          </p:spPr>
+        </p:pic>
+      </p:grpSp>
+      <p:grpSp>
+        <p:nvGrpSpPr>
+          <p:cNvPr id="3" name="Group 2"/>
+          <p:cNvGrpSpPr/>
+          <p:nvPr/>
+        </p:nvGrpSpPr>
+        <p:grpSpPr>
+          <a:xfrm>
+            <a:off x="-685800" y="2667000"/>
+            <a:ext cx="411480" cy="411480"/>
+            <a:chOff x="-685800" y="2667000"/>
+            <a:chExt cx="411480" cy="411480"/>
+          </a:xfrm>
+        </p:grpSpPr>
+        <p:grpSp>
+          <p:nvGrpSpPr>
+            <p:cNvPr id="102" name="Group 101"/>
+            <p:cNvGrpSpPr/>
+            <p:nvPr/>
+          </p:nvGrpSpPr>
+          <p:grpSpPr>
+            <a:xfrm>
+              <a:off x="-685800" y="2667000"/>
+              <a:ext cx="411480" cy="411480"/>
+              <a:chOff x="3934230" y="4568283"/>
+              <a:chExt cx="411480" cy="411480"/>
+            </a:xfrm>
+          </p:grpSpPr>
+          <p:sp>
+            <p:nvSpPr>
+              <p:cNvPr id="103" name="Rounded Rectangle 102"/>
+              <p:cNvSpPr/>
+              <p:nvPr/>
+            </p:nvSpPr>
+            <p:spPr>
+              <a:xfrm>
+                <a:off x="3934230" y="4568283"/>
+                <a:ext cx="411480" cy="411480"/>
+              </a:xfrm>
+              <a:prstGeom prst="roundRect">
+                <a:avLst>
+                  <a:gd name="adj" fmla="val 3212"/>
+                </a:avLst>
+              </a:prstGeom>
+              <a:solidFill>
+                <a:srgbClr val="FFC000"/>
+              </a:solidFill>
+              <a:ln>
+                <a:noFill/>
+              </a:ln>
+              <a:effectLst>
+                <a:glow rad="76200">
+                  <a:srgbClr val="FFFF00">
+                    <a:alpha val="40000"/>
+                  </a:srgbClr>
+                </a:glow>
+              </a:effectLst>
+            </p:spPr>
+            <p:style>
+              <a:lnRef idx="2">
+                <a:schemeClr val="accent1">
+                  <a:shade val="50000"/>
+                </a:schemeClr>
+              </a:lnRef>
+              <a:fillRef idx="1">
+                <a:schemeClr val="accent1"/>
+              </a:fillRef>
+              <a:effectRef idx="0">
+                <a:schemeClr val="accent1"/>
+              </a:effectRef>
+              <a:fontRef idx="minor">
+                <a:schemeClr val="lt1"/>
+              </a:fontRef>
+            </p:style>
+            <p:txBody>
+              <a:bodyPr rtlCol="0" anchor="ctr"/>
+              <a:lstStyle/>
+              <a:p>
+                <a:pPr algn="ctr"/>
+                <a:endParaRPr lang="en-US" u="sng"/>
+              </a:p>
+            </p:txBody>
+          </p:sp>
+          <p:pic>
+            <p:nvPicPr>
+              <p:cNvPr id="104" name="Picture 103"/>
+              <p:cNvPicPr>
+                <a:picLocks noChangeAspect="1"/>
+              </p:cNvPicPr>
+              <p:nvPr/>
+            </p:nvPicPr>
+            <p:blipFill rotWithShape="1">
+              <a:blip r:embed="rId6" cstate="print">
+                <a:extLst>
+                  <a:ext uri="{28A0092B-C50C-407E-A947-70E740481C1C}">
+                    <a14:useLocalDpi xmlns:a14="http://schemas.microsoft.com/office/drawing/2010/main" val="0"/>
+                  </a:ext>
+                </a:extLst>
+              </a:blip>
+              <a:srcRect l="46691"/>
+              <a:stretch/>
+            </p:blipFill>
+            <p:spPr>
+              <a:xfrm>
+                <a:off x="3934230" y="4645556"/>
+                <a:ext cx="195755" cy="245745"/>
+              </a:xfrm>
+              <a:prstGeom prst="rect">
+                <a:avLst/>
+              </a:prstGeom>
+              <a:solidFill>
+                <a:srgbClr val="FFC000"/>
+              </a:solidFill>
+              <a:ln>
+                <a:noFill/>
+              </a:ln>
+            </p:spPr>
+          </p:pic>
+        </p:grpSp>
+        <p:pic>
+          <p:nvPicPr>
+            <p:cNvPr id="105" name="Picture 104"/>
+            <p:cNvPicPr>
+              <a:picLocks noChangeAspect="1"/>
+            </p:cNvPicPr>
+            <p:nvPr/>
+          </p:nvPicPr>
+          <p:blipFill rotWithShape="1">
+            <a:blip r:embed="rId4" cstate="print">
+              <a:extLst>
+                <a:ext uri="{28A0092B-C50C-407E-A947-70E740481C1C}">
+                  <a14:useLocalDpi xmlns:a14="http://schemas.microsoft.com/office/drawing/2010/main" val="0"/>
+                </a:ext>
+              </a:extLst>
+            </a:blip>
+            <a:srcRect r="48420"/>
+            <a:stretch/>
+          </p:blipFill>
+          <p:spPr>
+            <a:xfrm>
+              <a:off x="-465630" y="2746375"/>
+              <a:ext cx="189405" cy="245745"/>
+            </a:xfrm>
+            <a:prstGeom prst="rect">
+              <a:avLst/>
+            </a:prstGeom>
+            <a:noFill/>
+            <a:ln>
+              <a:noFill/>
+            </a:ln>
+          </p:spPr>
+        </p:pic>
+      </p:grpSp>
+      <p:grpSp>
+        <p:nvGrpSpPr>
+          <p:cNvPr id="19" name="Group 18"/>
+          <p:cNvGrpSpPr/>
+          <p:nvPr/>
+        </p:nvGrpSpPr>
+        <p:grpSpPr>
+          <a:xfrm>
+            <a:off x="9753600" y="2438400"/>
+            <a:ext cx="411481" cy="414457"/>
+            <a:chOff x="9753600" y="2438400"/>
+            <a:chExt cx="411481" cy="414457"/>
+          </a:xfrm>
+        </p:grpSpPr>
+        <p:sp>
+          <p:nvSpPr>
+            <p:cNvPr id="111" name="Rounded Rectangle 110"/>
+            <p:cNvSpPr/>
+            <p:nvPr/>
+          </p:nvSpPr>
+          <p:spPr>
+            <a:xfrm>
+              <a:off x="9753600" y="2441258"/>
+              <a:ext cx="411481" cy="411480"/>
+            </a:xfrm>
+            <a:prstGeom prst="roundRect">
+              <a:avLst>
+                <a:gd name="adj" fmla="val 3212"/>
+              </a:avLst>
+            </a:prstGeom>
+            <a:solidFill>
+              <a:srgbClr val="FFC000"/>
+            </a:solidFill>
+            <a:ln>
+              <a:noFill/>
+            </a:ln>
+            <a:effectLst>
+              <a:glow rad="76200">
+                <a:srgbClr val="FFC000">
+                  <a:alpha val="40000"/>
+                </a:srgbClr>
+              </a:glow>
+            </a:effectLst>
+          </p:spPr>
+          <p:style>
+            <a:lnRef idx="2">
+              <a:schemeClr val="accent1">
+                <a:shade val="50000"/>
+              </a:schemeClr>
+            </a:lnRef>
+            <a:fillRef idx="1">
+              <a:schemeClr val="accent1"/>
+            </a:fillRef>
+            <a:effectRef idx="0">
+              <a:schemeClr val="accent1"/>
+            </a:effectRef>
+            <a:fontRef idx="minor">
+              <a:schemeClr val="lt1"/>
+            </a:fontRef>
+          </p:style>
+          <p:txBody>
+            <a:bodyPr rtlCol="0" anchor="ctr"/>
+            <a:lstStyle/>
+            <a:p>
+              <a:pPr algn="ctr"/>
+              <a:endParaRPr lang="en-US"/>
+            </a:p>
+          </p:txBody>
+        </p:sp>
+        <p:pic>
+          <p:nvPicPr>
+            <p:cNvPr id="114" name="Picture 113"/>
+            <p:cNvPicPr>
+              <a:picLocks noChangeAspect="1"/>
+            </p:cNvPicPr>
+            <p:nvPr/>
+          </p:nvPicPr>
+          <p:blipFill rotWithShape="1">
+            <a:blip r:embed="rId4" cstate="print">
+              <a:extLst>
+                <a:ext uri="{28A0092B-C50C-407E-A947-70E740481C1C}">
+                  <a14:useLocalDpi xmlns:a14="http://schemas.microsoft.com/office/drawing/2010/main" val="0"/>
+                </a:ext>
+              </a:extLst>
+            </a:blip>
+            <a:srcRect r="17690"/>
+            <a:stretch/>
+          </p:blipFill>
+          <p:spPr>
+            <a:xfrm>
+              <a:off x="9862837" y="2607113"/>
+              <a:ext cx="302244" cy="245744"/>
+            </a:xfrm>
+            <a:prstGeom prst="rect">
+              <a:avLst/>
+            </a:prstGeom>
+            <a:noFill/>
+            <a:ln>
+              <a:noFill/>
+            </a:ln>
+          </p:spPr>
+        </p:pic>
+        <p:pic>
+          <p:nvPicPr>
+            <p:cNvPr id="115" name="Picture 114"/>
+            <p:cNvPicPr>
+              <a:picLocks noChangeAspect="1"/>
+            </p:cNvPicPr>
+            <p:nvPr/>
+          </p:nvPicPr>
+          <p:blipFill rotWithShape="1">
+            <a:blip r:embed="rId4" cstate="print">
+              <a:extLst>
+                <a:ext uri="{28A0092B-C50C-407E-A947-70E740481C1C}">
+                  <a14:useLocalDpi xmlns:a14="http://schemas.microsoft.com/office/drawing/2010/main" val="0"/>
+                </a:ext>
+              </a:extLst>
+            </a:blip>
+            <a:srcRect t="34835" r="46150"/>
+            <a:stretch/>
+          </p:blipFill>
+          <p:spPr>
+            <a:xfrm>
+              <a:off x="9967342" y="2438400"/>
+              <a:ext cx="197739" cy="160140"/>
+            </a:xfrm>
+            <a:prstGeom prst="rect">
+              <a:avLst/>
+            </a:prstGeom>
+            <a:noFill/>
+            <a:ln>
+              <a:noFill/>
+            </a:ln>
+          </p:spPr>
+        </p:pic>
+        <p:pic>
+          <p:nvPicPr>
+            <p:cNvPr id="116" name="Picture 115"/>
+            <p:cNvPicPr>
+              <a:picLocks noChangeAspect="1"/>
+            </p:cNvPicPr>
+            <p:nvPr/>
+          </p:nvPicPr>
+          <p:blipFill rotWithShape="1">
+            <a:blip r:embed="rId4" cstate="print">
+              <a:extLst>
+                <a:ext uri="{28A0092B-C50C-407E-A947-70E740481C1C}">
+                  <a14:useLocalDpi xmlns:a14="http://schemas.microsoft.com/office/drawing/2010/main" val="0"/>
+                </a:ext>
+              </a:extLst>
+            </a:blip>
+            <a:srcRect l="50000"/>
+            <a:stretch/>
+          </p:blipFill>
+          <p:spPr>
+            <a:xfrm>
+              <a:off x="9753600" y="2442687"/>
+              <a:ext cx="183602" cy="245744"/>
+            </a:xfrm>
+            <a:prstGeom prst="rect">
+              <a:avLst/>
+            </a:prstGeom>
+            <a:noFill/>
+            <a:ln>
+              <a:noFill/>
+            </a:ln>
+          </p:spPr>
+        </p:pic>
+      </p:grpSp>
+      <p:grpSp>
+        <p:nvGrpSpPr>
+          <p:cNvPr id="2" name="Group 1"/>
+          <p:cNvGrpSpPr/>
+          <p:nvPr/>
+        </p:nvGrpSpPr>
+        <p:grpSpPr>
+          <a:xfrm>
+            <a:off x="9440798" y="714386"/>
+            <a:ext cx="914401" cy="1194066"/>
+            <a:chOff x="9440798" y="714386"/>
+            <a:chExt cx="914401" cy="1194066"/>
+          </a:xfrm>
+        </p:grpSpPr>
+        <p:grpSp>
+          <p:nvGrpSpPr>
+            <p:cNvPr id="118" name="Group 117"/>
+            <p:cNvGrpSpPr/>
+            <p:nvPr/>
+          </p:nvGrpSpPr>
+          <p:grpSpPr>
+            <a:xfrm>
+              <a:off x="9440799" y="721002"/>
+              <a:ext cx="914400" cy="1187450"/>
+              <a:chOff x="1695092" y="1103354"/>
+              <a:chExt cx="914400" cy="1187450"/>
+            </a:xfrm>
+            <a:solidFill>
+              <a:srgbClr val="FFC000"/>
+            </a:solidFill>
+            <a:effectLst>
+              <a:glow rad="139700">
+                <a:srgbClr val="FFC000">
+                  <a:alpha val="40000"/>
+                </a:srgbClr>
+              </a:glow>
+              <a:outerShdw blurRad="76200" dir="18900000" sy="23000" kx="-1200000" algn="bl" rotWithShape="0">
+                <a:prstClr val="black">
+                  <a:alpha val="35000"/>
+                </a:prstClr>
+              </a:outerShdw>
+            </a:effectLst>
+          </p:grpSpPr>
+          <p:sp>
+            <p:nvSpPr>
+              <p:cNvPr id="122" name="Rounded Rectangle 121"/>
+              <p:cNvSpPr/>
+              <p:nvPr/>
+            </p:nvSpPr>
+            <p:spPr>
+              <a:xfrm>
+                <a:off x="1695092" y="1103354"/>
+                <a:ext cx="914400" cy="914400"/>
+              </a:xfrm>
+              <a:prstGeom prst="roundRect">
+                <a:avLst>
+                  <a:gd name="adj" fmla="val 3212"/>
+                </a:avLst>
+              </a:prstGeom>
+              <a:grpFill/>
+              <a:ln>
+                <a:noFill/>
+              </a:ln>
+            </p:spPr>
+            <p:style>
+              <a:lnRef idx="2">
+                <a:schemeClr val="accent1">
+                  <a:shade val="50000"/>
+                </a:schemeClr>
+              </a:lnRef>
+              <a:fillRef idx="1">
+                <a:schemeClr val="accent1"/>
+              </a:fillRef>
+              <a:effectRef idx="0">
+                <a:schemeClr val="accent1"/>
+              </a:effectRef>
+              <a:fontRef idx="minor">
+                <a:schemeClr val="lt1"/>
+              </a:fontRef>
+            </p:style>
+            <p:txBody>
+              <a:bodyPr rtlCol="0" anchor="ctr"/>
+              <a:lstStyle/>
+              <a:p>
+                <a:pPr algn="ctr"/>
+                <a:endParaRPr lang="en-US"/>
+              </a:p>
+            </p:txBody>
+          </p:sp>
+          <p:sp>
+            <p:nvSpPr>
+              <p:cNvPr id="123" name="Isosceles Triangle 122"/>
+              <p:cNvSpPr/>
+              <p:nvPr/>
+            </p:nvSpPr>
+            <p:spPr>
+              <a:xfrm flipV="1">
+                <a:off x="1999892" y="2017754"/>
+                <a:ext cx="304800" cy="273050"/>
+              </a:xfrm>
+              <a:prstGeom prst="triangle">
+                <a:avLst/>
+              </a:prstGeom>
+              <a:grpFill/>
+              <a:ln>
+                <a:noFill/>
+              </a:ln>
+            </p:spPr>
+            <p:style>
+              <a:lnRef idx="2">
+                <a:schemeClr val="accent1">
+                  <a:shade val="50000"/>
+                </a:schemeClr>
+              </a:lnRef>
+              <a:fillRef idx="1">
+                <a:schemeClr val="accent1"/>
+              </a:fillRef>
+              <a:effectRef idx="0">
+                <a:schemeClr val="accent1"/>
+              </a:effectRef>
+              <a:fontRef idx="minor">
+                <a:schemeClr val="lt1"/>
+              </a:fontRef>
+            </p:style>
+            <p:txBody>
+              <a:bodyPr rtlCol="0" anchor="ctr"/>
+              <a:lstStyle/>
+              <a:p>
+                <a:pPr algn="ctr"/>
+                <a:endParaRPr lang="en-US"/>
+              </a:p>
+            </p:txBody>
+          </p:sp>
+        </p:grpSp>
+        <p:pic>
+          <p:nvPicPr>
+            <p:cNvPr id="119" name="Picture 118"/>
+            <p:cNvPicPr>
+              <a:picLocks noChangeAspect="1"/>
+            </p:cNvPicPr>
+            <p:nvPr/>
+          </p:nvPicPr>
+          <p:blipFill rotWithShape="1">
+            <a:blip r:embed="rId3">
+              <a:extLst>
+                <a:ext uri="{28A0092B-C50C-407E-A947-70E740481C1C}">
+                  <a14:useLocalDpi xmlns:a14="http://schemas.microsoft.com/office/drawing/2010/main" val="0"/>
+                </a:ext>
+              </a:extLst>
+            </a:blip>
+            <a:srcRect r="17690"/>
+            <a:stretch/>
+          </p:blipFill>
+          <p:spPr>
+            <a:xfrm>
+              <a:off x="9683547" y="1089303"/>
+              <a:ext cx="671652" cy="546099"/>
+            </a:xfrm>
+            <a:prstGeom prst="rect">
+              <a:avLst/>
+            </a:prstGeom>
+            <a:noFill/>
+            <a:ln>
+              <a:noFill/>
+            </a:ln>
+          </p:spPr>
+        </p:pic>
+        <p:pic>
+          <p:nvPicPr>
+            <p:cNvPr id="120" name="Picture 119"/>
+            <p:cNvPicPr>
+              <a:picLocks noChangeAspect="1"/>
+            </p:cNvPicPr>
+            <p:nvPr/>
+          </p:nvPicPr>
+          <p:blipFill rotWithShape="1">
+            <a:blip r:embed="rId3">
+              <a:extLst>
+                <a:ext uri="{28A0092B-C50C-407E-A947-70E740481C1C}">
+                  <a14:useLocalDpi xmlns:a14="http://schemas.microsoft.com/office/drawing/2010/main" val="0"/>
+                </a:ext>
+              </a:extLst>
+            </a:blip>
+            <a:srcRect t="34835" r="46150"/>
+            <a:stretch/>
+          </p:blipFill>
+          <p:spPr>
+            <a:xfrm>
+              <a:off x="9915779" y="714386"/>
+              <a:ext cx="439420" cy="355867"/>
+            </a:xfrm>
+            <a:prstGeom prst="rect">
+              <a:avLst/>
+            </a:prstGeom>
+            <a:noFill/>
+            <a:ln>
+              <a:noFill/>
+            </a:ln>
+          </p:spPr>
+        </p:pic>
+        <p:pic>
+          <p:nvPicPr>
+            <p:cNvPr id="121" name="Picture 120"/>
+            <p:cNvPicPr>
+              <a:picLocks noChangeAspect="1"/>
+            </p:cNvPicPr>
+            <p:nvPr/>
+          </p:nvPicPr>
+          <p:blipFill rotWithShape="1">
+            <a:blip r:embed="rId3">
+              <a:extLst>
+                <a:ext uri="{28A0092B-C50C-407E-A947-70E740481C1C}">
+                  <a14:useLocalDpi xmlns:a14="http://schemas.microsoft.com/office/drawing/2010/main" val="0"/>
+                </a:ext>
+              </a:extLst>
+            </a:blip>
+            <a:srcRect l="50000"/>
+            <a:stretch/>
+          </p:blipFill>
+          <p:spPr>
+            <a:xfrm>
+              <a:off x="9440798" y="723913"/>
+              <a:ext cx="408005" cy="546099"/>
+            </a:xfrm>
+            <a:prstGeom prst="rect">
+              <a:avLst/>
+            </a:prstGeom>
+            <a:noFill/>
+            <a:ln>
+              <a:noFill/>
+            </a:ln>
+          </p:spPr>
+        </p:pic>
+      </p:grpSp>
+    </p:spTree>
+    <p:extLst>
+      <p:ext uri="{BB962C8B-B14F-4D97-AF65-F5344CB8AC3E}">
+        <p14:creationId xmlns:p14="http://schemas.microsoft.com/office/powerpoint/2010/main" val="4183787726"/>
+      </p:ext>
+    </p:extLst>
+  </p:cSld>
+  <p:clrMapOvr>
+    <a:masterClrMapping/>
+  </p:clrMapOvr>
+  <p:timing>
+    <p:tnLst>
+      <p:par>
+        <p:cTn xmlns:p14="http://schemas.microsoft.com/office/powerpoint/2010/main" id="1" dur="indefinite" restart="never" nodeType="tmRoot"/>
+      </p:par>
+    </p:tnLst>
+  </p:timing>
+</p:sld>
+</file>
+
 <file path=ppt/theme/theme1.xml><?xml version="1.0" encoding="utf-8"?>
 <a:theme xmlns:a="http://schemas.openxmlformats.org/drawingml/2006/main" name="Office Theme">
   <a:themeElements>
